--- a/Capstone Presentation.pptx
+++ b/Capstone Presentation.pptx
@@ -2,7 +2,7 @@
 <file path=ppt/presentation.xml><?xml version="1.0" encoding="utf-8"?>
 <p:presentation xmlns:a="http://schemas.openxmlformats.org/drawingml/2006/main" xmlns:r="http://schemas.openxmlformats.org/officeDocument/2006/relationships" xmlns:p="http://schemas.openxmlformats.org/presentationml/2006/main" saveSubsetFonts="1">
   <p:sldMasterIdLst>
-    <p:sldMasterId id="2147483696" r:id="rId1"/>
+    <p:sldMasterId id="2147483708" r:id="rId1"/>
   </p:sldMasterIdLst>
   <p:sldIdLst>
     <p:sldId id="256" r:id="rId2"/>
@@ -21,11 +21,11 @@
     <p:sldId id="263" r:id="rId15"/>
     <p:sldId id="264" r:id="rId16"/>
     <p:sldId id="276" r:id="rId17"/>
-    <p:sldId id="273" r:id="rId18"/>
-    <p:sldId id="274" r:id="rId19"/>
-    <p:sldId id="277" r:id="rId20"/>
-    <p:sldId id="278" r:id="rId21"/>
-    <p:sldId id="279" r:id="rId22"/>
+    <p:sldId id="279" r:id="rId18"/>
+    <p:sldId id="273" r:id="rId19"/>
+    <p:sldId id="274" r:id="rId20"/>
+    <p:sldId id="277" r:id="rId21"/>
+    <p:sldId id="278" r:id="rId22"/>
   </p:sldIdLst>
   <p:sldSz cx="12192000" cy="6858000"/>
   <p:notesSz cx="6858000" cy="9144000"/>
@@ -2419,7 +2419,7 @@
             <a:buNone/>
           </a:pPr>
           <a:r>
-            <a:rPr lang="en-IN" sz="3600" kern="1200" dirty="0">
+            <a:rPr lang="en-IN" sz="2400" kern="1200" dirty="0">
               <a:solidFill>
                 <a:schemeClr val="tx1"/>
               </a:solidFill>
@@ -2458,17 +2458,17 @@
       </dgm:t>
     </dgm:pt>
     <dgm:pt modelId="{403D6138-689A-4B6C-B90F-093DE51CC986}">
-      <dgm:prSet phldrT="[Text]"/>
+      <dgm:prSet phldrT="[Text]" custT="1"/>
       <dgm:spPr/>
       <dgm:t>
         <a:bodyPr/>
         <a:lstStyle/>
         <a:p>
           <a:r>
-            <a:rPr lang="en-US" b="0" i="0" dirty="0"/>
-            <a:t>Lack of Engagement, Poor Customer Service, Competitive Offers</a:t>
+            <a:rPr lang="en-US" sz="1800" b="0" i="0" dirty="0"/>
+            <a:t>Lack of Engagement</a:t>
           </a:r>
-          <a:endParaRPr lang="en-IN" dirty="0"/>
+          <a:endParaRPr lang="en-IN" sz="1800" dirty="0"/>
         </a:p>
       </dgm:t>
     </dgm:pt>
@@ -2531,7 +2531,7 @@
             <a:buNone/>
           </a:pPr>
           <a:r>
-            <a:rPr lang="en-IN" sz="3600" kern="1200" dirty="0">
+            <a:rPr lang="en-IN" sz="2400" kern="1200" dirty="0">
               <a:solidFill>
                 <a:prstClr val="black"/>
               </a:solidFill>
@@ -2570,17 +2570,17 @@
       </dgm:t>
     </dgm:pt>
     <dgm:pt modelId="{E0D753A9-47B1-42EB-9039-40589883E1E3}">
-      <dgm:prSet phldrT="[Text]"/>
+      <dgm:prSet phldrT="[Text]" custT="1"/>
       <dgm:spPr/>
       <dgm:t>
         <a:bodyPr/>
         <a:lstStyle/>
         <a:p>
           <a:r>
-            <a:rPr lang="en-US" b="0" i="0" dirty="0"/>
-            <a:t>Improve Customer Engagement, Enhance Customer Service, Competitive Product Offerings, Financial Education, Feedback Mechanism, Continuous Improvement</a:t>
+            <a:rPr lang="en-US" sz="1800" b="0" i="0" dirty="0"/>
+            <a:t>Improve Customer Engagement</a:t>
           </a:r>
-          <a:endParaRPr lang="en-IN" dirty="0"/>
+          <a:endParaRPr lang="en-IN" sz="1800" dirty="0"/>
         </a:p>
       </dgm:t>
     </dgm:pt>
@@ -2606,6 +2606,265 @@
         </a:p>
       </dgm:t>
     </dgm:pt>
+    <dgm:pt modelId="{46EBE1FE-0A65-457F-B696-F15674C5B999}">
+      <dgm:prSet phldrT="[Text]" custT="1"/>
+      <dgm:spPr/>
+      <dgm:t>
+        <a:bodyPr/>
+        <a:lstStyle/>
+        <a:p>
+          <a:r>
+            <a:rPr lang="en-US" sz="1800" b="0" i="0" dirty="0"/>
+            <a:t>Poor Customer Service</a:t>
+          </a:r>
+          <a:endParaRPr lang="en-IN" sz="1800" dirty="0"/>
+        </a:p>
+      </dgm:t>
+    </dgm:pt>
+    <dgm:pt modelId="{EC25919B-AE3D-4FAA-87A5-02BF5522AA38}" type="parTrans" cxnId="{4C90F7EB-2E71-4F94-84CC-6DBE00B5B70A}">
+      <dgm:prSet/>
+      <dgm:spPr/>
+      <dgm:t>
+        <a:bodyPr/>
+        <a:lstStyle/>
+        <a:p>
+          <a:endParaRPr lang="en-IN"/>
+        </a:p>
+      </dgm:t>
+    </dgm:pt>
+    <dgm:pt modelId="{A764722B-2329-44C2-863F-61E2224A9009}" type="sibTrans" cxnId="{4C90F7EB-2E71-4F94-84CC-6DBE00B5B70A}">
+      <dgm:prSet/>
+      <dgm:spPr/>
+      <dgm:t>
+        <a:bodyPr/>
+        <a:lstStyle/>
+        <a:p>
+          <a:endParaRPr lang="en-IN"/>
+        </a:p>
+      </dgm:t>
+    </dgm:pt>
+    <dgm:pt modelId="{818885FC-71C6-475C-9DAB-0D14879002BD}">
+      <dgm:prSet phldrT="[Text]" custT="1"/>
+      <dgm:spPr/>
+      <dgm:t>
+        <a:bodyPr/>
+        <a:lstStyle/>
+        <a:p>
+          <a:r>
+            <a:rPr lang="en-US" sz="1800" b="0" i="0" dirty="0"/>
+            <a:t>Competitive Offers</a:t>
+          </a:r>
+          <a:endParaRPr lang="en-IN" sz="1800" dirty="0"/>
+        </a:p>
+      </dgm:t>
+    </dgm:pt>
+    <dgm:pt modelId="{19862BAD-DEB1-449E-9F77-402357A1D8CB}" type="parTrans" cxnId="{4F1D7AE0-E45F-49E9-A59B-13DE7C11C6B7}">
+      <dgm:prSet/>
+      <dgm:spPr/>
+      <dgm:t>
+        <a:bodyPr/>
+        <a:lstStyle/>
+        <a:p>
+          <a:endParaRPr lang="en-IN"/>
+        </a:p>
+      </dgm:t>
+    </dgm:pt>
+    <dgm:pt modelId="{18059F87-C60D-4A5D-9AC8-D0C3E03065C0}" type="sibTrans" cxnId="{4F1D7AE0-E45F-49E9-A59B-13DE7C11C6B7}">
+      <dgm:prSet/>
+      <dgm:spPr/>
+      <dgm:t>
+        <a:bodyPr/>
+        <a:lstStyle/>
+        <a:p>
+          <a:endParaRPr lang="en-IN"/>
+        </a:p>
+      </dgm:t>
+    </dgm:pt>
+    <dgm:pt modelId="{25830BFF-4AAB-4BC1-8E51-5F4B5EFB6133}">
+      <dgm:prSet phldrT="[Text]" custT="1"/>
+      <dgm:spPr/>
+      <dgm:t>
+        <a:bodyPr/>
+        <a:lstStyle/>
+        <a:p>
+          <a:r>
+            <a:rPr lang="en-US" sz="1800" b="0" i="0" dirty="0"/>
+            <a:t>Enhance Customer Service</a:t>
+          </a:r>
+          <a:endParaRPr lang="en-IN" sz="1800" dirty="0"/>
+        </a:p>
+      </dgm:t>
+    </dgm:pt>
+    <dgm:pt modelId="{C8A55893-A328-42CC-8DFC-9044C08A5DCC}" type="parTrans" cxnId="{4935D8CD-CBF2-4165-BF49-E6B0C5E2A2BC}">
+      <dgm:prSet/>
+      <dgm:spPr/>
+      <dgm:t>
+        <a:bodyPr/>
+        <a:lstStyle/>
+        <a:p>
+          <a:endParaRPr lang="en-IN"/>
+        </a:p>
+      </dgm:t>
+    </dgm:pt>
+    <dgm:pt modelId="{A951189A-FE4C-4FEA-9EBB-DDE9E3AA54C2}" type="sibTrans" cxnId="{4935D8CD-CBF2-4165-BF49-E6B0C5E2A2BC}">
+      <dgm:prSet/>
+      <dgm:spPr/>
+      <dgm:t>
+        <a:bodyPr/>
+        <a:lstStyle/>
+        <a:p>
+          <a:endParaRPr lang="en-IN"/>
+        </a:p>
+      </dgm:t>
+    </dgm:pt>
+    <dgm:pt modelId="{4D5E3EDE-8064-49ED-A765-4242EAAF04B5}">
+      <dgm:prSet phldrT="[Text]" custT="1"/>
+      <dgm:spPr/>
+      <dgm:t>
+        <a:bodyPr/>
+        <a:lstStyle/>
+        <a:p>
+          <a:r>
+            <a:rPr lang="en-US" sz="1800" b="0" i="0" dirty="0"/>
+            <a:t>Competitive Product Offerings</a:t>
+          </a:r>
+          <a:endParaRPr lang="en-IN" sz="1800" dirty="0"/>
+        </a:p>
+      </dgm:t>
+    </dgm:pt>
+    <dgm:pt modelId="{2AD4060C-5547-463A-9D29-89A08CCD4FED}" type="parTrans" cxnId="{84F325E5-FF63-4EAD-A808-EEEE7EE3A3F0}">
+      <dgm:prSet/>
+      <dgm:spPr/>
+      <dgm:t>
+        <a:bodyPr/>
+        <a:lstStyle/>
+        <a:p>
+          <a:endParaRPr lang="en-IN"/>
+        </a:p>
+      </dgm:t>
+    </dgm:pt>
+    <dgm:pt modelId="{21C208AB-654A-43F8-88DC-B7F63058253C}" type="sibTrans" cxnId="{84F325E5-FF63-4EAD-A808-EEEE7EE3A3F0}">
+      <dgm:prSet/>
+      <dgm:spPr/>
+      <dgm:t>
+        <a:bodyPr/>
+        <a:lstStyle/>
+        <a:p>
+          <a:endParaRPr lang="en-IN"/>
+        </a:p>
+      </dgm:t>
+    </dgm:pt>
+    <dgm:pt modelId="{FA434FC6-D919-4A67-8749-01F49618DF22}">
+      <dgm:prSet phldrT="[Text]" custT="1"/>
+      <dgm:spPr/>
+      <dgm:t>
+        <a:bodyPr/>
+        <a:lstStyle/>
+        <a:p>
+          <a:r>
+            <a:rPr lang="en-US" sz="1800" b="0" i="0" dirty="0"/>
+            <a:t>Financial Education</a:t>
+          </a:r>
+          <a:endParaRPr lang="en-IN" sz="1800" dirty="0"/>
+        </a:p>
+      </dgm:t>
+    </dgm:pt>
+    <dgm:pt modelId="{4C5FB55C-53C5-495E-B2DB-E4D26B93D0FB}" type="parTrans" cxnId="{B076061C-0020-46F8-97BC-893F49604C28}">
+      <dgm:prSet/>
+      <dgm:spPr/>
+      <dgm:t>
+        <a:bodyPr/>
+        <a:lstStyle/>
+        <a:p>
+          <a:endParaRPr lang="en-IN"/>
+        </a:p>
+      </dgm:t>
+    </dgm:pt>
+    <dgm:pt modelId="{544F09AB-B2C5-4F62-BFEB-C7727E10BBC5}" type="sibTrans" cxnId="{B076061C-0020-46F8-97BC-893F49604C28}">
+      <dgm:prSet/>
+      <dgm:spPr/>
+      <dgm:t>
+        <a:bodyPr/>
+        <a:lstStyle/>
+        <a:p>
+          <a:endParaRPr lang="en-IN"/>
+        </a:p>
+      </dgm:t>
+    </dgm:pt>
+    <dgm:pt modelId="{ACE69724-CC9C-415C-8D35-AFC559FD8B5C}">
+      <dgm:prSet phldrT="[Text]" custT="1"/>
+      <dgm:spPr/>
+      <dgm:t>
+        <a:bodyPr/>
+        <a:lstStyle/>
+        <a:p>
+          <a:r>
+            <a:rPr lang="en-US" sz="1800" b="0" i="0" dirty="0"/>
+            <a:t>Feedback Mechanism</a:t>
+          </a:r>
+          <a:endParaRPr lang="en-IN" sz="1800" dirty="0"/>
+        </a:p>
+      </dgm:t>
+    </dgm:pt>
+    <dgm:pt modelId="{0183C044-475C-4C76-B2D2-1132604E7970}" type="parTrans" cxnId="{B301E2DC-4061-4F68-8A67-D3F99AD59D07}">
+      <dgm:prSet/>
+      <dgm:spPr/>
+      <dgm:t>
+        <a:bodyPr/>
+        <a:lstStyle/>
+        <a:p>
+          <a:endParaRPr lang="en-IN"/>
+        </a:p>
+      </dgm:t>
+    </dgm:pt>
+    <dgm:pt modelId="{EAB99803-4088-4087-8292-BA00B05775A5}" type="sibTrans" cxnId="{B301E2DC-4061-4F68-8A67-D3F99AD59D07}">
+      <dgm:prSet/>
+      <dgm:spPr/>
+      <dgm:t>
+        <a:bodyPr/>
+        <a:lstStyle/>
+        <a:p>
+          <a:endParaRPr lang="en-IN"/>
+        </a:p>
+      </dgm:t>
+    </dgm:pt>
+    <dgm:pt modelId="{483702F0-398A-4746-A2D5-1BF8E022F98B}">
+      <dgm:prSet phldrT="[Text]" custT="1"/>
+      <dgm:spPr/>
+      <dgm:t>
+        <a:bodyPr/>
+        <a:lstStyle/>
+        <a:p>
+          <a:r>
+            <a:rPr lang="en-US" sz="1800" b="0" i="0" dirty="0"/>
+            <a:t>Continuous Improvement</a:t>
+          </a:r>
+          <a:endParaRPr lang="en-IN" sz="1800" dirty="0"/>
+        </a:p>
+      </dgm:t>
+    </dgm:pt>
+    <dgm:pt modelId="{F48FD594-5511-4794-BB7B-19A50B5415A2}" type="parTrans" cxnId="{D3A4D78B-F4ED-44BB-B909-F0DA2E0AD0EF}">
+      <dgm:prSet/>
+      <dgm:spPr/>
+      <dgm:t>
+        <a:bodyPr/>
+        <a:lstStyle/>
+        <a:p>
+          <a:endParaRPr lang="en-IN"/>
+        </a:p>
+      </dgm:t>
+    </dgm:pt>
+    <dgm:pt modelId="{AB91BD59-6BD4-4D2B-B4C6-548C05ED1FDE}" type="sibTrans" cxnId="{D3A4D78B-F4ED-44BB-B909-F0DA2E0AD0EF}">
+      <dgm:prSet/>
+      <dgm:spPr/>
+      <dgm:t>
+        <a:bodyPr/>
+        <a:lstStyle/>
+        <a:p>
+          <a:endParaRPr lang="en-IN"/>
+        </a:p>
+      </dgm:t>
+    </dgm:pt>
     <dgm:pt modelId="{C58CFDDD-4F4F-4B05-947E-8EFA732CEB24}" type="pres">
       <dgm:prSet presAssocID="{F10D130A-5355-4399-8136-0CC18EFE7CAE}" presName="linear" presStyleCnt="0">
         <dgm:presLayoutVars>
@@ -2616,7 +2875,7 @@
       <dgm:spPr/>
     </dgm:pt>
     <dgm:pt modelId="{3106D728-1D96-44D4-896A-22475AFA3C31}" type="pres">
-      <dgm:prSet presAssocID="{9B959E4F-FADC-4C57-B4A6-F46332569857}" presName="parentText" presStyleLbl="node1" presStyleIdx="0" presStyleCnt="2" custLinFactNeighborX="0" custLinFactNeighborY="934">
+      <dgm:prSet presAssocID="{9B959E4F-FADC-4C57-B4A6-F46332569857}" presName="parentText" presStyleLbl="node1" presStyleIdx="0" presStyleCnt="2" custScaleY="67376" custLinFactNeighborX="-178" custLinFactNeighborY="-98354">
         <dgm:presLayoutVars>
           <dgm:chMax val="0"/>
           <dgm:bulletEnabled val="1"/>
@@ -2633,7 +2892,7 @@
       </dgm:spPr>
     </dgm:pt>
     <dgm:pt modelId="{8393C11F-AD5E-4640-B15F-6B579047B812}" type="pres">
-      <dgm:prSet presAssocID="{9B959E4F-FADC-4C57-B4A6-F46332569857}" presName="childText" presStyleLbl="revTx" presStyleIdx="0" presStyleCnt="2">
+      <dgm:prSet presAssocID="{9B959E4F-FADC-4C57-B4A6-F46332569857}" presName="childText" presStyleLbl="revTx" presStyleIdx="0" presStyleCnt="2" custScaleY="107612" custLinFactNeighborY="-27103">
         <dgm:presLayoutVars>
           <dgm:bulletEnabled val="1"/>
         </dgm:presLayoutVars>
@@ -2641,7 +2900,7 @@
       <dgm:spPr/>
     </dgm:pt>
     <dgm:pt modelId="{400AADE3-73E8-424A-A252-C8BFAFC79EE1}" type="pres">
-      <dgm:prSet presAssocID="{59B36BF9-A37C-40BA-ACC5-EE1957B5C595}" presName="parentText" presStyleLbl="node1" presStyleIdx="1" presStyleCnt="2">
+      <dgm:prSet presAssocID="{59B36BF9-A37C-40BA-ACC5-EE1957B5C595}" presName="parentText" presStyleLbl="node1" presStyleIdx="1" presStyleCnt="2" custScaleY="65506" custLinFactNeighborY="-18624">
         <dgm:presLayoutVars>
           <dgm:chMax val="0"/>
           <dgm:bulletEnabled val="1"/>
@@ -2658,7 +2917,7 @@
       </dgm:spPr>
     </dgm:pt>
     <dgm:pt modelId="{FC3DB2DF-40CC-4770-B46A-59FC85EEACF8}" type="pres">
-      <dgm:prSet presAssocID="{59B36BF9-A37C-40BA-ACC5-EE1957B5C595}" presName="childText" presStyleLbl="revTx" presStyleIdx="1" presStyleCnt="2">
+      <dgm:prSet presAssocID="{59B36BF9-A37C-40BA-ACC5-EE1957B5C595}" presName="childText" presStyleLbl="revTx" presStyleIdx="1" presStyleCnt="2" custScaleY="114652" custLinFactNeighborY="-26878">
         <dgm:presLayoutVars>
           <dgm:bulletEnabled val="1"/>
         </dgm:presLayoutVars>
@@ -2667,14 +2926,28 @@
     </dgm:pt>
   </dgm:ptLst>
   <dgm:cxnLst>
+    <dgm:cxn modelId="{B076061C-0020-46F8-97BC-893F49604C28}" srcId="{59B36BF9-A37C-40BA-ACC5-EE1957B5C595}" destId="{FA434FC6-D919-4A67-8749-01F49618DF22}" srcOrd="3" destOrd="0" parTransId="{4C5FB55C-53C5-495E-B2DB-E4D26B93D0FB}" sibTransId="{544F09AB-B2C5-4F62-BFEB-C7727E10BBC5}"/>
+    <dgm:cxn modelId="{D0A7331C-96A4-44C1-BBE7-2700F859ED77}" type="presOf" srcId="{ACE69724-CC9C-415C-8D35-AFC559FD8B5C}" destId="{FC3DB2DF-40CC-4770-B46A-59FC85EEACF8}" srcOrd="0" destOrd="4" presId="urn:microsoft.com/office/officeart/2005/8/layout/vList2"/>
     <dgm:cxn modelId="{73A2171D-848E-45D6-8F62-052D7B636DAA}" srcId="{F10D130A-5355-4399-8136-0CC18EFE7CAE}" destId="{9B959E4F-FADC-4C57-B4A6-F46332569857}" srcOrd="0" destOrd="0" parTransId="{2EF32B60-ED67-40F8-AB71-40AC0BADA3CB}" sibTransId="{E7EE0753-238A-4933-A97E-03EC64BA1DBB}"/>
     <dgm:cxn modelId="{FEF4B722-B83D-4F81-AC02-2EFB43CF7568}" type="presOf" srcId="{403D6138-689A-4B6C-B90F-093DE51CC986}" destId="{8393C11F-AD5E-4640-B15F-6B579047B812}" srcOrd="0" destOrd="0" presId="urn:microsoft.com/office/officeart/2005/8/layout/vList2"/>
     <dgm:cxn modelId="{E4E8EE26-E6A1-4CB0-BCF8-5CD0425FC998}" srcId="{9B959E4F-FADC-4C57-B4A6-F46332569857}" destId="{403D6138-689A-4B6C-B90F-093DE51CC986}" srcOrd="0" destOrd="0" parTransId="{83BECC7D-FDC6-49D4-B139-DEC0711BF540}" sibTransId="{D956A955-DE15-43C2-A6BC-D8E6A7050F35}"/>
+    <dgm:cxn modelId="{B2DB9C2E-2BC6-4986-B256-C2E48875265F}" type="presOf" srcId="{46EBE1FE-0A65-457F-B696-F15674C5B999}" destId="{8393C11F-AD5E-4640-B15F-6B579047B812}" srcOrd="0" destOrd="1" presId="urn:microsoft.com/office/officeart/2005/8/layout/vList2"/>
     <dgm:cxn modelId="{4FF2BC35-CE11-486C-B79D-F08CE42837AA}" type="presOf" srcId="{F10D130A-5355-4399-8136-0CC18EFE7CAE}" destId="{C58CFDDD-4F4F-4B05-947E-8EFA732CEB24}" srcOrd="0" destOrd="0" presId="urn:microsoft.com/office/officeart/2005/8/layout/vList2"/>
+    <dgm:cxn modelId="{6D068C5E-D9DA-4681-92F7-F4E2D59B3290}" type="presOf" srcId="{483702F0-398A-4746-A2D5-1BF8E022F98B}" destId="{FC3DB2DF-40CC-4770-B46A-59FC85EEACF8}" srcOrd="0" destOrd="5" presId="urn:microsoft.com/office/officeart/2005/8/layout/vList2"/>
     <dgm:cxn modelId="{708DC445-CE24-4A5E-B477-676F434D6042}" srcId="{F10D130A-5355-4399-8136-0CC18EFE7CAE}" destId="{59B36BF9-A37C-40BA-ACC5-EE1957B5C595}" srcOrd="1" destOrd="0" parTransId="{466A73D3-54FA-4F8D-A211-02B2E772CC12}" sibTransId="{5F6A3FF9-4539-492C-A298-5C694E2F1F39}"/>
     <dgm:cxn modelId="{CC2C8067-AA02-48EA-9178-1A115167996F}" srcId="{59B36BF9-A37C-40BA-ACC5-EE1957B5C595}" destId="{E0D753A9-47B1-42EB-9039-40589883E1E3}" srcOrd="0" destOrd="0" parTransId="{9C0012F3-A780-4470-A943-822A9F0DE209}" sibTransId="{B087C147-8254-4BEA-B87E-7785757EE6C7}"/>
     <dgm:cxn modelId="{9AD98E7E-D0C0-434B-A14E-0EE6936AFFA1}" type="presOf" srcId="{E0D753A9-47B1-42EB-9039-40589883E1E3}" destId="{FC3DB2DF-40CC-4770-B46A-59FC85EEACF8}" srcOrd="0" destOrd="0" presId="urn:microsoft.com/office/officeart/2005/8/layout/vList2"/>
+    <dgm:cxn modelId="{98A47780-E021-4ACB-9069-4B5F396D9F05}" type="presOf" srcId="{818885FC-71C6-475C-9DAB-0D14879002BD}" destId="{8393C11F-AD5E-4640-B15F-6B579047B812}" srcOrd="0" destOrd="2" presId="urn:microsoft.com/office/officeart/2005/8/layout/vList2"/>
+    <dgm:cxn modelId="{D3A4D78B-F4ED-44BB-B909-F0DA2E0AD0EF}" srcId="{59B36BF9-A37C-40BA-ACC5-EE1957B5C595}" destId="{483702F0-398A-4746-A2D5-1BF8E022F98B}" srcOrd="5" destOrd="0" parTransId="{F48FD594-5511-4794-BB7B-19A50B5415A2}" sibTransId="{AB91BD59-6BD4-4D2B-B4C6-548C05ED1FDE}"/>
     <dgm:cxn modelId="{27487CBA-78DC-4A7E-A08F-8EA1EC16EF91}" type="presOf" srcId="{59B36BF9-A37C-40BA-ACC5-EE1957B5C595}" destId="{400AADE3-73E8-424A-A252-C8BFAFC79EE1}" srcOrd="0" destOrd="0" presId="urn:microsoft.com/office/officeart/2005/8/layout/vList2"/>
+    <dgm:cxn modelId="{4935D8CD-CBF2-4165-BF49-E6B0C5E2A2BC}" srcId="{59B36BF9-A37C-40BA-ACC5-EE1957B5C595}" destId="{25830BFF-4AAB-4BC1-8E51-5F4B5EFB6133}" srcOrd="1" destOrd="0" parTransId="{C8A55893-A328-42CC-8DFC-9044C08A5DCC}" sibTransId="{A951189A-FE4C-4FEA-9EBB-DDE9E3AA54C2}"/>
+    <dgm:cxn modelId="{D8FA87DC-ED17-45D6-9124-6CC63B9F6716}" type="presOf" srcId="{4D5E3EDE-8064-49ED-A765-4242EAAF04B5}" destId="{FC3DB2DF-40CC-4770-B46A-59FC85EEACF8}" srcOrd="0" destOrd="2" presId="urn:microsoft.com/office/officeart/2005/8/layout/vList2"/>
+    <dgm:cxn modelId="{B301E2DC-4061-4F68-8A67-D3F99AD59D07}" srcId="{59B36BF9-A37C-40BA-ACC5-EE1957B5C595}" destId="{ACE69724-CC9C-415C-8D35-AFC559FD8B5C}" srcOrd="4" destOrd="0" parTransId="{0183C044-475C-4C76-B2D2-1132604E7970}" sibTransId="{EAB99803-4088-4087-8292-BA00B05775A5}"/>
+    <dgm:cxn modelId="{4F1D7AE0-E45F-49E9-A59B-13DE7C11C6B7}" srcId="{9B959E4F-FADC-4C57-B4A6-F46332569857}" destId="{818885FC-71C6-475C-9DAB-0D14879002BD}" srcOrd="2" destOrd="0" parTransId="{19862BAD-DEB1-449E-9F77-402357A1D8CB}" sibTransId="{18059F87-C60D-4A5D-9AC8-D0C3E03065C0}"/>
+    <dgm:cxn modelId="{84F325E5-FF63-4EAD-A808-EEEE7EE3A3F0}" srcId="{59B36BF9-A37C-40BA-ACC5-EE1957B5C595}" destId="{4D5E3EDE-8064-49ED-A765-4242EAAF04B5}" srcOrd="2" destOrd="0" parTransId="{2AD4060C-5547-463A-9D29-89A08CCD4FED}" sibTransId="{21C208AB-654A-43F8-88DC-B7F63058253C}"/>
+    <dgm:cxn modelId="{30EF7FE5-CF25-46CA-B0B5-5E7AE3FEDD87}" type="presOf" srcId="{FA434FC6-D919-4A67-8749-01F49618DF22}" destId="{FC3DB2DF-40CC-4770-B46A-59FC85EEACF8}" srcOrd="0" destOrd="3" presId="urn:microsoft.com/office/officeart/2005/8/layout/vList2"/>
+    <dgm:cxn modelId="{4C90F7EB-2E71-4F94-84CC-6DBE00B5B70A}" srcId="{9B959E4F-FADC-4C57-B4A6-F46332569857}" destId="{46EBE1FE-0A65-457F-B696-F15674C5B999}" srcOrd="1" destOrd="0" parTransId="{EC25919B-AE3D-4FAA-87A5-02BF5522AA38}" sibTransId="{A764722B-2329-44C2-863F-61E2224A9009}"/>
+    <dgm:cxn modelId="{A6333AED-7C9D-462C-B193-36E1195C4F0B}" type="presOf" srcId="{25830BFF-4AAB-4BC1-8E51-5F4B5EFB6133}" destId="{FC3DB2DF-40CC-4770-B46A-59FC85EEACF8}" srcOrd="0" destOrd="1" presId="urn:microsoft.com/office/officeart/2005/8/layout/vList2"/>
     <dgm:cxn modelId="{D5BAEEF0-40F3-4ABF-895F-1D06CE8BB048}" type="presOf" srcId="{9B959E4F-FADC-4C57-B4A6-F46332569857}" destId="{3106D728-1D96-44D4-896A-22475AFA3C31}" srcOrd="0" destOrd="0" presId="urn:microsoft.com/office/officeart/2005/8/layout/vList2"/>
     <dgm:cxn modelId="{4E6D67B5-6368-4523-9D53-5664A69726D7}" type="presParOf" srcId="{C58CFDDD-4F4F-4B05-947E-8EFA732CEB24}" destId="{3106D728-1D96-44D4-896A-22475AFA3C31}" srcOrd="0" destOrd="0" presId="urn:microsoft.com/office/officeart/2005/8/layout/vList2"/>
     <dgm:cxn modelId="{7DF90332-38FB-4FF9-B767-08D8AA4DDCBF}" type="presParOf" srcId="{C58CFDDD-4F4F-4B05-947E-8EFA732CEB24}" destId="{8393C11F-AD5E-4640-B15F-6B579047B812}" srcOrd="1" destOrd="0" presId="urn:microsoft.com/office/officeart/2005/8/layout/vList2"/>
@@ -2742,7 +3015,7 @@
             <a:buNone/>
           </a:pPr>
           <a:r>
-            <a:rPr lang="en-IN" sz="3600" kern="1200" dirty="0">
+            <a:rPr lang="en-IN" sz="2400" kern="1200" dirty="0">
               <a:solidFill>
                 <a:prstClr val="black"/>
               </a:solidFill>
@@ -2781,7 +3054,7 @@
       </dgm:t>
     </dgm:pt>
     <dgm:pt modelId="{DF0CED2F-21CC-48EB-BD2F-B7B8D2C65962}">
-      <dgm:prSet phldrT="[Text]"/>
+      <dgm:prSet phldrT="[Text]" custT="1"/>
       <dgm:spPr/>
       <dgm:t>
         <a:bodyPr/>
@@ -2792,10 +3065,10 @@
             <a:buChar char="•"/>
           </a:pPr>
           <a:r>
-            <a:rPr lang="en-US" b="0" i="0" dirty="0"/>
+            <a:rPr lang="en-US" sz="1800" b="0" i="0" dirty="0"/>
             <a:t>2022: Dissatisfaction with services, competitive offers</a:t>
           </a:r>
-          <a:endParaRPr lang="en-IN" dirty="0"/>
+          <a:endParaRPr lang="en-IN" sz="1800" dirty="0"/>
         </a:p>
       </dgm:t>
     </dgm:pt>
@@ -2858,7 +3131,7 @@
             <a:buNone/>
           </a:pPr>
           <a:r>
-            <a:rPr lang="en-IN" sz="3600" kern="1200" dirty="0">
+            <a:rPr lang="en-IN" sz="2400" kern="1200" dirty="0">
               <a:solidFill>
                 <a:prstClr val="black"/>
               </a:solidFill>
@@ -2897,7 +3170,7 @@
       </dgm:t>
     </dgm:pt>
     <dgm:pt modelId="{DAF3ABCB-055F-4810-9E25-7938CC196F4A}">
-      <dgm:prSet phldrT="[Text]"/>
+      <dgm:prSet phldrT="[Text]" custT="1"/>
       <dgm:spPr/>
       <dgm:t>
         <a:bodyPr/>
@@ -2908,10 +3181,10 @@
             <a:buChar char="•"/>
           </a:pPr>
           <a:r>
-            <a:rPr lang="en-US" b="0" i="0" dirty="0"/>
+            <a:rPr lang="en-US" sz="1800" b="0" i="0" dirty="0"/>
             <a:t>Engagement Programs: Increase customer interaction</a:t>
           </a:r>
-          <a:endParaRPr lang="en-IN" dirty="0"/>
+          <a:endParaRPr lang="en-IN" sz="1800" dirty="0"/>
         </a:p>
       </dgm:t>
     </dgm:pt>
@@ -2938,7 +3211,7 @@
       </dgm:t>
     </dgm:pt>
     <dgm:pt modelId="{D5B6C93F-33D7-41EB-A1D3-42B41231ABB1}">
-      <dgm:prSet/>
+      <dgm:prSet custT="1"/>
       <dgm:spPr/>
       <dgm:t>
         <a:bodyPr/>
@@ -2949,7 +3222,7 @@
             <a:buChar char="•"/>
           </a:pPr>
           <a:r>
-            <a:rPr lang="en-US" b="0" i="0" dirty="0"/>
+            <a:rPr lang="en-US" sz="1800" b="0" i="0" dirty="0"/>
             <a:t>2023: Improved services, decreased churn</a:t>
           </a:r>
         </a:p>
@@ -2978,7 +3251,7 @@
       </dgm:t>
     </dgm:pt>
     <dgm:pt modelId="{F1688977-5421-4B6A-9B33-B397F8406846}">
-      <dgm:prSet/>
+      <dgm:prSet custT="1"/>
       <dgm:spPr/>
       <dgm:t>
         <a:bodyPr/>
@@ -2989,7 +3262,7 @@
             <a:buChar char="•"/>
           </a:pPr>
           <a:r>
-            <a:rPr lang="en-US" b="0" i="0"/>
+            <a:rPr lang="en-US" sz="1800" b="0" i="0" dirty="0"/>
             <a:t>Customer Service Enhancement: Resolve issues promptly</a:t>
           </a:r>
         </a:p>
@@ -3018,7 +3291,7 @@
       </dgm:t>
     </dgm:pt>
     <dgm:pt modelId="{DA5C6665-0E46-4C74-95DC-433E201296A0}">
-      <dgm:prSet/>
+      <dgm:prSet custT="1"/>
       <dgm:spPr/>
       <dgm:t>
         <a:bodyPr/>
@@ -3029,7 +3302,7 @@
             <a:buChar char="•"/>
           </a:pPr>
           <a:r>
-            <a:rPr lang="en-US" b="0" i="0" dirty="0"/>
+            <a:rPr lang="en-US" sz="1800" b="0" i="0" dirty="0"/>
             <a:t>Competitive Offerings: Regularly update products/services</a:t>
           </a:r>
         </a:p>
@@ -3067,7 +3340,7 @@
       <dgm:spPr/>
     </dgm:pt>
     <dgm:pt modelId="{48860027-0757-4512-A977-FA4A5BDEE6B7}" type="pres">
-      <dgm:prSet presAssocID="{B34DD07A-8047-46FE-8ADF-09696CAB24C3}" presName="parentText" presStyleLbl="node1" presStyleIdx="0" presStyleCnt="2">
+      <dgm:prSet presAssocID="{B34DD07A-8047-46FE-8ADF-09696CAB24C3}" presName="parentText" presStyleLbl="node1" presStyleIdx="0" presStyleCnt="2" custScaleY="60010">
         <dgm:presLayoutVars>
           <dgm:chMax val="0"/>
           <dgm:bulletEnabled val="1"/>
@@ -3092,7 +3365,7 @@
       <dgm:spPr/>
     </dgm:pt>
     <dgm:pt modelId="{3C8AC178-4F60-4B4C-A9D7-29AB44135C0D}" type="pres">
-      <dgm:prSet presAssocID="{F0859602-E3AE-4823-8E6C-38D1601FAC30}" presName="parentText" presStyleLbl="node1" presStyleIdx="1" presStyleCnt="2">
+      <dgm:prSet presAssocID="{F0859602-E3AE-4823-8E6C-38D1601FAC30}" presName="parentText" presStyleLbl="node1" presStyleIdx="1" presStyleCnt="2" custScaleY="63809">
         <dgm:presLayoutVars>
           <dgm:chMax val="0"/>
           <dgm:bulletEnabled val="1"/>
@@ -3109,7 +3382,7 @@
       </dgm:spPr>
     </dgm:pt>
     <dgm:pt modelId="{48EC8BE4-164B-4135-909E-8D69969E9CFF}" type="pres">
-      <dgm:prSet presAssocID="{F0859602-E3AE-4823-8E6C-38D1601FAC30}" presName="childText" presStyleLbl="revTx" presStyleIdx="1" presStyleCnt="2">
+      <dgm:prSet presAssocID="{F0859602-E3AE-4823-8E6C-38D1601FAC30}" presName="childText" presStyleLbl="revTx" presStyleIdx="1" presStyleCnt="2" custScaleX="99321" custScaleY="159017">
         <dgm:presLayoutVars>
           <dgm:bulletEnabled val="1"/>
         </dgm:presLayoutVars>
@@ -3163,7 +3436,7 @@
       </dgm:t>
     </dgm:pt>
     <dgm:pt modelId="{412164EE-1AE6-4E5A-B2FC-E04B020B2A60}">
-      <dgm:prSet phldrT="[Text]"/>
+      <dgm:prSet phldrT="[Text]" custT="1"/>
       <dgm:spPr>
         <a:solidFill>
           <a:srgbClr val="008080"/>
@@ -3187,10 +3460,10 @@
         <a:lstStyle/>
         <a:p>
           <a:r>
-            <a:rPr lang="en-US" b="0" i="0" dirty="0"/>
+            <a:rPr lang="en-US" sz="2000" b="0" i="0" dirty="0"/>
             <a:t>Implement targeted strategies to reduce churn, such as personalized engagement programs, enhanced customer service, and competitive offerings.</a:t>
           </a:r>
-          <a:endParaRPr lang="en-IN" dirty="0"/>
+          <a:endParaRPr lang="en-IN" sz="2000" dirty="0"/>
         </a:p>
       </dgm:t>
     </dgm:pt>
@@ -3206,39 +3479,6 @@
       </dgm:t>
     </dgm:pt>
     <dgm:pt modelId="{4927FEF9-C8AC-4E67-B4AD-89F113FD7A89}" type="sibTrans" cxnId="{E4083BE0-64EE-48DD-9C87-0F7B79DD8429}">
-      <dgm:prSet/>
-      <dgm:spPr/>
-      <dgm:t>
-        <a:bodyPr/>
-        <a:lstStyle/>
-        <a:p>
-          <a:endParaRPr lang="en-IN"/>
-        </a:p>
-      </dgm:t>
-    </dgm:pt>
-    <dgm:pt modelId="{C4BC3519-C1F0-41FD-AD6D-9D61E47954FE}">
-      <dgm:prSet phldrT="[Text]" phldr="1"/>
-      <dgm:spPr/>
-      <dgm:t>
-        <a:bodyPr/>
-        <a:lstStyle/>
-        <a:p>
-          <a:endParaRPr lang="en-IN" dirty="0"/>
-        </a:p>
-      </dgm:t>
-    </dgm:pt>
-    <dgm:pt modelId="{872E7AEA-C065-4D30-89BF-7E3870FF1490}" type="parTrans" cxnId="{7703A86A-612D-47AB-8FE9-602BBA00B752}">
-      <dgm:prSet/>
-      <dgm:spPr/>
-      <dgm:t>
-        <a:bodyPr/>
-        <a:lstStyle/>
-        <a:p>
-          <a:endParaRPr lang="en-IN"/>
-        </a:p>
-      </dgm:t>
-    </dgm:pt>
-    <dgm:pt modelId="{19260BD0-8A8B-498A-AA20-CB283FC9C7F6}" type="sibTrans" cxnId="{7703A86A-612D-47AB-8FE9-602BBA00B752}">
       <dgm:prSet/>
       <dgm:spPr/>
       <dgm:t>
@@ -3286,7 +3526,7 @@
             <a:buNone/>
           </a:pPr>
           <a:r>
-            <a:rPr lang="en-US" sz="3100" b="0" i="0" kern="1200" dirty="0">
+            <a:rPr lang="en-US" sz="2000" b="0" i="0" kern="1200" dirty="0">
               <a:solidFill>
                 <a:prstClr val="white"/>
               </a:solidFill>
@@ -3296,7 +3536,7 @@
             </a:rPr>
             <a:t>By improving customer retention, the bank can capitalize on the increasing trend of customers joining and achieve sustainable growth</a:t>
           </a:r>
-          <a:endParaRPr lang="en-IN" sz="3100" b="0" i="0" kern="1200" dirty="0">
+          <a:endParaRPr lang="en-IN" sz="2000" b="0" i="0" kern="1200" dirty="0">
             <a:solidFill>
               <a:prstClr val="white"/>
             </a:solidFill>
@@ -3329,39 +3569,6 @@
         </a:p>
       </dgm:t>
     </dgm:pt>
-    <dgm:pt modelId="{CCBBACF7-1D62-4A4E-BDD1-20C12017BBBC}">
-      <dgm:prSet phldrT="[Text]" phldr="1"/>
-      <dgm:spPr/>
-      <dgm:t>
-        <a:bodyPr/>
-        <a:lstStyle/>
-        <a:p>
-          <a:endParaRPr lang="en-IN"/>
-        </a:p>
-      </dgm:t>
-    </dgm:pt>
-    <dgm:pt modelId="{3B24CB53-4B5B-4AFF-AE3E-EE0C4433BBF7}" type="parTrans" cxnId="{EA5286E2-3F5E-4DF9-999F-3EDE52109635}">
-      <dgm:prSet/>
-      <dgm:spPr/>
-      <dgm:t>
-        <a:bodyPr/>
-        <a:lstStyle/>
-        <a:p>
-          <a:endParaRPr lang="en-IN"/>
-        </a:p>
-      </dgm:t>
-    </dgm:pt>
-    <dgm:pt modelId="{4DD97D00-CE35-4BB2-8296-29F0A11B766E}" type="sibTrans" cxnId="{EA5286E2-3F5E-4DF9-999F-3EDE52109635}">
-      <dgm:prSet/>
-      <dgm:spPr/>
-      <dgm:t>
-        <a:bodyPr/>
-        <a:lstStyle/>
-        <a:p>
-          <a:endParaRPr lang="en-IN"/>
-        </a:p>
-      </dgm:t>
-    </dgm:pt>
     <dgm:pt modelId="{7DA2ACDB-C786-4A50-BD64-A91824AFAD84}" type="pres">
       <dgm:prSet presAssocID="{3B6758E0-0A40-4236-BB24-620BDC85D864}" presName="linear" presStyleCnt="0">
         <dgm:presLayoutVars>
@@ -3372,7 +3579,7 @@
       <dgm:spPr/>
     </dgm:pt>
     <dgm:pt modelId="{DC608D6F-ABB1-42B4-A43F-6C28350078A5}" type="pres">
-      <dgm:prSet presAssocID="{412164EE-1AE6-4E5A-B2FC-E04B020B2A60}" presName="parentText" presStyleLbl="node1" presStyleIdx="0" presStyleCnt="2">
+      <dgm:prSet presAssocID="{412164EE-1AE6-4E5A-B2FC-E04B020B2A60}" presName="parentText" presStyleLbl="node1" presStyleIdx="0" presStyleCnt="2" custScaleX="45328" custLinFactY="-17604" custLinFactNeighborX="-25768" custLinFactNeighborY="-100000">
         <dgm:presLayoutVars>
           <dgm:chMax val="0"/>
           <dgm:bulletEnabled val="1"/>
@@ -3388,16 +3595,12 @@
         </a:prstGeom>
       </dgm:spPr>
     </dgm:pt>
-    <dgm:pt modelId="{D7BE7843-D3DB-4B6E-A9D9-A6B3D7BC2595}" type="pres">
-      <dgm:prSet presAssocID="{412164EE-1AE6-4E5A-B2FC-E04B020B2A60}" presName="childText" presStyleLbl="revTx" presStyleIdx="0" presStyleCnt="2">
-        <dgm:presLayoutVars>
-          <dgm:bulletEnabled val="1"/>
-        </dgm:presLayoutVars>
-      </dgm:prSet>
+    <dgm:pt modelId="{0C1E51E9-BE80-4455-89C3-F2EC5F8B1C73}" type="pres">
+      <dgm:prSet presAssocID="{4927FEF9-C8AC-4E67-B4AD-89F113FD7A89}" presName="spacer" presStyleCnt="0"/>
       <dgm:spPr/>
     </dgm:pt>
     <dgm:pt modelId="{435186F4-0B35-4F6F-AB76-C784D24F7D53}" type="pres">
-      <dgm:prSet presAssocID="{639930BE-DD28-418D-8499-2B9ACDD1A0A0}" presName="parentText" presStyleLbl="node1" presStyleIdx="1" presStyleCnt="2">
+      <dgm:prSet presAssocID="{639930BE-DD28-418D-8499-2B9ACDD1A0A0}" presName="parentText" presStyleLbl="node1" presStyleIdx="1" presStyleCnt="2" custScaleX="44672" custScaleY="98310" custLinFactY="8226" custLinFactNeighborX="23688" custLinFactNeighborY="100000">
         <dgm:presLayoutVars>
           <dgm:chMax val="0"/>
           <dgm:bulletEnabled val="1"/>
@@ -3413,29 +3616,16 @@
         </a:prstGeom>
       </dgm:spPr>
     </dgm:pt>
-    <dgm:pt modelId="{B458553A-5874-4B46-A7E7-85C21B173893}" type="pres">
-      <dgm:prSet presAssocID="{639930BE-DD28-418D-8499-2B9ACDD1A0A0}" presName="childText" presStyleLbl="revTx" presStyleIdx="1" presStyleCnt="2">
-        <dgm:presLayoutVars>
-          <dgm:bulletEnabled val="1"/>
-        </dgm:presLayoutVars>
-      </dgm:prSet>
-      <dgm:spPr/>
-    </dgm:pt>
   </dgm:ptLst>
   <dgm:cxnLst>
     <dgm:cxn modelId="{13B5841A-711B-4BE8-A221-2580CF465BEF}" srcId="{3B6758E0-0A40-4236-BB24-620BDC85D864}" destId="{639930BE-DD28-418D-8499-2B9ACDD1A0A0}" srcOrd="1" destOrd="0" parTransId="{D788D3D8-E97D-43AF-AB2E-7674366D1AC2}" sibTransId="{27387ACD-47ED-4CFB-B8FC-EF0C70BA3D7E}"/>
-    <dgm:cxn modelId="{7703A86A-612D-47AB-8FE9-602BBA00B752}" srcId="{412164EE-1AE6-4E5A-B2FC-E04B020B2A60}" destId="{C4BC3519-C1F0-41FD-AD6D-9D61E47954FE}" srcOrd="0" destOrd="0" parTransId="{872E7AEA-C065-4D30-89BF-7E3870FF1490}" sibTransId="{19260BD0-8A8B-498A-AA20-CB283FC9C7F6}"/>
-    <dgm:cxn modelId="{4C4E4B87-42B3-4FDC-B6AA-E9FD88B7D63C}" type="presOf" srcId="{C4BC3519-C1F0-41FD-AD6D-9D61E47954FE}" destId="{D7BE7843-D3DB-4B6E-A9D9-A6B3D7BC2595}" srcOrd="0" destOrd="0" presId="urn:microsoft.com/office/officeart/2005/8/layout/vList2"/>
-    <dgm:cxn modelId="{6E1984B2-4914-4531-99D9-600733170280}" type="presOf" srcId="{CCBBACF7-1D62-4A4E-BDD1-20C12017BBBC}" destId="{B458553A-5874-4B46-A7E7-85C21B173893}" srcOrd="0" destOrd="0" presId="urn:microsoft.com/office/officeart/2005/8/layout/vList2"/>
     <dgm:cxn modelId="{B4B841B7-A20B-4667-A8B4-0681D9D847A9}" type="presOf" srcId="{639930BE-DD28-418D-8499-2B9ACDD1A0A0}" destId="{435186F4-0B35-4F6F-AB76-C784D24F7D53}" srcOrd="0" destOrd="0" presId="urn:microsoft.com/office/officeart/2005/8/layout/vList2"/>
     <dgm:cxn modelId="{F73514D7-CBC3-439C-9619-D4CA5DA19A3D}" type="presOf" srcId="{3B6758E0-0A40-4236-BB24-620BDC85D864}" destId="{7DA2ACDB-C786-4A50-BD64-A91824AFAD84}" srcOrd="0" destOrd="0" presId="urn:microsoft.com/office/officeart/2005/8/layout/vList2"/>
     <dgm:cxn modelId="{11EC14D8-702D-498C-9B81-DAD7BE011B4B}" type="presOf" srcId="{412164EE-1AE6-4E5A-B2FC-E04B020B2A60}" destId="{DC608D6F-ABB1-42B4-A43F-6C28350078A5}" srcOrd="0" destOrd="0" presId="urn:microsoft.com/office/officeart/2005/8/layout/vList2"/>
     <dgm:cxn modelId="{E4083BE0-64EE-48DD-9C87-0F7B79DD8429}" srcId="{3B6758E0-0A40-4236-BB24-620BDC85D864}" destId="{412164EE-1AE6-4E5A-B2FC-E04B020B2A60}" srcOrd="0" destOrd="0" parTransId="{3A3D6BD4-79FF-4999-B7AF-A275ADEFB469}" sibTransId="{4927FEF9-C8AC-4E67-B4AD-89F113FD7A89}"/>
-    <dgm:cxn modelId="{EA5286E2-3F5E-4DF9-999F-3EDE52109635}" srcId="{639930BE-DD28-418D-8499-2B9ACDD1A0A0}" destId="{CCBBACF7-1D62-4A4E-BDD1-20C12017BBBC}" srcOrd="0" destOrd="0" parTransId="{3B24CB53-4B5B-4AFF-AE3E-EE0C4433BBF7}" sibTransId="{4DD97D00-CE35-4BB2-8296-29F0A11B766E}"/>
     <dgm:cxn modelId="{1F5C7377-9323-4E95-B844-BA2A21238277}" type="presParOf" srcId="{7DA2ACDB-C786-4A50-BD64-A91824AFAD84}" destId="{DC608D6F-ABB1-42B4-A43F-6C28350078A5}" srcOrd="0" destOrd="0" presId="urn:microsoft.com/office/officeart/2005/8/layout/vList2"/>
-    <dgm:cxn modelId="{E93C569B-2D0C-4161-BB08-843C1844234D}" type="presParOf" srcId="{7DA2ACDB-C786-4A50-BD64-A91824AFAD84}" destId="{D7BE7843-D3DB-4B6E-A9D9-A6B3D7BC2595}" srcOrd="1" destOrd="0" presId="urn:microsoft.com/office/officeart/2005/8/layout/vList2"/>
+    <dgm:cxn modelId="{9FC6CFEE-28C8-43E4-BF8E-72FF587049CD}" type="presParOf" srcId="{7DA2ACDB-C786-4A50-BD64-A91824AFAD84}" destId="{0C1E51E9-BE80-4455-89C3-F2EC5F8B1C73}" srcOrd="1" destOrd="0" presId="urn:microsoft.com/office/officeart/2005/8/layout/vList2"/>
     <dgm:cxn modelId="{4B447E5F-7364-41E2-96A2-74EDEC628110}" type="presParOf" srcId="{7DA2ACDB-C786-4A50-BD64-A91824AFAD84}" destId="{435186F4-0B35-4F6F-AB76-C784D24F7D53}" srcOrd="2" destOrd="0" presId="urn:microsoft.com/office/officeart/2005/8/layout/vList2"/>
-    <dgm:cxn modelId="{EFB9CA8E-79B5-4564-8928-A082CE710970}" type="presParOf" srcId="{7DA2ACDB-C786-4A50-BD64-A91824AFAD84}" destId="{B458553A-5874-4B46-A7E7-85C21B173893}" srcOrd="3" destOrd="0" presId="urn:microsoft.com/office/officeart/2005/8/layout/vList2"/>
   </dgm:cxnLst>
   <dgm:bg/>
   <dgm:whole/>
@@ -3462,8 +3652,8 @@
       </dsp:nvSpPr>
       <dsp:spPr>
         <a:xfrm>
-          <a:off x="0" y="49087"/>
-          <a:ext cx="8128000" cy="842400"/>
+          <a:off x="0" y="0"/>
+          <a:ext cx="6437444" cy="819831"/>
         </a:xfrm>
         <a:prstGeom prst="roundRect">
           <a:avLst/>
@@ -3518,7 +3708,7 @@
             <a:buNone/>
           </a:pPr>
           <a:r>
-            <a:rPr lang="en-IN" sz="3600" kern="1200" dirty="0">
+            <a:rPr lang="en-IN" sz="2400" kern="1200" dirty="0">
               <a:solidFill>
                 <a:schemeClr val="tx1"/>
               </a:solidFill>
@@ -3534,8 +3724,8 @@
         </a:p>
       </dsp:txBody>
       <dsp:txXfrm>
-        <a:off x="41123" y="90210"/>
-        <a:ext cx="8045754" cy="760154"/>
+        <a:off x="40021" y="40021"/>
+        <a:ext cx="6357402" cy="739789"/>
       </dsp:txXfrm>
     </dsp:sp>
     <dsp:sp modelId="{8393C11F-AD5E-4640-B15F-6B579047B812}">
@@ -3545,8 +3735,8 @@
       </dsp:nvSpPr>
       <dsp:spPr>
         <a:xfrm>
-          <a:off x="0" y="881264"/>
-          <a:ext cx="8128000" cy="1094512"/>
+          <a:off x="0" y="882420"/>
+          <a:ext cx="6437444" cy="1158335"/>
         </a:xfrm>
         <a:prstGeom prst="rect">
           <a:avLst/>
@@ -3570,12 +3760,12 @@
         <a:fontRef idx="minor"/>
       </dsp:style>
       <dsp:txBody>
-        <a:bodyPr spcFirstLastPara="0" vert="horz" wrap="square" lIns="258064" tIns="57150" rIns="320040" bIns="57150" numCol="1" spcCol="1270" anchor="t" anchorCtr="0">
+        <a:bodyPr spcFirstLastPara="0" vert="horz" wrap="square" lIns="204389" tIns="22860" rIns="128016" bIns="22860" numCol="1" spcCol="1270" anchor="t" anchorCtr="0">
           <a:noAutofit/>
         </a:bodyPr>
         <a:lstStyle/>
         <a:p>
-          <a:pPr marL="285750" lvl="1" indent="-285750" algn="l" defTabSz="1555750">
+          <a:pPr marL="171450" lvl="1" indent="-171450" algn="l" defTabSz="800100">
             <a:lnSpc>
               <a:spcPct val="90000"/>
             </a:lnSpc>
@@ -3588,15 +3778,53 @@
             <a:buChar char="•"/>
           </a:pPr>
           <a:r>
-            <a:rPr lang="en-US" sz="3500" b="0" i="0" kern="1200" dirty="0"/>
-            <a:t>Lack of Engagement, Poor Customer Service, Competitive Offers</a:t>
+            <a:rPr lang="en-US" sz="1800" b="0" i="0" kern="1200" dirty="0"/>
+            <a:t>Lack of Engagement</a:t>
           </a:r>
-          <a:endParaRPr lang="en-IN" sz="3500" kern="1200" dirty="0"/>
+          <a:endParaRPr lang="en-IN" sz="1800" kern="1200" dirty="0"/>
+        </a:p>
+        <a:p>
+          <a:pPr marL="171450" lvl="1" indent="-171450" algn="l" defTabSz="800100">
+            <a:lnSpc>
+              <a:spcPct val="90000"/>
+            </a:lnSpc>
+            <a:spcBef>
+              <a:spcPct val="0"/>
+            </a:spcBef>
+            <a:spcAft>
+              <a:spcPct val="20000"/>
+            </a:spcAft>
+            <a:buChar char="•"/>
+          </a:pPr>
+          <a:r>
+            <a:rPr lang="en-US" sz="1800" b="0" i="0" kern="1200" dirty="0"/>
+            <a:t>Poor Customer Service</a:t>
+          </a:r>
+          <a:endParaRPr lang="en-IN" sz="1800" kern="1200" dirty="0"/>
+        </a:p>
+        <a:p>
+          <a:pPr marL="171450" lvl="1" indent="-171450" algn="l" defTabSz="800100">
+            <a:lnSpc>
+              <a:spcPct val="90000"/>
+            </a:lnSpc>
+            <a:spcBef>
+              <a:spcPct val="0"/>
+            </a:spcBef>
+            <a:spcAft>
+              <a:spcPct val="20000"/>
+            </a:spcAft>
+            <a:buChar char="•"/>
+          </a:pPr>
+          <a:r>
+            <a:rPr lang="en-US" sz="1800" b="0" i="0" kern="1200" dirty="0"/>
+            <a:t>Competitive Offers</a:t>
+          </a:r>
+          <a:endParaRPr lang="en-IN" sz="1800" kern="1200" dirty="0"/>
         </a:p>
       </dsp:txBody>
       <dsp:txXfrm>
-        <a:off x="0" y="881264"/>
-        <a:ext cx="8128000" cy="1094512"/>
+        <a:off x="0" y="882420"/>
+        <a:ext cx="6437444" cy="1158335"/>
       </dsp:txXfrm>
     </dsp:sp>
     <dsp:sp modelId="{400AADE3-73E8-424A-A252-C8BFAFC79EE1}">
@@ -3606,8 +3834,8 @@
       </dsp:nvSpPr>
       <dsp:spPr>
         <a:xfrm>
-          <a:off x="0" y="1975777"/>
-          <a:ext cx="8128000" cy="842400"/>
+          <a:off x="0" y="2025989"/>
+          <a:ext cx="6437444" cy="797077"/>
         </a:xfrm>
         <a:prstGeom prst="roundRect">
           <a:avLst/>
@@ -3662,7 +3890,7 @@
             <a:buNone/>
           </a:pPr>
           <a:r>
-            <a:rPr lang="en-IN" sz="3600" kern="1200" dirty="0">
+            <a:rPr lang="en-IN" sz="2400" kern="1200" dirty="0">
               <a:solidFill>
                 <a:prstClr val="black"/>
               </a:solidFill>
@@ -3678,8 +3906,8 @@
         </a:p>
       </dsp:txBody>
       <dsp:txXfrm>
-        <a:off x="41123" y="2016900"/>
-        <a:ext cx="8045754" cy="760154"/>
+        <a:off x="38910" y="2064899"/>
+        <a:ext cx="6359624" cy="719257"/>
       </dsp:txXfrm>
     </dsp:sp>
     <dsp:sp modelId="{FC3DB2DF-40CC-4770-B46A-59FC85EEACF8}">
@@ -3689,8 +3917,8 @@
       </dsp:nvSpPr>
       <dsp:spPr>
         <a:xfrm>
-          <a:off x="0" y="2818177"/>
-          <a:ext cx="8128000" cy="2561625"/>
+          <a:off x="0" y="2840571"/>
+          <a:ext cx="6437444" cy="2121133"/>
         </a:xfrm>
         <a:prstGeom prst="rect">
           <a:avLst/>
@@ -3714,12 +3942,12 @@
         <a:fontRef idx="minor"/>
       </dsp:style>
       <dsp:txBody>
-        <a:bodyPr spcFirstLastPara="0" vert="horz" wrap="square" lIns="258064" tIns="57150" rIns="320040" bIns="57150" numCol="1" spcCol="1270" anchor="t" anchorCtr="0">
+        <a:bodyPr spcFirstLastPara="0" vert="horz" wrap="square" lIns="204389" tIns="22860" rIns="128016" bIns="22860" numCol="1" spcCol="1270" anchor="t" anchorCtr="0">
           <a:noAutofit/>
         </a:bodyPr>
         <a:lstStyle/>
         <a:p>
-          <a:pPr marL="285750" lvl="1" indent="-285750" algn="l" defTabSz="1555750">
+          <a:pPr marL="171450" lvl="1" indent="-171450" algn="l" defTabSz="800100">
             <a:lnSpc>
               <a:spcPct val="90000"/>
             </a:lnSpc>
@@ -3732,15 +3960,110 @@
             <a:buChar char="•"/>
           </a:pPr>
           <a:r>
-            <a:rPr lang="en-US" sz="3500" b="0" i="0" kern="1200" dirty="0"/>
-            <a:t>Improve Customer Engagement, Enhance Customer Service, Competitive Product Offerings, Financial Education, Feedback Mechanism, Continuous Improvement</a:t>
+            <a:rPr lang="en-US" sz="1800" b="0" i="0" kern="1200" dirty="0"/>
+            <a:t>Improve Customer Engagement</a:t>
           </a:r>
-          <a:endParaRPr lang="en-IN" sz="3500" kern="1200" dirty="0"/>
+          <a:endParaRPr lang="en-IN" sz="1800" kern="1200" dirty="0"/>
+        </a:p>
+        <a:p>
+          <a:pPr marL="171450" lvl="1" indent="-171450" algn="l" defTabSz="800100">
+            <a:lnSpc>
+              <a:spcPct val="90000"/>
+            </a:lnSpc>
+            <a:spcBef>
+              <a:spcPct val="0"/>
+            </a:spcBef>
+            <a:spcAft>
+              <a:spcPct val="20000"/>
+            </a:spcAft>
+            <a:buChar char="•"/>
+          </a:pPr>
+          <a:r>
+            <a:rPr lang="en-US" sz="1800" b="0" i="0" kern="1200" dirty="0"/>
+            <a:t>Enhance Customer Service</a:t>
+          </a:r>
+          <a:endParaRPr lang="en-IN" sz="1800" kern="1200" dirty="0"/>
+        </a:p>
+        <a:p>
+          <a:pPr marL="171450" lvl="1" indent="-171450" algn="l" defTabSz="800100">
+            <a:lnSpc>
+              <a:spcPct val="90000"/>
+            </a:lnSpc>
+            <a:spcBef>
+              <a:spcPct val="0"/>
+            </a:spcBef>
+            <a:spcAft>
+              <a:spcPct val="20000"/>
+            </a:spcAft>
+            <a:buChar char="•"/>
+          </a:pPr>
+          <a:r>
+            <a:rPr lang="en-US" sz="1800" b="0" i="0" kern="1200" dirty="0"/>
+            <a:t>Competitive Product Offerings</a:t>
+          </a:r>
+          <a:endParaRPr lang="en-IN" sz="1800" kern="1200" dirty="0"/>
+        </a:p>
+        <a:p>
+          <a:pPr marL="171450" lvl="1" indent="-171450" algn="l" defTabSz="800100">
+            <a:lnSpc>
+              <a:spcPct val="90000"/>
+            </a:lnSpc>
+            <a:spcBef>
+              <a:spcPct val="0"/>
+            </a:spcBef>
+            <a:spcAft>
+              <a:spcPct val="20000"/>
+            </a:spcAft>
+            <a:buChar char="•"/>
+          </a:pPr>
+          <a:r>
+            <a:rPr lang="en-US" sz="1800" b="0" i="0" kern="1200" dirty="0"/>
+            <a:t>Financial Education</a:t>
+          </a:r>
+          <a:endParaRPr lang="en-IN" sz="1800" kern="1200" dirty="0"/>
+        </a:p>
+        <a:p>
+          <a:pPr marL="171450" lvl="1" indent="-171450" algn="l" defTabSz="800100">
+            <a:lnSpc>
+              <a:spcPct val="90000"/>
+            </a:lnSpc>
+            <a:spcBef>
+              <a:spcPct val="0"/>
+            </a:spcBef>
+            <a:spcAft>
+              <a:spcPct val="20000"/>
+            </a:spcAft>
+            <a:buChar char="•"/>
+          </a:pPr>
+          <a:r>
+            <a:rPr lang="en-US" sz="1800" b="0" i="0" kern="1200" dirty="0"/>
+            <a:t>Feedback Mechanism</a:t>
+          </a:r>
+          <a:endParaRPr lang="en-IN" sz="1800" kern="1200" dirty="0"/>
+        </a:p>
+        <a:p>
+          <a:pPr marL="171450" lvl="1" indent="-171450" algn="l" defTabSz="800100">
+            <a:lnSpc>
+              <a:spcPct val="90000"/>
+            </a:lnSpc>
+            <a:spcBef>
+              <a:spcPct val="0"/>
+            </a:spcBef>
+            <a:spcAft>
+              <a:spcPct val="20000"/>
+            </a:spcAft>
+            <a:buChar char="•"/>
+          </a:pPr>
+          <a:r>
+            <a:rPr lang="en-US" sz="1800" b="0" i="0" kern="1200" dirty="0"/>
+            <a:t>Continuous Improvement</a:t>
+          </a:r>
+          <a:endParaRPr lang="en-IN" sz="1800" kern="1200" dirty="0"/>
         </a:p>
       </dsp:txBody>
       <dsp:txXfrm>
-        <a:off x="0" y="2818177"/>
-        <a:ext cx="8128000" cy="2561625"/>
+        <a:off x="0" y="2840571"/>
+        <a:ext cx="6437444" cy="2121133"/>
       </dsp:txXfrm>
     </dsp:sp>
   </dsp:spTree>
@@ -3762,8 +4085,8 @@
       </dsp:nvSpPr>
       <dsp:spPr>
         <a:xfrm>
-          <a:off x="0" y="4743"/>
-          <a:ext cx="8341193" cy="673920"/>
+          <a:off x="0" y="561989"/>
+          <a:ext cx="8341193" cy="730201"/>
         </a:xfrm>
         <a:prstGeom prst="roundRect">
           <a:avLst/>
@@ -3818,7 +4141,7 @@
             <a:buNone/>
           </a:pPr>
           <a:r>
-            <a:rPr lang="en-IN" sz="3600" kern="1200" dirty="0">
+            <a:rPr lang="en-IN" sz="2400" kern="1200" dirty="0">
               <a:solidFill>
                 <a:prstClr val="black"/>
               </a:solidFill>
@@ -3834,8 +4157,8 @@
         </a:p>
       </dsp:txBody>
       <dsp:txXfrm>
-        <a:off x="32898" y="37641"/>
-        <a:ext cx="8275397" cy="608124"/>
+        <a:off x="35645" y="597634"/>
+        <a:ext cx="8269903" cy="658911"/>
       </dsp:txXfrm>
     </dsp:sp>
     <dsp:sp modelId="{DEC84DF1-BB97-4E8B-9F66-AB1BA937BADD}">
@@ -3845,8 +4168,8 @@
       </dsp:nvSpPr>
       <dsp:spPr>
         <a:xfrm>
-          <a:off x="0" y="678663"/>
-          <a:ext cx="8341193" cy="1378620"/>
+          <a:off x="0" y="1292190"/>
+          <a:ext cx="8341193" cy="1076400"/>
         </a:xfrm>
         <a:prstGeom prst="rect">
           <a:avLst/>
@@ -3870,12 +4193,12 @@
         <a:fontRef idx="minor"/>
       </dsp:style>
       <dsp:txBody>
-        <a:bodyPr spcFirstLastPara="0" vert="horz" wrap="square" lIns="264833" tIns="45720" rIns="256032" bIns="45720" numCol="1" spcCol="1270" anchor="t" anchorCtr="0">
+        <a:bodyPr spcFirstLastPara="0" vert="horz" wrap="square" lIns="264833" tIns="22860" rIns="128016" bIns="22860" numCol="1" spcCol="1270" anchor="t" anchorCtr="0">
           <a:noAutofit/>
         </a:bodyPr>
         <a:lstStyle/>
         <a:p>
-          <a:pPr marL="285750" lvl="1" indent="-285750" algn="l" defTabSz="1244600">
+          <a:pPr marL="171450" lvl="1" indent="-171450" algn="l" defTabSz="800100">
             <a:lnSpc>
               <a:spcPct val="90000"/>
             </a:lnSpc>
@@ -3889,13 +4212,13 @@
             <a:buChar char="•"/>
           </a:pPr>
           <a:r>
-            <a:rPr lang="en-US" sz="2800" b="0" i="0" kern="1200" dirty="0"/>
+            <a:rPr lang="en-US" sz="1800" b="0" i="0" kern="1200" dirty="0"/>
             <a:t>2022: Dissatisfaction with services, competitive offers</a:t>
           </a:r>
-          <a:endParaRPr lang="en-IN" sz="2800" kern="1200" dirty="0"/>
+          <a:endParaRPr lang="en-IN" sz="1800" kern="1200" dirty="0"/>
         </a:p>
         <a:p>
-          <a:pPr marL="285750" lvl="1" indent="-285750" algn="l" defTabSz="1244600">
+          <a:pPr marL="171450" lvl="1" indent="-171450" algn="l" defTabSz="800100">
             <a:lnSpc>
               <a:spcPct val="90000"/>
             </a:lnSpc>
@@ -3909,14 +4232,14 @@
             <a:buChar char="•"/>
           </a:pPr>
           <a:r>
-            <a:rPr lang="en-US" sz="2800" b="0" i="0" kern="1200" dirty="0"/>
+            <a:rPr lang="en-US" sz="1800" b="0" i="0" kern="1200" dirty="0"/>
             <a:t>2023: Improved services, decreased churn</a:t>
           </a:r>
         </a:p>
       </dsp:txBody>
       <dsp:txXfrm>
-        <a:off x="0" y="678663"/>
-        <a:ext cx="8341193" cy="1378620"/>
+        <a:off x="0" y="1292190"/>
+        <a:ext cx="8341193" cy="1076400"/>
       </dsp:txXfrm>
     </dsp:sp>
     <dsp:sp modelId="{3C8AC178-4F60-4B4C-A9D7-29AB44135C0D}">
@@ -3926,8 +4249,8 @@
       </dsp:nvSpPr>
       <dsp:spPr>
         <a:xfrm>
-          <a:off x="0" y="2057283"/>
-          <a:ext cx="8341193" cy="673920"/>
+          <a:off x="0" y="2368590"/>
+          <a:ext cx="8341193" cy="776427"/>
         </a:xfrm>
         <a:prstGeom prst="roundRect">
           <a:avLst/>
@@ -3982,7 +4305,7 @@
             <a:buNone/>
           </a:pPr>
           <a:r>
-            <a:rPr lang="en-IN" sz="3600" kern="1200" dirty="0">
+            <a:rPr lang="en-IN" sz="2400" kern="1200" dirty="0">
               <a:solidFill>
                 <a:prstClr val="black"/>
               </a:solidFill>
@@ -3998,8 +4321,8 @@
         </a:p>
       </dsp:txBody>
       <dsp:txXfrm>
-        <a:off x="32898" y="2090181"/>
-        <a:ext cx="8275397" cy="608124"/>
+        <a:off x="37902" y="2406492"/>
+        <a:ext cx="8265389" cy="700623"/>
       </dsp:txXfrm>
     </dsp:sp>
     <dsp:sp modelId="{48EC8BE4-164B-4135-909E-8D69969E9CFF}">
@@ -4009,8 +4332,8 @@
       </dsp:nvSpPr>
       <dsp:spPr>
         <a:xfrm>
-          <a:off x="0" y="2731203"/>
-          <a:ext cx="8341193" cy="2682720"/>
+          <a:off x="28318" y="3145018"/>
+          <a:ext cx="8284556" cy="1711658"/>
         </a:xfrm>
         <a:prstGeom prst="rect">
           <a:avLst/>
@@ -4034,12 +4357,12 @@
         <a:fontRef idx="minor"/>
       </dsp:style>
       <dsp:txBody>
-        <a:bodyPr spcFirstLastPara="0" vert="horz" wrap="square" lIns="264833" tIns="45720" rIns="256032" bIns="45720" numCol="1" spcCol="1270" anchor="t" anchorCtr="0">
+        <a:bodyPr spcFirstLastPara="0" vert="horz" wrap="square" lIns="264833" tIns="22860" rIns="128016" bIns="22860" numCol="1" spcCol="1270" anchor="t" anchorCtr="0">
           <a:noAutofit/>
         </a:bodyPr>
         <a:lstStyle/>
         <a:p>
-          <a:pPr marL="285750" lvl="1" indent="-285750" algn="l" defTabSz="1244600">
+          <a:pPr marL="171450" lvl="1" indent="-171450" algn="l" defTabSz="800100">
             <a:lnSpc>
               <a:spcPct val="90000"/>
             </a:lnSpc>
@@ -4053,13 +4376,13 @@
             <a:buChar char="•"/>
           </a:pPr>
           <a:r>
-            <a:rPr lang="en-US" sz="2800" b="0" i="0" kern="1200" dirty="0"/>
+            <a:rPr lang="en-US" sz="1800" b="0" i="0" kern="1200" dirty="0"/>
             <a:t>Engagement Programs: Increase customer interaction</a:t>
           </a:r>
-          <a:endParaRPr lang="en-IN" sz="2800" kern="1200" dirty="0"/>
+          <a:endParaRPr lang="en-IN" sz="1800" kern="1200" dirty="0"/>
         </a:p>
         <a:p>
-          <a:pPr marL="285750" lvl="1" indent="-285750" algn="l" defTabSz="1244600">
+          <a:pPr marL="171450" lvl="1" indent="-171450" algn="l" defTabSz="800100">
             <a:lnSpc>
               <a:spcPct val="90000"/>
             </a:lnSpc>
@@ -4073,12 +4396,12 @@
             <a:buChar char="•"/>
           </a:pPr>
           <a:r>
-            <a:rPr lang="en-US" sz="2800" b="0" i="0" kern="1200"/>
+            <a:rPr lang="en-US" sz="1800" b="0" i="0" kern="1200" dirty="0"/>
             <a:t>Customer Service Enhancement: Resolve issues promptly</a:t>
           </a:r>
         </a:p>
         <a:p>
-          <a:pPr marL="285750" lvl="1" indent="-285750" algn="l" defTabSz="1244600">
+          <a:pPr marL="171450" lvl="1" indent="-171450" algn="l" defTabSz="800100">
             <a:lnSpc>
               <a:spcPct val="90000"/>
             </a:lnSpc>
@@ -4092,14 +4415,14 @@
             <a:buChar char="•"/>
           </a:pPr>
           <a:r>
-            <a:rPr lang="en-US" sz="2800" b="0" i="0" kern="1200" dirty="0"/>
+            <a:rPr lang="en-US" sz="1800" b="0" i="0" kern="1200" dirty="0"/>
             <a:t>Competitive Offerings: Regularly update products/services</a:t>
           </a:r>
         </a:p>
       </dsp:txBody>
       <dsp:txXfrm>
-        <a:off x="0" y="2731203"/>
-        <a:ext cx="8341193" cy="2682720"/>
+        <a:off x="28318" y="3145018"/>
+        <a:ext cx="8284556" cy="1711658"/>
       </dsp:txXfrm>
     </dsp:sp>
   </dsp:spTree>
@@ -4121,8 +4444,8 @@
       </dsp:nvSpPr>
       <dsp:spPr>
         <a:xfrm>
-          <a:off x="0" y="693"/>
-          <a:ext cx="8128000" cy="2162160"/>
+          <a:off x="191170" y="698145"/>
+          <a:ext cx="5526389" cy="1368900"/>
         </a:xfrm>
         <a:prstGeom prst="roundRect">
           <a:avLst/>
@@ -4164,7 +4487,7 @@
         </a:bodyPr>
         <a:lstStyle/>
         <a:p>
-          <a:pPr marL="0" lvl="0" indent="0" algn="l" defTabSz="1466850">
+          <a:pPr marL="0" lvl="0" indent="0" algn="l" defTabSz="889000">
             <a:lnSpc>
               <a:spcPct val="90000"/>
             </a:lnSpc>
@@ -4177,72 +4500,15 @@
             <a:buNone/>
           </a:pPr>
           <a:r>
-            <a:rPr lang="en-US" sz="3300" b="0" i="0" kern="1200" dirty="0"/>
+            <a:rPr lang="en-US" sz="2000" b="0" i="0" kern="1200" dirty="0"/>
             <a:t>Implement targeted strategies to reduce churn, such as personalized engagement programs, enhanced customer service, and competitive offerings.</a:t>
           </a:r>
-          <a:endParaRPr lang="en-IN" sz="3300" kern="1200" dirty="0"/>
+          <a:endParaRPr lang="en-IN" sz="2000" kern="1200" dirty="0"/>
         </a:p>
       </dsp:txBody>
       <dsp:txXfrm>
-        <a:off x="105548" y="106241"/>
-        <a:ext cx="7916904" cy="1951064"/>
-      </dsp:txXfrm>
-    </dsp:sp>
-    <dsp:sp modelId="{D7BE7843-D3DB-4B6E-A9D9-A6B3D7BC2595}">
-      <dsp:nvSpPr>
-        <dsp:cNvPr id="0" name=""/>
-        <dsp:cNvSpPr/>
-      </dsp:nvSpPr>
-      <dsp:spPr>
-        <a:xfrm>
-          <a:off x="0" y="2162853"/>
-          <a:ext cx="8128000" cy="546480"/>
-        </a:xfrm>
-        <a:prstGeom prst="rect">
-          <a:avLst/>
-        </a:prstGeom>
-        <a:noFill/>
-        <a:ln>
-          <a:noFill/>
-        </a:ln>
-        <a:effectLst/>
-      </dsp:spPr>
-      <dsp:style>
-        <a:lnRef idx="0">
-          <a:scrgbClr r="0" g="0" b="0"/>
-        </a:lnRef>
-        <a:fillRef idx="0">
-          <a:scrgbClr r="0" g="0" b="0"/>
-        </a:fillRef>
-        <a:effectRef idx="0">
-          <a:scrgbClr r="0" g="0" b="0"/>
-        </a:effectRef>
-        <a:fontRef idx="minor"/>
-      </dsp:style>
-      <dsp:txBody>
-        <a:bodyPr spcFirstLastPara="0" vert="horz" wrap="square" lIns="258064" tIns="41910" rIns="234696" bIns="41910" numCol="1" spcCol="1270" anchor="t" anchorCtr="0">
-          <a:noAutofit/>
-        </a:bodyPr>
-        <a:lstStyle/>
-        <a:p>
-          <a:pPr marL="228600" lvl="1" indent="-228600" algn="l" defTabSz="1155700">
-            <a:lnSpc>
-              <a:spcPct val="90000"/>
-            </a:lnSpc>
-            <a:spcBef>
-              <a:spcPct val="0"/>
-            </a:spcBef>
-            <a:spcAft>
-              <a:spcPct val="20000"/>
-            </a:spcAft>
-            <a:buChar char="•"/>
-          </a:pPr>
-          <a:endParaRPr lang="en-IN" sz="2600" kern="1200" dirty="0"/>
-        </a:p>
-      </dsp:txBody>
-      <dsp:txXfrm>
-        <a:off x="0" y="2162853"/>
-        <a:ext cx="8128000" cy="546480"/>
+        <a:off x="257994" y="764969"/>
+        <a:ext cx="5392741" cy="1235252"/>
       </dsp:txXfrm>
     </dsp:sp>
     <dsp:sp modelId="{435186F4-0B35-4F6F-AB76-C784D24F7D53}">
@@ -4252,8 +4518,8 @@
       </dsp:nvSpPr>
       <dsp:spPr>
         <a:xfrm>
-          <a:off x="0" y="2709333"/>
-          <a:ext cx="8128000" cy="2162160"/>
+          <a:off x="6260835" y="2982231"/>
+          <a:ext cx="5446409" cy="1345765"/>
         </a:xfrm>
         <a:prstGeom prst="roundRect">
           <a:avLst/>
@@ -4308,7 +4574,7 @@
             <a:buNone/>
           </a:pPr>
           <a:r>
-            <a:rPr lang="en-US" sz="3100" b="0" i="0" kern="1200" dirty="0">
+            <a:rPr lang="en-US" sz="2000" b="0" i="0" kern="1200" dirty="0">
               <a:solidFill>
                 <a:prstClr val="white"/>
               </a:solidFill>
@@ -4318,7 +4584,7 @@
             </a:rPr>
             <a:t>By improving customer retention, the bank can capitalize on the increasing trend of customers joining and achieve sustainable growth</a:t>
           </a:r>
-          <a:endParaRPr lang="en-IN" sz="3100" b="0" i="0" kern="1200" dirty="0">
+          <a:endParaRPr lang="en-IN" sz="2000" b="0" i="0" kern="1200" dirty="0">
             <a:solidFill>
               <a:prstClr val="white"/>
             </a:solidFill>
@@ -4329,65 +4595,8 @@
         </a:p>
       </dsp:txBody>
       <dsp:txXfrm>
-        <a:off x="105548" y="2814881"/>
-        <a:ext cx="7916904" cy="1951064"/>
-      </dsp:txXfrm>
-    </dsp:sp>
-    <dsp:sp modelId="{B458553A-5874-4B46-A7E7-85C21B173893}">
-      <dsp:nvSpPr>
-        <dsp:cNvPr id="0" name=""/>
-        <dsp:cNvSpPr/>
-      </dsp:nvSpPr>
-      <dsp:spPr>
-        <a:xfrm>
-          <a:off x="0" y="4871493"/>
-          <a:ext cx="8128000" cy="546480"/>
-        </a:xfrm>
-        <a:prstGeom prst="rect">
-          <a:avLst/>
-        </a:prstGeom>
-        <a:noFill/>
-        <a:ln>
-          <a:noFill/>
-        </a:ln>
-        <a:effectLst/>
-      </dsp:spPr>
-      <dsp:style>
-        <a:lnRef idx="0">
-          <a:scrgbClr r="0" g="0" b="0"/>
-        </a:lnRef>
-        <a:fillRef idx="0">
-          <a:scrgbClr r="0" g="0" b="0"/>
-        </a:fillRef>
-        <a:effectRef idx="0">
-          <a:scrgbClr r="0" g="0" b="0"/>
-        </a:effectRef>
-        <a:fontRef idx="minor"/>
-      </dsp:style>
-      <dsp:txBody>
-        <a:bodyPr spcFirstLastPara="0" vert="horz" wrap="square" lIns="258064" tIns="41910" rIns="234696" bIns="41910" numCol="1" spcCol="1270" anchor="t" anchorCtr="0">
-          <a:noAutofit/>
-        </a:bodyPr>
-        <a:lstStyle/>
-        <a:p>
-          <a:pPr marL="228600" lvl="1" indent="-228600" algn="l" defTabSz="1155700">
-            <a:lnSpc>
-              <a:spcPct val="90000"/>
-            </a:lnSpc>
-            <a:spcBef>
-              <a:spcPct val="0"/>
-            </a:spcBef>
-            <a:spcAft>
-              <a:spcPct val="20000"/>
-            </a:spcAft>
-            <a:buChar char="•"/>
-          </a:pPr>
-          <a:endParaRPr lang="en-IN" sz="2600" kern="1200"/>
-        </a:p>
-      </dsp:txBody>
-      <dsp:txXfrm>
-        <a:off x="0" y="4871493"/>
-        <a:ext cx="8128000" cy="546480"/>
+        <a:off x="6326530" y="3047926"/>
+        <a:ext cx="5315019" cy="1214375"/>
       </dsp:txXfrm>
     </dsp:sp>
   </dsp:spTree>
@@ -8019,7 +8228,7 @@
           <p:cNvPr id="2" name="Title 1">
             <a:extLst>
               <a:ext uri="{FF2B5EF4-FFF2-40B4-BE49-F238E27FC236}">
-                <a16:creationId xmlns:a16="http://schemas.microsoft.com/office/drawing/2014/main" id="{47B46581-B91D-10A4-F764-0CE4BFB4A40B}"/>
+                <a16:creationId xmlns:a16="http://schemas.microsoft.com/office/drawing/2014/main" id="{3C72CA34-63AC-DD11-3C20-F30F059DFA17}"/>
               </a:ext>
             </a:extLst>
           </p:cNvPr>
@@ -8057,7 +8266,7 @@
           <p:cNvPr id="3" name="Subtitle 2">
             <a:extLst>
               <a:ext uri="{FF2B5EF4-FFF2-40B4-BE49-F238E27FC236}">
-                <a16:creationId xmlns:a16="http://schemas.microsoft.com/office/drawing/2014/main" id="{3F1CE880-2905-EA03-D8A1-96361262CD63}"/>
+                <a16:creationId xmlns:a16="http://schemas.microsoft.com/office/drawing/2014/main" id="{9B7B9FF2-9FC8-181E-399B-72383B4901BE}"/>
               </a:ext>
             </a:extLst>
           </p:cNvPr>
@@ -8128,7 +8337,7 @@
           <p:cNvPr id="4" name="Date Placeholder 3">
             <a:extLst>
               <a:ext uri="{FF2B5EF4-FFF2-40B4-BE49-F238E27FC236}">
-                <a16:creationId xmlns:a16="http://schemas.microsoft.com/office/drawing/2014/main" id="{69BDDC8C-B167-10AA-3FA0-C2EAC7853824}"/>
+                <a16:creationId xmlns:a16="http://schemas.microsoft.com/office/drawing/2014/main" id="{0EDCCE2B-A558-186D-436B-31918B900AF7}"/>
               </a:ext>
             </a:extLst>
           </p:cNvPr>
@@ -8146,7 +8355,7 @@
           <a:p>
             <a:fld id="{966B8A30-0A85-4376-B720-AA790122FD87}" type="datetimeFigureOut">
               <a:rPr lang="en-IN" smtClean="0"/>
-              <a:t>04-04-2024</a:t>
+              <a:t>07-04-2024</a:t>
             </a:fld>
             <a:endParaRPr lang="en-IN"/>
           </a:p>
@@ -8157,7 +8366,7 @@
           <p:cNvPr id="5" name="Footer Placeholder 4">
             <a:extLst>
               <a:ext uri="{FF2B5EF4-FFF2-40B4-BE49-F238E27FC236}">
-                <a16:creationId xmlns:a16="http://schemas.microsoft.com/office/drawing/2014/main" id="{2FAEC672-42D4-E251-FFD1-05CFEEC50038}"/>
+                <a16:creationId xmlns:a16="http://schemas.microsoft.com/office/drawing/2014/main" id="{BFE8E3F7-8DD9-0249-45D6-FB0DFD3B5953}"/>
               </a:ext>
             </a:extLst>
           </p:cNvPr>
@@ -8182,7 +8391,7 @@
           <p:cNvPr id="6" name="Slide Number Placeholder 5">
             <a:extLst>
               <a:ext uri="{FF2B5EF4-FFF2-40B4-BE49-F238E27FC236}">
-                <a16:creationId xmlns:a16="http://schemas.microsoft.com/office/drawing/2014/main" id="{0C495B35-1E27-E572-1FF9-D5BF2C8AFBDD}"/>
+                <a16:creationId xmlns:a16="http://schemas.microsoft.com/office/drawing/2014/main" id="{46762E2A-B9CE-9B16-6632-E6CC3E476E2E}"/>
               </a:ext>
             </a:extLst>
           </p:cNvPr>
@@ -8209,7 +8418,7 @@
     </p:spTree>
     <p:extLst>
       <p:ext uri="{BB962C8B-B14F-4D97-AF65-F5344CB8AC3E}">
-        <p14:creationId xmlns:p14="http://schemas.microsoft.com/office/powerpoint/2010/main" val="2390550331"/>
+        <p14:creationId xmlns:p14="http://schemas.microsoft.com/office/powerpoint/2010/main" val="3464993023"/>
       </p:ext>
     </p:extLst>
   </p:cSld>
@@ -8241,7 +8450,7 @@
           <p:cNvPr id="2" name="Title 1">
             <a:extLst>
               <a:ext uri="{FF2B5EF4-FFF2-40B4-BE49-F238E27FC236}">
-                <a16:creationId xmlns:a16="http://schemas.microsoft.com/office/drawing/2014/main" id="{C674404B-3219-5EDD-9285-8ED3C08B0BA3}"/>
+                <a16:creationId xmlns:a16="http://schemas.microsoft.com/office/drawing/2014/main" id="{5EA68255-1C1A-EBA3-F198-81B8A94A8CD6}"/>
               </a:ext>
             </a:extLst>
           </p:cNvPr>
@@ -8270,7 +8479,7 @@
           <p:cNvPr id="3" name="Vertical Text Placeholder 2">
             <a:extLst>
               <a:ext uri="{FF2B5EF4-FFF2-40B4-BE49-F238E27FC236}">
-                <a16:creationId xmlns:a16="http://schemas.microsoft.com/office/drawing/2014/main" id="{205263D8-1664-B3CB-FA21-C1B8CCF1F83E}"/>
+                <a16:creationId xmlns:a16="http://schemas.microsoft.com/office/drawing/2014/main" id="{A880C00F-BE03-661D-0DDE-5E11E3FAF275}"/>
               </a:ext>
             </a:extLst>
           </p:cNvPr>
@@ -8328,7 +8537,7 @@
           <p:cNvPr id="4" name="Date Placeholder 3">
             <a:extLst>
               <a:ext uri="{FF2B5EF4-FFF2-40B4-BE49-F238E27FC236}">
-                <a16:creationId xmlns:a16="http://schemas.microsoft.com/office/drawing/2014/main" id="{8E120026-C159-A1E6-66A0-1ADD3EA9CF98}"/>
+                <a16:creationId xmlns:a16="http://schemas.microsoft.com/office/drawing/2014/main" id="{1CA8018C-DFE0-97F1-CD60-71C4AD22A351}"/>
               </a:ext>
             </a:extLst>
           </p:cNvPr>
@@ -8346,7 +8555,7 @@
           <a:p>
             <a:fld id="{966B8A30-0A85-4376-B720-AA790122FD87}" type="datetimeFigureOut">
               <a:rPr lang="en-IN" smtClean="0"/>
-              <a:t>04-04-2024</a:t>
+              <a:t>07-04-2024</a:t>
             </a:fld>
             <a:endParaRPr lang="en-IN"/>
           </a:p>
@@ -8357,7 +8566,7 @@
           <p:cNvPr id="5" name="Footer Placeholder 4">
             <a:extLst>
               <a:ext uri="{FF2B5EF4-FFF2-40B4-BE49-F238E27FC236}">
-                <a16:creationId xmlns:a16="http://schemas.microsoft.com/office/drawing/2014/main" id="{FD20CD8F-076E-519A-3955-EE0471283B3B}"/>
+                <a16:creationId xmlns:a16="http://schemas.microsoft.com/office/drawing/2014/main" id="{4874E4DB-722C-6425-EBC6-0EC7E82F9268}"/>
               </a:ext>
             </a:extLst>
           </p:cNvPr>
@@ -8382,7 +8591,7 @@
           <p:cNvPr id="6" name="Slide Number Placeholder 5">
             <a:extLst>
               <a:ext uri="{FF2B5EF4-FFF2-40B4-BE49-F238E27FC236}">
-                <a16:creationId xmlns:a16="http://schemas.microsoft.com/office/drawing/2014/main" id="{282C3C21-852A-1844-A2A9-1BDB845650F9}"/>
+                <a16:creationId xmlns:a16="http://schemas.microsoft.com/office/drawing/2014/main" id="{B12C8120-D0E6-057B-895B-81B980989498}"/>
               </a:ext>
             </a:extLst>
           </p:cNvPr>
@@ -8409,7 +8618,7 @@
     </p:spTree>
     <p:extLst>
       <p:ext uri="{BB962C8B-B14F-4D97-AF65-F5344CB8AC3E}">
-        <p14:creationId xmlns:p14="http://schemas.microsoft.com/office/powerpoint/2010/main" val="221751846"/>
+        <p14:creationId xmlns:p14="http://schemas.microsoft.com/office/powerpoint/2010/main" val="3461875890"/>
       </p:ext>
     </p:extLst>
   </p:cSld>
@@ -8441,7 +8650,7 @@
           <p:cNvPr id="2" name="Vertical Title 1">
             <a:extLst>
               <a:ext uri="{FF2B5EF4-FFF2-40B4-BE49-F238E27FC236}">
-                <a16:creationId xmlns:a16="http://schemas.microsoft.com/office/drawing/2014/main" id="{48422455-D1CF-D6EF-68D3-97FD6DD39650}"/>
+                <a16:creationId xmlns:a16="http://schemas.microsoft.com/office/drawing/2014/main" id="{3000954D-15CD-E0E5-AB18-1EF465CC0BB6}"/>
               </a:ext>
             </a:extLst>
           </p:cNvPr>
@@ -8475,7 +8684,7 @@
           <p:cNvPr id="3" name="Vertical Text Placeholder 2">
             <a:extLst>
               <a:ext uri="{FF2B5EF4-FFF2-40B4-BE49-F238E27FC236}">
-                <a16:creationId xmlns:a16="http://schemas.microsoft.com/office/drawing/2014/main" id="{89C4BA57-851D-790C-42C9-8FAFD8E12C48}"/>
+                <a16:creationId xmlns:a16="http://schemas.microsoft.com/office/drawing/2014/main" id="{2F57869D-2760-C1E8-2D6E-487FCC5C5B59}"/>
               </a:ext>
             </a:extLst>
           </p:cNvPr>
@@ -8538,7 +8747,7 @@
           <p:cNvPr id="4" name="Date Placeholder 3">
             <a:extLst>
               <a:ext uri="{FF2B5EF4-FFF2-40B4-BE49-F238E27FC236}">
-                <a16:creationId xmlns:a16="http://schemas.microsoft.com/office/drawing/2014/main" id="{7BAFC41C-C4B2-7CA0-9892-279B2B9AD71B}"/>
+                <a16:creationId xmlns:a16="http://schemas.microsoft.com/office/drawing/2014/main" id="{E13AE4DB-D9B1-5699-4FE0-FC9F56BAAE2C}"/>
               </a:ext>
             </a:extLst>
           </p:cNvPr>
@@ -8556,7 +8765,7 @@
           <a:p>
             <a:fld id="{966B8A30-0A85-4376-B720-AA790122FD87}" type="datetimeFigureOut">
               <a:rPr lang="en-IN" smtClean="0"/>
-              <a:t>04-04-2024</a:t>
+              <a:t>07-04-2024</a:t>
             </a:fld>
             <a:endParaRPr lang="en-IN"/>
           </a:p>
@@ -8567,7 +8776,7 @@
           <p:cNvPr id="5" name="Footer Placeholder 4">
             <a:extLst>
               <a:ext uri="{FF2B5EF4-FFF2-40B4-BE49-F238E27FC236}">
-                <a16:creationId xmlns:a16="http://schemas.microsoft.com/office/drawing/2014/main" id="{FC2FB3DC-7DD8-9E54-7DB3-FD31716ADA52}"/>
+                <a16:creationId xmlns:a16="http://schemas.microsoft.com/office/drawing/2014/main" id="{DD38FB21-63CB-334F-93AC-51DD4B449D33}"/>
               </a:ext>
             </a:extLst>
           </p:cNvPr>
@@ -8592,7 +8801,7 @@
           <p:cNvPr id="6" name="Slide Number Placeholder 5">
             <a:extLst>
               <a:ext uri="{FF2B5EF4-FFF2-40B4-BE49-F238E27FC236}">
-                <a16:creationId xmlns:a16="http://schemas.microsoft.com/office/drawing/2014/main" id="{BD31B278-EA48-762B-7772-F8FBE0DFA122}"/>
+                <a16:creationId xmlns:a16="http://schemas.microsoft.com/office/drawing/2014/main" id="{44CFB99A-0952-B7F9-18B2-EC460F54C912}"/>
               </a:ext>
             </a:extLst>
           </p:cNvPr>
@@ -8619,7 +8828,7 @@
     </p:spTree>
     <p:extLst>
       <p:ext uri="{BB962C8B-B14F-4D97-AF65-F5344CB8AC3E}">
-        <p14:creationId xmlns:p14="http://schemas.microsoft.com/office/powerpoint/2010/main" val="1822018521"/>
+        <p14:creationId xmlns:p14="http://schemas.microsoft.com/office/powerpoint/2010/main" val="2701990878"/>
       </p:ext>
     </p:extLst>
   </p:cSld>
@@ -8651,7 +8860,7 @@
           <p:cNvPr id="2" name="Title 1">
             <a:extLst>
               <a:ext uri="{FF2B5EF4-FFF2-40B4-BE49-F238E27FC236}">
-                <a16:creationId xmlns:a16="http://schemas.microsoft.com/office/drawing/2014/main" id="{B38133DD-BF84-EE5B-392F-AFAF4A5C042C}"/>
+                <a16:creationId xmlns:a16="http://schemas.microsoft.com/office/drawing/2014/main" id="{66DE5145-25EA-F638-4C55-C7C40042A103}"/>
               </a:ext>
             </a:extLst>
           </p:cNvPr>
@@ -8680,7 +8889,7 @@
           <p:cNvPr id="3" name="Content Placeholder 2">
             <a:extLst>
               <a:ext uri="{FF2B5EF4-FFF2-40B4-BE49-F238E27FC236}">
-                <a16:creationId xmlns:a16="http://schemas.microsoft.com/office/drawing/2014/main" id="{D2673188-8AA0-7BC1-CCFD-A70506483E49}"/>
+                <a16:creationId xmlns:a16="http://schemas.microsoft.com/office/drawing/2014/main" id="{04E112A6-0180-593B-ADC5-590383BBC50D}"/>
               </a:ext>
             </a:extLst>
           </p:cNvPr>
@@ -8738,7 +8947,7 @@
           <p:cNvPr id="4" name="Date Placeholder 3">
             <a:extLst>
               <a:ext uri="{FF2B5EF4-FFF2-40B4-BE49-F238E27FC236}">
-                <a16:creationId xmlns:a16="http://schemas.microsoft.com/office/drawing/2014/main" id="{E3C81F44-E14E-0903-AE10-0CF681D03DDC}"/>
+                <a16:creationId xmlns:a16="http://schemas.microsoft.com/office/drawing/2014/main" id="{62291EA4-FB3D-7E83-60D1-E31318778CDF}"/>
               </a:ext>
             </a:extLst>
           </p:cNvPr>
@@ -8756,7 +8965,7 @@
           <a:p>
             <a:fld id="{966B8A30-0A85-4376-B720-AA790122FD87}" type="datetimeFigureOut">
               <a:rPr lang="en-IN" smtClean="0"/>
-              <a:t>04-04-2024</a:t>
+              <a:t>07-04-2024</a:t>
             </a:fld>
             <a:endParaRPr lang="en-IN"/>
           </a:p>
@@ -8767,7 +8976,7 @@
           <p:cNvPr id="5" name="Footer Placeholder 4">
             <a:extLst>
               <a:ext uri="{FF2B5EF4-FFF2-40B4-BE49-F238E27FC236}">
-                <a16:creationId xmlns:a16="http://schemas.microsoft.com/office/drawing/2014/main" id="{D705FFB7-21E1-1E38-13C0-FBFDE85C4F5E}"/>
+                <a16:creationId xmlns:a16="http://schemas.microsoft.com/office/drawing/2014/main" id="{56018C89-6E02-5691-B064-64B488C5B6E9}"/>
               </a:ext>
             </a:extLst>
           </p:cNvPr>
@@ -8792,7 +9001,7 @@
           <p:cNvPr id="6" name="Slide Number Placeholder 5">
             <a:extLst>
               <a:ext uri="{FF2B5EF4-FFF2-40B4-BE49-F238E27FC236}">
-                <a16:creationId xmlns:a16="http://schemas.microsoft.com/office/drawing/2014/main" id="{436B83B5-CE0C-6221-5126-C01D378EB51F}"/>
+                <a16:creationId xmlns:a16="http://schemas.microsoft.com/office/drawing/2014/main" id="{665359D7-70E6-8680-3A68-C735542E0E26}"/>
               </a:ext>
             </a:extLst>
           </p:cNvPr>
@@ -8819,7 +9028,7 @@
     </p:spTree>
     <p:extLst>
       <p:ext uri="{BB962C8B-B14F-4D97-AF65-F5344CB8AC3E}">
-        <p14:creationId xmlns:p14="http://schemas.microsoft.com/office/powerpoint/2010/main" val="2965068547"/>
+        <p14:creationId xmlns:p14="http://schemas.microsoft.com/office/powerpoint/2010/main" val="4189265740"/>
       </p:ext>
     </p:extLst>
   </p:cSld>
@@ -8851,7 +9060,7 @@
           <p:cNvPr id="2" name="Title 1">
             <a:extLst>
               <a:ext uri="{FF2B5EF4-FFF2-40B4-BE49-F238E27FC236}">
-                <a16:creationId xmlns:a16="http://schemas.microsoft.com/office/drawing/2014/main" id="{A15ABF27-941C-F27A-348B-199F3C5BFD84}"/>
+                <a16:creationId xmlns:a16="http://schemas.microsoft.com/office/drawing/2014/main" id="{2CB43A80-84CF-4247-7FD5-D10493483787}"/>
               </a:ext>
             </a:extLst>
           </p:cNvPr>
@@ -8889,7 +9098,7 @@
           <p:cNvPr id="3" name="Text Placeholder 2">
             <a:extLst>
               <a:ext uri="{FF2B5EF4-FFF2-40B4-BE49-F238E27FC236}">
-                <a16:creationId xmlns:a16="http://schemas.microsoft.com/office/drawing/2014/main" id="{2D2B71E8-8407-FA3A-555B-A27BA090C7E8}"/>
+                <a16:creationId xmlns:a16="http://schemas.microsoft.com/office/drawing/2014/main" id="{147518C0-65BC-5DBA-4DD7-4AB85460DC73}"/>
               </a:ext>
             </a:extLst>
           </p:cNvPr>
@@ -9014,7 +9223,7 @@
           <p:cNvPr id="4" name="Date Placeholder 3">
             <a:extLst>
               <a:ext uri="{FF2B5EF4-FFF2-40B4-BE49-F238E27FC236}">
-                <a16:creationId xmlns:a16="http://schemas.microsoft.com/office/drawing/2014/main" id="{EA7AD72E-4C10-264C-AFA1-221C8D7ECE60}"/>
+                <a16:creationId xmlns:a16="http://schemas.microsoft.com/office/drawing/2014/main" id="{283C3240-3BD4-F7C3-6E51-F30CE3D3ED9B}"/>
               </a:ext>
             </a:extLst>
           </p:cNvPr>
@@ -9032,7 +9241,7 @@
           <a:p>
             <a:fld id="{966B8A30-0A85-4376-B720-AA790122FD87}" type="datetimeFigureOut">
               <a:rPr lang="en-IN" smtClean="0"/>
-              <a:t>04-04-2024</a:t>
+              <a:t>07-04-2024</a:t>
             </a:fld>
             <a:endParaRPr lang="en-IN"/>
           </a:p>
@@ -9043,7 +9252,7 @@
           <p:cNvPr id="5" name="Footer Placeholder 4">
             <a:extLst>
               <a:ext uri="{FF2B5EF4-FFF2-40B4-BE49-F238E27FC236}">
-                <a16:creationId xmlns:a16="http://schemas.microsoft.com/office/drawing/2014/main" id="{4308D5E7-FAF4-235E-3FAA-3E0713854102}"/>
+                <a16:creationId xmlns:a16="http://schemas.microsoft.com/office/drawing/2014/main" id="{D64220EE-6715-B37F-993F-2D2F1FF05956}"/>
               </a:ext>
             </a:extLst>
           </p:cNvPr>
@@ -9068,7 +9277,7 @@
           <p:cNvPr id="6" name="Slide Number Placeholder 5">
             <a:extLst>
               <a:ext uri="{FF2B5EF4-FFF2-40B4-BE49-F238E27FC236}">
-                <a16:creationId xmlns:a16="http://schemas.microsoft.com/office/drawing/2014/main" id="{13BC6878-9A55-2DF7-C859-BF39845A3D14}"/>
+                <a16:creationId xmlns:a16="http://schemas.microsoft.com/office/drawing/2014/main" id="{5FD182FE-668D-38F4-C5FE-90611B8247B5}"/>
               </a:ext>
             </a:extLst>
           </p:cNvPr>
@@ -9095,7 +9304,7 @@
     </p:spTree>
     <p:extLst>
       <p:ext uri="{BB962C8B-B14F-4D97-AF65-F5344CB8AC3E}">
-        <p14:creationId xmlns:p14="http://schemas.microsoft.com/office/powerpoint/2010/main" val="3086418552"/>
+        <p14:creationId xmlns:p14="http://schemas.microsoft.com/office/powerpoint/2010/main" val="3749384129"/>
       </p:ext>
     </p:extLst>
   </p:cSld>
@@ -9127,7 +9336,7 @@
           <p:cNvPr id="2" name="Title 1">
             <a:extLst>
               <a:ext uri="{FF2B5EF4-FFF2-40B4-BE49-F238E27FC236}">
-                <a16:creationId xmlns:a16="http://schemas.microsoft.com/office/drawing/2014/main" id="{D00834CC-0515-D8F2-5B32-BF3ECAF38489}"/>
+                <a16:creationId xmlns:a16="http://schemas.microsoft.com/office/drawing/2014/main" id="{3ED4B54B-712F-D077-5D89-9217CE4D7C76}"/>
               </a:ext>
             </a:extLst>
           </p:cNvPr>
@@ -9156,7 +9365,7 @@
           <p:cNvPr id="3" name="Content Placeholder 2">
             <a:extLst>
               <a:ext uri="{FF2B5EF4-FFF2-40B4-BE49-F238E27FC236}">
-                <a16:creationId xmlns:a16="http://schemas.microsoft.com/office/drawing/2014/main" id="{C3CB9590-12CF-70F7-5E7B-E52DD02F71B6}"/>
+                <a16:creationId xmlns:a16="http://schemas.microsoft.com/office/drawing/2014/main" id="{662602BA-67A4-E771-AB80-32F0C5299321}"/>
               </a:ext>
             </a:extLst>
           </p:cNvPr>
@@ -9219,7 +9428,7 @@
           <p:cNvPr id="4" name="Content Placeholder 3">
             <a:extLst>
               <a:ext uri="{FF2B5EF4-FFF2-40B4-BE49-F238E27FC236}">
-                <a16:creationId xmlns:a16="http://schemas.microsoft.com/office/drawing/2014/main" id="{1DFA3B8A-03B2-8D66-A5B0-983F59D3D5BC}"/>
+                <a16:creationId xmlns:a16="http://schemas.microsoft.com/office/drawing/2014/main" id="{77214635-F2A7-E643-027F-BC710BF92465}"/>
               </a:ext>
             </a:extLst>
           </p:cNvPr>
@@ -9282,7 +9491,7 @@
           <p:cNvPr id="5" name="Date Placeholder 4">
             <a:extLst>
               <a:ext uri="{FF2B5EF4-FFF2-40B4-BE49-F238E27FC236}">
-                <a16:creationId xmlns:a16="http://schemas.microsoft.com/office/drawing/2014/main" id="{94D28DE3-2CF2-A626-022B-B9E290D506D7}"/>
+                <a16:creationId xmlns:a16="http://schemas.microsoft.com/office/drawing/2014/main" id="{8F3C4183-3489-FB45-97DD-DE15B01A6578}"/>
               </a:ext>
             </a:extLst>
           </p:cNvPr>
@@ -9300,7 +9509,7 @@
           <a:p>
             <a:fld id="{966B8A30-0A85-4376-B720-AA790122FD87}" type="datetimeFigureOut">
               <a:rPr lang="en-IN" smtClean="0"/>
-              <a:t>04-04-2024</a:t>
+              <a:t>07-04-2024</a:t>
             </a:fld>
             <a:endParaRPr lang="en-IN"/>
           </a:p>
@@ -9311,7 +9520,7 @@
           <p:cNvPr id="6" name="Footer Placeholder 5">
             <a:extLst>
               <a:ext uri="{FF2B5EF4-FFF2-40B4-BE49-F238E27FC236}">
-                <a16:creationId xmlns:a16="http://schemas.microsoft.com/office/drawing/2014/main" id="{D754955D-833D-5F66-D1FD-DE650D4462B9}"/>
+                <a16:creationId xmlns:a16="http://schemas.microsoft.com/office/drawing/2014/main" id="{9E0851C3-5A9D-0404-6CC6-CADFD9494AEA}"/>
               </a:ext>
             </a:extLst>
           </p:cNvPr>
@@ -9336,7 +9545,7 @@
           <p:cNvPr id="7" name="Slide Number Placeholder 6">
             <a:extLst>
               <a:ext uri="{FF2B5EF4-FFF2-40B4-BE49-F238E27FC236}">
-                <a16:creationId xmlns:a16="http://schemas.microsoft.com/office/drawing/2014/main" id="{DF86738A-2A19-F434-F293-FE11864BC396}"/>
+                <a16:creationId xmlns:a16="http://schemas.microsoft.com/office/drawing/2014/main" id="{70D68E21-C976-9224-93D3-32386DD3A883}"/>
               </a:ext>
             </a:extLst>
           </p:cNvPr>
@@ -9363,7 +9572,7 @@
     </p:spTree>
     <p:extLst>
       <p:ext uri="{BB962C8B-B14F-4D97-AF65-F5344CB8AC3E}">
-        <p14:creationId xmlns:p14="http://schemas.microsoft.com/office/powerpoint/2010/main" val="3294401543"/>
+        <p14:creationId xmlns:p14="http://schemas.microsoft.com/office/powerpoint/2010/main" val="1040849973"/>
       </p:ext>
     </p:extLst>
   </p:cSld>
@@ -9395,7 +9604,7 @@
           <p:cNvPr id="2" name="Title 1">
             <a:extLst>
               <a:ext uri="{FF2B5EF4-FFF2-40B4-BE49-F238E27FC236}">
-                <a16:creationId xmlns:a16="http://schemas.microsoft.com/office/drawing/2014/main" id="{B14E2094-336F-F651-2F01-DD36A4BEC1A8}"/>
+                <a16:creationId xmlns:a16="http://schemas.microsoft.com/office/drawing/2014/main" id="{4CD8CDCB-07DE-9CD0-2CCD-B8802CAA641B}"/>
               </a:ext>
             </a:extLst>
           </p:cNvPr>
@@ -9429,7 +9638,7 @@
           <p:cNvPr id="3" name="Text Placeholder 2">
             <a:extLst>
               <a:ext uri="{FF2B5EF4-FFF2-40B4-BE49-F238E27FC236}">
-                <a16:creationId xmlns:a16="http://schemas.microsoft.com/office/drawing/2014/main" id="{0A157EBF-1CD1-5B3F-E03E-CBCF50D88BDE}"/>
+                <a16:creationId xmlns:a16="http://schemas.microsoft.com/office/drawing/2014/main" id="{1DBC07F9-0C4C-F3D7-0F5B-B851FB55C729}"/>
               </a:ext>
             </a:extLst>
           </p:cNvPr>
@@ -9500,7 +9709,7 @@
           <p:cNvPr id="4" name="Content Placeholder 3">
             <a:extLst>
               <a:ext uri="{FF2B5EF4-FFF2-40B4-BE49-F238E27FC236}">
-                <a16:creationId xmlns:a16="http://schemas.microsoft.com/office/drawing/2014/main" id="{47DEE251-673D-19D0-E758-DA159FF969E4}"/>
+                <a16:creationId xmlns:a16="http://schemas.microsoft.com/office/drawing/2014/main" id="{2B2A7170-4439-D942-85C4-E214FAEACDEF}"/>
               </a:ext>
             </a:extLst>
           </p:cNvPr>
@@ -9563,7 +9772,7 @@
           <p:cNvPr id="5" name="Text Placeholder 4">
             <a:extLst>
               <a:ext uri="{FF2B5EF4-FFF2-40B4-BE49-F238E27FC236}">
-                <a16:creationId xmlns:a16="http://schemas.microsoft.com/office/drawing/2014/main" id="{337BB2D8-751A-CDD0-C95E-B1BB03A5F552}"/>
+                <a16:creationId xmlns:a16="http://schemas.microsoft.com/office/drawing/2014/main" id="{12FB2B73-3DA4-12CC-59E9-745F26A0EFD5}"/>
               </a:ext>
             </a:extLst>
           </p:cNvPr>
@@ -9634,7 +9843,7 @@
           <p:cNvPr id="6" name="Content Placeholder 5">
             <a:extLst>
               <a:ext uri="{FF2B5EF4-FFF2-40B4-BE49-F238E27FC236}">
-                <a16:creationId xmlns:a16="http://schemas.microsoft.com/office/drawing/2014/main" id="{0D778880-FCCE-F66B-0FCC-F682E7D8F87C}"/>
+                <a16:creationId xmlns:a16="http://schemas.microsoft.com/office/drawing/2014/main" id="{C694FA5A-513E-4481-6274-9254505FB774}"/>
               </a:ext>
             </a:extLst>
           </p:cNvPr>
@@ -9697,7 +9906,7 @@
           <p:cNvPr id="7" name="Date Placeholder 6">
             <a:extLst>
               <a:ext uri="{FF2B5EF4-FFF2-40B4-BE49-F238E27FC236}">
-                <a16:creationId xmlns:a16="http://schemas.microsoft.com/office/drawing/2014/main" id="{2FCDD716-E3F8-82CA-0DA7-DB341D79A0D4}"/>
+                <a16:creationId xmlns:a16="http://schemas.microsoft.com/office/drawing/2014/main" id="{A3D00DBF-049F-8977-89AA-FABA42CAE099}"/>
               </a:ext>
             </a:extLst>
           </p:cNvPr>
@@ -9715,7 +9924,7 @@
           <a:p>
             <a:fld id="{966B8A30-0A85-4376-B720-AA790122FD87}" type="datetimeFigureOut">
               <a:rPr lang="en-IN" smtClean="0"/>
-              <a:t>04-04-2024</a:t>
+              <a:t>07-04-2024</a:t>
             </a:fld>
             <a:endParaRPr lang="en-IN"/>
           </a:p>
@@ -9726,7 +9935,7 @@
           <p:cNvPr id="8" name="Footer Placeholder 7">
             <a:extLst>
               <a:ext uri="{FF2B5EF4-FFF2-40B4-BE49-F238E27FC236}">
-                <a16:creationId xmlns:a16="http://schemas.microsoft.com/office/drawing/2014/main" id="{C1021EE5-FF2A-B0D1-404D-693E439F616B}"/>
+                <a16:creationId xmlns:a16="http://schemas.microsoft.com/office/drawing/2014/main" id="{0E8C295D-0047-C892-826B-958EC321CF26}"/>
               </a:ext>
             </a:extLst>
           </p:cNvPr>
@@ -9751,7 +9960,7 @@
           <p:cNvPr id="9" name="Slide Number Placeholder 8">
             <a:extLst>
               <a:ext uri="{FF2B5EF4-FFF2-40B4-BE49-F238E27FC236}">
-                <a16:creationId xmlns:a16="http://schemas.microsoft.com/office/drawing/2014/main" id="{8C371D9B-1A26-F6C6-C8E1-D7CD95A0BBEA}"/>
+                <a16:creationId xmlns:a16="http://schemas.microsoft.com/office/drawing/2014/main" id="{6E169C32-1D8C-43DF-87CA-41C479C4F8E2}"/>
               </a:ext>
             </a:extLst>
           </p:cNvPr>
@@ -9778,7 +9987,7 @@
     </p:spTree>
     <p:extLst>
       <p:ext uri="{BB962C8B-B14F-4D97-AF65-F5344CB8AC3E}">
-        <p14:creationId xmlns:p14="http://schemas.microsoft.com/office/powerpoint/2010/main" val="2187033242"/>
+        <p14:creationId xmlns:p14="http://schemas.microsoft.com/office/powerpoint/2010/main" val="2964178638"/>
       </p:ext>
     </p:extLst>
   </p:cSld>
@@ -9810,7 +10019,7 @@
           <p:cNvPr id="2" name="Title 1">
             <a:extLst>
               <a:ext uri="{FF2B5EF4-FFF2-40B4-BE49-F238E27FC236}">
-                <a16:creationId xmlns:a16="http://schemas.microsoft.com/office/drawing/2014/main" id="{68502D14-041C-70A8-8F1F-504A8D83C0D7}"/>
+                <a16:creationId xmlns:a16="http://schemas.microsoft.com/office/drawing/2014/main" id="{BBB08BA6-B494-9410-79BC-AA87871AADCD}"/>
               </a:ext>
             </a:extLst>
           </p:cNvPr>
@@ -9839,7 +10048,7 @@
           <p:cNvPr id="3" name="Date Placeholder 2">
             <a:extLst>
               <a:ext uri="{FF2B5EF4-FFF2-40B4-BE49-F238E27FC236}">
-                <a16:creationId xmlns:a16="http://schemas.microsoft.com/office/drawing/2014/main" id="{6C046DC0-CC9D-AB3E-3405-983417BA971D}"/>
+                <a16:creationId xmlns:a16="http://schemas.microsoft.com/office/drawing/2014/main" id="{75D33A64-E850-832E-4E64-E117EEDE1526}"/>
               </a:ext>
             </a:extLst>
           </p:cNvPr>
@@ -9857,7 +10066,7 @@
           <a:p>
             <a:fld id="{966B8A30-0A85-4376-B720-AA790122FD87}" type="datetimeFigureOut">
               <a:rPr lang="en-IN" smtClean="0"/>
-              <a:t>04-04-2024</a:t>
+              <a:t>07-04-2024</a:t>
             </a:fld>
             <a:endParaRPr lang="en-IN"/>
           </a:p>
@@ -9868,7 +10077,7 @@
           <p:cNvPr id="4" name="Footer Placeholder 3">
             <a:extLst>
               <a:ext uri="{FF2B5EF4-FFF2-40B4-BE49-F238E27FC236}">
-                <a16:creationId xmlns:a16="http://schemas.microsoft.com/office/drawing/2014/main" id="{6E848263-0824-7925-1A9C-F3C4EA82DC00}"/>
+                <a16:creationId xmlns:a16="http://schemas.microsoft.com/office/drawing/2014/main" id="{60CAD643-8719-9BFB-65D5-1CC2139DFF34}"/>
               </a:ext>
             </a:extLst>
           </p:cNvPr>
@@ -9893,7 +10102,7 @@
           <p:cNvPr id="5" name="Slide Number Placeholder 4">
             <a:extLst>
               <a:ext uri="{FF2B5EF4-FFF2-40B4-BE49-F238E27FC236}">
-                <a16:creationId xmlns:a16="http://schemas.microsoft.com/office/drawing/2014/main" id="{3A4AEE48-BF24-F7D2-3476-6BEBBCE9EB13}"/>
+                <a16:creationId xmlns:a16="http://schemas.microsoft.com/office/drawing/2014/main" id="{A45495D4-A4C7-7287-C3C7-E0267652FC52}"/>
               </a:ext>
             </a:extLst>
           </p:cNvPr>
@@ -9920,7 +10129,7 @@
     </p:spTree>
     <p:extLst>
       <p:ext uri="{BB962C8B-B14F-4D97-AF65-F5344CB8AC3E}">
-        <p14:creationId xmlns:p14="http://schemas.microsoft.com/office/powerpoint/2010/main" val="1130834951"/>
+        <p14:creationId xmlns:p14="http://schemas.microsoft.com/office/powerpoint/2010/main" val="2397413546"/>
       </p:ext>
     </p:extLst>
   </p:cSld>
@@ -9952,7 +10161,7 @@
           <p:cNvPr id="2" name="Date Placeholder 1">
             <a:extLst>
               <a:ext uri="{FF2B5EF4-FFF2-40B4-BE49-F238E27FC236}">
-                <a16:creationId xmlns:a16="http://schemas.microsoft.com/office/drawing/2014/main" id="{F08F34B6-7150-22B3-8A46-BFB14D170BD2}"/>
+                <a16:creationId xmlns:a16="http://schemas.microsoft.com/office/drawing/2014/main" id="{413B7D45-9E9E-4ED6-AAD8-FC5E369BC897}"/>
               </a:ext>
             </a:extLst>
           </p:cNvPr>
@@ -9970,7 +10179,7 @@
           <a:p>
             <a:fld id="{966B8A30-0A85-4376-B720-AA790122FD87}" type="datetimeFigureOut">
               <a:rPr lang="en-IN" smtClean="0"/>
-              <a:t>04-04-2024</a:t>
+              <a:t>07-04-2024</a:t>
             </a:fld>
             <a:endParaRPr lang="en-IN"/>
           </a:p>
@@ -9981,7 +10190,7 @@
           <p:cNvPr id="3" name="Footer Placeholder 2">
             <a:extLst>
               <a:ext uri="{FF2B5EF4-FFF2-40B4-BE49-F238E27FC236}">
-                <a16:creationId xmlns:a16="http://schemas.microsoft.com/office/drawing/2014/main" id="{2FEF26BC-7943-DB5E-A113-EACC1D11B92C}"/>
+                <a16:creationId xmlns:a16="http://schemas.microsoft.com/office/drawing/2014/main" id="{8B9330CA-2152-147E-F26E-90B02D0C6357}"/>
               </a:ext>
             </a:extLst>
           </p:cNvPr>
@@ -10006,7 +10215,7 @@
           <p:cNvPr id="4" name="Slide Number Placeholder 3">
             <a:extLst>
               <a:ext uri="{FF2B5EF4-FFF2-40B4-BE49-F238E27FC236}">
-                <a16:creationId xmlns:a16="http://schemas.microsoft.com/office/drawing/2014/main" id="{780AC374-2D4D-60E9-10B3-CE4727E46EF0}"/>
+                <a16:creationId xmlns:a16="http://schemas.microsoft.com/office/drawing/2014/main" id="{90386A4F-103F-7F38-4D22-48B860B4346E}"/>
               </a:ext>
             </a:extLst>
           </p:cNvPr>
@@ -10033,7 +10242,7 @@
     </p:spTree>
     <p:extLst>
       <p:ext uri="{BB962C8B-B14F-4D97-AF65-F5344CB8AC3E}">
-        <p14:creationId xmlns:p14="http://schemas.microsoft.com/office/powerpoint/2010/main" val="3107007574"/>
+        <p14:creationId xmlns:p14="http://schemas.microsoft.com/office/powerpoint/2010/main" val="2666917861"/>
       </p:ext>
     </p:extLst>
   </p:cSld>
@@ -10065,7 +10274,7 @@
           <p:cNvPr id="2" name="Title 1">
             <a:extLst>
               <a:ext uri="{FF2B5EF4-FFF2-40B4-BE49-F238E27FC236}">
-                <a16:creationId xmlns:a16="http://schemas.microsoft.com/office/drawing/2014/main" id="{736E5C99-D490-9B84-432E-1EF71A1040E2}"/>
+                <a16:creationId xmlns:a16="http://schemas.microsoft.com/office/drawing/2014/main" id="{C92B27F4-ABD7-1429-1FFA-AD4B6FADA2FF}"/>
               </a:ext>
             </a:extLst>
           </p:cNvPr>
@@ -10103,7 +10312,7 @@
           <p:cNvPr id="3" name="Content Placeholder 2">
             <a:extLst>
               <a:ext uri="{FF2B5EF4-FFF2-40B4-BE49-F238E27FC236}">
-                <a16:creationId xmlns:a16="http://schemas.microsoft.com/office/drawing/2014/main" id="{532DB896-0781-7836-DA95-E704F9AF09C0}"/>
+                <a16:creationId xmlns:a16="http://schemas.microsoft.com/office/drawing/2014/main" id="{ECDE3285-5BC1-3734-D391-E7FE9D693729}"/>
               </a:ext>
             </a:extLst>
           </p:cNvPr>
@@ -10194,7 +10403,7 @@
           <p:cNvPr id="4" name="Text Placeholder 3">
             <a:extLst>
               <a:ext uri="{FF2B5EF4-FFF2-40B4-BE49-F238E27FC236}">
-                <a16:creationId xmlns:a16="http://schemas.microsoft.com/office/drawing/2014/main" id="{F5890620-C44D-DAA6-0C90-B008578DA6AF}"/>
+                <a16:creationId xmlns:a16="http://schemas.microsoft.com/office/drawing/2014/main" id="{E95ADA92-1FE5-83E1-A462-862F2F81B065}"/>
               </a:ext>
             </a:extLst>
           </p:cNvPr>
@@ -10265,7 +10474,7 @@
           <p:cNvPr id="5" name="Date Placeholder 4">
             <a:extLst>
               <a:ext uri="{FF2B5EF4-FFF2-40B4-BE49-F238E27FC236}">
-                <a16:creationId xmlns:a16="http://schemas.microsoft.com/office/drawing/2014/main" id="{DF9B335E-9BBB-366D-215D-69EEEE65173B}"/>
+                <a16:creationId xmlns:a16="http://schemas.microsoft.com/office/drawing/2014/main" id="{BD6FFB1B-3680-0FD6-20A8-E13CC492CA3D}"/>
               </a:ext>
             </a:extLst>
           </p:cNvPr>
@@ -10283,7 +10492,7 @@
           <a:p>
             <a:fld id="{966B8A30-0A85-4376-B720-AA790122FD87}" type="datetimeFigureOut">
               <a:rPr lang="en-IN" smtClean="0"/>
-              <a:t>04-04-2024</a:t>
+              <a:t>07-04-2024</a:t>
             </a:fld>
             <a:endParaRPr lang="en-IN"/>
           </a:p>
@@ -10294,7 +10503,7 @@
           <p:cNvPr id="6" name="Footer Placeholder 5">
             <a:extLst>
               <a:ext uri="{FF2B5EF4-FFF2-40B4-BE49-F238E27FC236}">
-                <a16:creationId xmlns:a16="http://schemas.microsoft.com/office/drawing/2014/main" id="{11F98E7C-5B24-DFFD-09C8-6872ADD6CF27}"/>
+                <a16:creationId xmlns:a16="http://schemas.microsoft.com/office/drawing/2014/main" id="{84C89C94-0999-C1A4-9AE8-0350B10050F7}"/>
               </a:ext>
             </a:extLst>
           </p:cNvPr>
@@ -10319,7 +10528,7 @@
           <p:cNvPr id="7" name="Slide Number Placeholder 6">
             <a:extLst>
               <a:ext uri="{FF2B5EF4-FFF2-40B4-BE49-F238E27FC236}">
-                <a16:creationId xmlns:a16="http://schemas.microsoft.com/office/drawing/2014/main" id="{B0F97465-13CD-1FE1-AFC3-D200A727CB06}"/>
+                <a16:creationId xmlns:a16="http://schemas.microsoft.com/office/drawing/2014/main" id="{2A85FD66-AA83-2710-683A-5474DC2F7CF6}"/>
               </a:ext>
             </a:extLst>
           </p:cNvPr>
@@ -10346,7 +10555,7 @@
     </p:spTree>
     <p:extLst>
       <p:ext uri="{BB962C8B-B14F-4D97-AF65-F5344CB8AC3E}">
-        <p14:creationId xmlns:p14="http://schemas.microsoft.com/office/powerpoint/2010/main" val="2299981469"/>
+        <p14:creationId xmlns:p14="http://schemas.microsoft.com/office/powerpoint/2010/main" val="1267835314"/>
       </p:ext>
     </p:extLst>
   </p:cSld>
@@ -10378,7 +10587,7 @@
           <p:cNvPr id="2" name="Title 1">
             <a:extLst>
               <a:ext uri="{FF2B5EF4-FFF2-40B4-BE49-F238E27FC236}">
-                <a16:creationId xmlns:a16="http://schemas.microsoft.com/office/drawing/2014/main" id="{F904DCF5-541B-A4CF-698A-8F7571C58C2A}"/>
+                <a16:creationId xmlns:a16="http://schemas.microsoft.com/office/drawing/2014/main" id="{370EA228-9DFB-D09B-0286-81130B12D7B5}"/>
               </a:ext>
             </a:extLst>
           </p:cNvPr>
@@ -10416,7 +10625,7 @@
           <p:cNvPr id="3" name="Picture Placeholder 2">
             <a:extLst>
               <a:ext uri="{FF2B5EF4-FFF2-40B4-BE49-F238E27FC236}">
-                <a16:creationId xmlns:a16="http://schemas.microsoft.com/office/drawing/2014/main" id="{71D49F7F-7853-E749-F3D2-C9FC2B3F4A2C}"/>
+                <a16:creationId xmlns:a16="http://schemas.microsoft.com/office/drawing/2014/main" id="{E6A46453-66BD-EC88-50E9-93D922564F1C}"/>
               </a:ext>
             </a:extLst>
           </p:cNvPr>
@@ -10483,7 +10692,7 @@
           <p:cNvPr id="4" name="Text Placeholder 3">
             <a:extLst>
               <a:ext uri="{FF2B5EF4-FFF2-40B4-BE49-F238E27FC236}">
-                <a16:creationId xmlns:a16="http://schemas.microsoft.com/office/drawing/2014/main" id="{4A918F33-1456-E456-6F72-06055C3825C0}"/>
+                <a16:creationId xmlns:a16="http://schemas.microsoft.com/office/drawing/2014/main" id="{90CBB721-BA65-295F-44D1-3C37B5E6418E}"/>
               </a:ext>
             </a:extLst>
           </p:cNvPr>
@@ -10554,7 +10763,7 @@
           <p:cNvPr id="5" name="Date Placeholder 4">
             <a:extLst>
               <a:ext uri="{FF2B5EF4-FFF2-40B4-BE49-F238E27FC236}">
-                <a16:creationId xmlns:a16="http://schemas.microsoft.com/office/drawing/2014/main" id="{2999EFBE-343B-FF7A-F21A-E91A6BA6B6C6}"/>
+                <a16:creationId xmlns:a16="http://schemas.microsoft.com/office/drawing/2014/main" id="{10695553-BF35-545F-F8CF-CB6D209D9B88}"/>
               </a:ext>
             </a:extLst>
           </p:cNvPr>
@@ -10572,7 +10781,7 @@
           <a:p>
             <a:fld id="{966B8A30-0A85-4376-B720-AA790122FD87}" type="datetimeFigureOut">
               <a:rPr lang="en-IN" smtClean="0"/>
-              <a:t>04-04-2024</a:t>
+              <a:t>07-04-2024</a:t>
             </a:fld>
             <a:endParaRPr lang="en-IN"/>
           </a:p>
@@ -10583,7 +10792,7 @@
           <p:cNvPr id="6" name="Footer Placeholder 5">
             <a:extLst>
               <a:ext uri="{FF2B5EF4-FFF2-40B4-BE49-F238E27FC236}">
-                <a16:creationId xmlns:a16="http://schemas.microsoft.com/office/drawing/2014/main" id="{9FAABE12-0C6E-16A9-3EEB-1477D18B6D33}"/>
+                <a16:creationId xmlns:a16="http://schemas.microsoft.com/office/drawing/2014/main" id="{17331CD6-C456-0570-760F-2C38DC2BC6D0}"/>
               </a:ext>
             </a:extLst>
           </p:cNvPr>
@@ -10608,7 +10817,7 @@
           <p:cNvPr id="7" name="Slide Number Placeholder 6">
             <a:extLst>
               <a:ext uri="{FF2B5EF4-FFF2-40B4-BE49-F238E27FC236}">
-                <a16:creationId xmlns:a16="http://schemas.microsoft.com/office/drawing/2014/main" id="{5615D74F-B86E-D6BE-637C-8EC7AA4921F9}"/>
+                <a16:creationId xmlns:a16="http://schemas.microsoft.com/office/drawing/2014/main" id="{64457BC7-31FB-6AF2-1840-11A38008FEDC}"/>
               </a:ext>
             </a:extLst>
           </p:cNvPr>
@@ -10635,7 +10844,7 @@
     </p:spTree>
     <p:extLst>
       <p:ext uri="{BB962C8B-B14F-4D97-AF65-F5344CB8AC3E}">
-        <p14:creationId xmlns:p14="http://schemas.microsoft.com/office/powerpoint/2010/main" val="3029668224"/>
+        <p14:creationId xmlns:p14="http://schemas.microsoft.com/office/powerpoint/2010/main" val="1174874650"/>
       </p:ext>
     </p:extLst>
   </p:cSld>
@@ -10649,17 +10858,9 @@
 <p:sldMaster xmlns:a="http://schemas.openxmlformats.org/drawingml/2006/main" xmlns:r="http://schemas.openxmlformats.org/officeDocument/2006/relationships" xmlns:p="http://schemas.openxmlformats.org/presentationml/2006/main">
   <p:cSld>
     <p:bg>
-      <p:bgPr>
-        <a:pattFill prst="pct5">
-          <a:fgClr>
-            <a:schemeClr val="accent1"/>
-          </a:fgClr>
-          <a:bgClr>
-            <a:schemeClr val="bg1"/>
-          </a:bgClr>
-        </a:pattFill>
-        <a:effectLst/>
-      </p:bgPr>
+      <p:bgRef idx="1001">
+        <a:schemeClr val="bg1"/>
+      </p:bgRef>
     </p:bg>
     <p:spTree>
       <p:nvGrpSpPr>
@@ -10680,7 +10881,7 @@
           <p:cNvPr id="2" name="Title Placeholder 1">
             <a:extLst>
               <a:ext uri="{FF2B5EF4-FFF2-40B4-BE49-F238E27FC236}">
-                <a16:creationId xmlns:a16="http://schemas.microsoft.com/office/drawing/2014/main" id="{D636586B-0305-FC91-FD17-A416E7B5B033}"/>
+                <a16:creationId xmlns:a16="http://schemas.microsoft.com/office/drawing/2014/main" id="{B0ED0B99-F6D4-C5A2-D00D-36FEA19BFBFB}"/>
               </a:ext>
             </a:extLst>
           </p:cNvPr>
@@ -10719,7 +10920,7 @@
           <p:cNvPr id="3" name="Text Placeholder 2">
             <a:extLst>
               <a:ext uri="{FF2B5EF4-FFF2-40B4-BE49-F238E27FC236}">
-                <a16:creationId xmlns:a16="http://schemas.microsoft.com/office/drawing/2014/main" id="{7DF600E3-7ECC-A896-5238-54E19D0B508E}"/>
+                <a16:creationId xmlns:a16="http://schemas.microsoft.com/office/drawing/2014/main" id="{CA6DE317-B33E-F42C-520E-555AC12E527F}"/>
               </a:ext>
             </a:extLst>
           </p:cNvPr>
@@ -10787,7 +10988,7 @@
           <p:cNvPr id="4" name="Date Placeholder 3">
             <a:extLst>
               <a:ext uri="{FF2B5EF4-FFF2-40B4-BE49-F238E27FC236}">
-                <a16:creationId xmlns:a16="http://schemas.microsoft.com/office/drawing/2014/main" id="{F220A734-7A21-6468-8B04-0593E6F8CA52}"/>
+                <a16:creationId xmlns:a16="http://schemas.microsoft.com/office/drawing/2014/main" id="{55027F4C-A7A5-FB33-6BAE-E77BD86851CC}"/>
               </a:ext>
             </a:extLst>
           </p:cNvPr>
@@ -10823,7 +11024,7 @@
           <a:p>
             <a:fld id="{966B8A30-0A85-4376-B720-AA790122FD87}" type="datetimeFigureOut">
               <a:rPr lang="en-IN" smtClean="0"/>
-              <a:t>04-04-2024</a:t>
+              <a:t>07-04-2024</a:t>
             </a:fld>
             <a:endParaRPr lang="en-IN"/>
           </a:p>
@@ -10834,7 +11035,7 @@
           <p:cNvPr id="5" name="Footer Placeholder 4">
             <a:extLst>
               <a:ext uri="{FF2B5EF4-FFF2-40B4-BE49-F238E27FC236}">
-                <a16:creationId xmlns:a16="http://schemas.microsoft.com/office/drawing/2014/main" id="{80A2E09D-0636-F914-0284-26E2D0C5B1DB}"/>
+                <a16:creationId xmlns:a16="http://schemas.microsoft.com/office/drawing/2014/main" id="{361BD59E-6474-B869-F5E8-3C3A0673452E}"/>
               </a:ext>
             </a:extLst>
           </p:cNvPr>
@@ -10877,7 +11078,7 @@
           <p:cNvPr id="6" name="Slide Number Placeholder 5">
             <a:extLst>
               <a:ext uri="{FF2B5EF4-FFF2-40B4-BE49-F238E27FC236}">
-                <a16:creationId xmlns:a16="http://schemas.microsoft.com/office/drawing/2014/main" id="{54AACC0B-76FA-C9FE-D805-129F0084909C}"/>
+                <a16:creationId xmlns:a16="http://schemas.microsoft.com/office/drawing/2014/main" id="{EE062470-DB18-070C-5AAB-03C9A1A9BDD6}"/>
               </a:ext>
             </a:extLst>
           </p:cNvPr>
@@ -10922,23 +11123,23 @@
     </p:spTree>
     <p:extLst>
       <p:ext uri="{BB962C8B-B14F-4D97-AF65-F5344CB8AC3E}">
-        <p14:creationId xmlns:p14="http://schemas.microsoft.com/office/powerpoint/2010/main" val="1007976163"/>
+        <p14:creationId xmlns:p14="http://schemas.microsoft.com/office/powerpoint/2010/main" val="2968479189"/>
       </p:ext>
     </p:extLst>
   </p:cSld>
   <p:clrMap bg1="lt1" tx1="dk1" bg2="lt2" tx2="dk2" accent1="accent1" accent2="accent2" accent3="accent3" accent4="accent4" accent5="accent5" accent6="accent6" hlink="hlink" folHlink="folHlink"/>
   <p:sldLayoutIdLst>
-    <p:sldLayoutId id="2147483697" r:id="rId1"/>
-    <p:sldLayoutId id="2147483698" r:id="rId2"/>
-    <p:sldLayoutId id="2147483699" r:id="rId3"/>
-    <p:sldLayoutId id="2147483700" r:id="rId4"/>
-    <p:sldLayoutId id="2147483701" r:id="rId5"/>
-    <p:sldLayoutId id="2147483702" r:id="rId6"/>
-    <p:sldLayoutId id="2147483703" r:id="rId7"/>
-    <p:sldLayoutId id="2147483704" r:id="rId8"/>
-    <p:sldLayoutId id="2147483705" r:id="rId9"/>
-    <p:sldLayoutId id="2147483706" r:id="rId10"/>
-    <p:sldLayoutId id="2147483707" r:id="rId11"/>
+    <p:sldLayoutId id="2147483709" r:id="rId1"/>
+    <p:sldLayoutId id="2147483710" r:id="rId2"/>
+    <p:sldLayoutId id="2147483711" r:id="rId3"/>
+    <p:sldLayoutId id="2147483712" r:id="rId4"/>
+    <p:sldLayoutId id="2147483713" r:id="rId5"/>
+    <p:sldLayoutId id="2147483714" r:id="rId6"/>
+    <p:sldLayoutId id="2147483715" r:id="rId7"/>
+    <p:sldLayoutId id="2147483716" r:id="rId8"/>
+    <p:sldLayoutId id="2147483717" r:id="rId9"/>
+    <p:sldLayoutId id="2147483718" r:id="rId10"/>
+    <p:sldLayoutId id="2147483719" r:id="rId11"/>
   </p:sldLayoutIdLst>
   <p:txStyles>
     <p:titleStyle>
@@ -11365,18 +11566,10 @@
           <a:lstStyle/>
           <a:p>
             <a:r>
-              <a:rPr lang="en-US" dirty="0">
-                <a:highlight>
-                  <a:srgbClr val="008080"/>
-                </a:highlight>
-              </a:rPr>
+              <a:rPr lang="en-US" dirty="0"/>
               <a:t>FROM - LOKESH SHARMA</a:t>
             </a:r>
-            <a:endParaRPr lang="en-IN" dirty="0">
-              <a:highlight>
-                <a:srgbClr val="008080"/>
-              </a:highlight>
-            </a:endParaRPr>
+            <a:endParaRPr lang="en-IN" dirty="0"/>
           </a:p>
         </p:txBody>
       </p:sp>
@@ -11418,6 +11611,22 @@
             <a:avLst/>
           </a:prstGeom>
         </p:spPr>
+        <p:style>
+          <a:lnRef idx="2">
+            <a:schemeClr val="accent1">
+              <a:shade val="15000"/>
+            </a:schemeClr>
+          </a:lnRef>
+          <a:fillRef idx="1">
+            <a:schemeClr val="accent1"/>
+          </a:fillRef>
+          <a:effectRef idx="0">
+            <a:schemeClr val="accent1"/>
+          </a:effectRef>
+          <a:fontRef idx="minor">
+            <a:schemeClr val="lt1"/>
+          </a:fontRef>
+        </p:style>
       </p:pic>
     </p:spTree>
     <p:extLst>
@@ -11449,51 +11658,6 @@
           <a:chExt cx="0" cy="0"/>
         </a:xfrm>
       </p:grpSpPr>
-      <p:sp>
-        <p:nvSpPr>
-          <p:cNvPr id="2" name="Title 1">
-            <a:extLst>
-              <a:ext uri="{FF2B5EF4-FFF2-40B4-BE49-F238E27FC236}">
-                <a16:creationId xmlns:a16="http://schemas.microsoft.com/office/drawing/2014/main" id="{FFDD91CC-DEA0-7D4B-A454-69C32E0BA17B}"/>
-              </a:ext>
-            </a:extLst>
-          </p:cNvPr>
-          <p:cNvSpPr>
-            <a:spLocks noGrp="1"/>
-          </p:cNvSpPr>
-          <p:nvPr>
-            <p:ph type="title"/>
-          </p:nvPr>
-        </p:nvSpPr>
-        <p:spPr>
-          <a:xfrm>
-            <a:off x="959370" y="427220"/>
-            <a:ext cx="10013429" cy="307298"/>
-          </a:xfrm>
-        </p:spPr>
-        <p:txBody>
-          <a:bodyPr vert="horz" lIns="91440" tIns="45720" rIns="91440" bIns="45720" rtlCol="0" anchor="b">
-            <a:normAutofit fontScale="90000"/>
-          </a:bodyPr>
-          <a:lstStyle/>
-          <a:p>
-            <a:pPr algn="ctr"/>
-            <a:r>
-              <a:rPr lang="en-US" sz="3600" dirty="0">
-                <a:highlight>
-                  <a:srgbClr val="008080"/>
-                </a:highlight>
-              </a:rPr>
-              <a:t>Churn Rate By Gender In Recent Years.</a:t>
-            </a:r>
-            <a:endParaRPr lang="en-IN" sz="3600" dirty="0">
-              <a:highlight>
-                <a:srgbClr val="008080"/>
-              </a:highlight>
-            </a:endParaRPr>
-          </a:p>
-        </p:txBody>
-      </p:sp>
       <p:pic>
         <p:nvPicPr>
           <p:cNvPr id="6" name="Content Placeholder 5">
@@ -11518,8 +11682,8 @@
         </p:blipFill>
         <p:spPr>
           <a:xfrm>
-            <a:off x="5587922" y="1626237"/>
-            <a:ext cx="6172200" cy="3605526"/>
+            <a:off x="5632893" y="1508851"/>
+            <a:ext cx="6172200" cy="3840298"/>
           </a:xfrm>
         </p:spPr>
       </p:pic>
@@ -11709,6 +11873,102 @@
           </a:p>
           <a:p>
             <a:endParaRPr lang="en-IN" dirty="0"/>
+          </a:p>
+        </p:txBody>
+      </p:sp>
+      <p:sp>
+        <p:nvSpPr>
+          <p:cNvPr id="3" name="Rectangle 2">
+            <a:extLst>
+              <a:ext uri="{FF2B5EF4-FFF2-40B4-BE49-F238E27FC236}">
+                <a16:creationId xmlns:a16="http://schemas.microsoft.com/office/drawing/2014/main" id="{99DE8E3E-6E8E-4D68-A73D-E4AC3D9F2B35}"/>
+              </a:ext>
+            </a:extLst>
+          </p:cNvPr>
+          <p:cNvSpPr/>
+          <p:nvPr/>
+        </p:nvSpPr>
+        <p:spPr>
+          <a:xfrm>
+            <a:off x="0" y="-29900"/>
+            <a:ext cx="12192000" cy="619879"/>
+          </a:xfrm>
+          <a:prstGeom prst="rect">
+            <a:avLst/>
+          </a:prstGeom>
+        </p:spPr>
+        <p:style>
+          <a:lnRef idx="2">
+            <a:schemeClr val="accent1">
+              <a:shade val="15000"/>
+            </a:schemeClr>
+          </a:lnRef>
+          <a:fillRef idx="1">
+            <a:schemeClr val="accent1"/>
+          </a:fillRef>
+          <a:effectRef idx="0">
+            <a:schemeClr val="accent1"/>
+          </a:effectRef>
+          <a:fontRef idx="minor">
+            <a:schemeClr val="lt1"/>
+          </a:fontRef>
+        </p:style>
+        <p:txBody>
+          <a:bodyPr rtlCol="0" anchor="ctr"/>
+          <a:lstStyle/>
+          <a:p>
+            <a:pPr algn="ctr"/>
+            <a:r>
+              <a:rPr lang="en-US" sz="3200" dirty="0"/>
+              <a:t>Churn Rate By Gender In Recent Years.</a:t>
+            </a:r>
+            <a:endParaRPr lang="en-IN" sz="3200" dirty="0"/>
+          </a:p>
+        </p:txBody>
+      </p:sp>
+      <p:sp>
+        <p:nvSpPr>
+          <p:cNvPr id="8" name="Rectangle 7">
+            <a:extLst>
+              <a:ext uri="{FF2B5EF4-FFF2-40B4-BE49-F238E27FC236}">
+                <a16:creationId xmlns:a16="http://schemas.microsoft.com/office/drawing/2014/main" id="{D2AD287E-7A8A-36F8-540F-E937138DFD99}"/>
+              </a:ext>
+            </a:extLst>
+          </p:cNvPr>
+          <p:cNvSpPr/>
+          <p:nvPr/>
+        </p:nvSpPr>
+        <p:spPr>
+          <a:xfrm>
+            <a:off x="5354452" y="1221308"/>
+            <a:ext cx="45719" cy="5186596"/>
+          </a:xfrm>
+          <a:prstGeom prst="rect">
+            <a:avLst/>
+          </a:prstGeom>
+        </p:spPr>
+        <p:style>
+          <a:lnRef idx="2">
+            <a:schemeClr val="accent1">
+              <a:shade val="15000"/>
+            </a:schemeClr>
+          </a:lnRef>
+          <a:fillRef idx="1">
+            <a:schemeClr val="accent1"/>
+          </a:fillRef>
+          <a:effectRef idx="0">
+            <a:schemeClr val="accent1"/>
+          </a:effectRef>
+          <a:fontRef idx="minor">
+            <a:schemeClr val="lt1"/>
+          </a:fontRef>
+        </p:style>
+        <p:txBody>
+          <a:bodyPr rtlCol="0" anchor="ctr"/>
+          <a:lstStyle/>
+          <a:p>
+            <a:pPr algn="ctr"/>
+            <a:endParaRPr lang="en-IN"/>
           </a:p>
         </p:txBody>
       </p:sp>
@@ -11742,96 +12002,6 @@
           <a:chExt cx="0" cy="0"/>
         </a:xfrm>
       </p:grpSpPr>
-      <p:sp>
-        <p:nvSpPr>
-          <p:cNvPr id="2" name="Title 1">
-            <a:extLst>
-              <a:ext uri="{FF2B5EF4-FFF2-40B4-BE49-F238E27FC236}">
-                <a16:creationId xmlns:a16="http://schemas.microsoft.com/office/drawing/2014/main" id="{AFFC0207-F60D-C9A3-9FFA-F6FB43B70D99}"/>
-              </a:ext>
-            </a:extLst>
-          </p:cNvPr>
-          <p:cNvSpPr>
-            <a:spLocks noGrp="1"/>
-          </p:cNvSpPr>
-          <p:nvPr>
-            <p:ph type="title" idx="4294967295"/>
-          </p:nvPr>
-        </p:nvSpPr>
-        <p:spPr>
-          <a:xfrm>
-            <a:off x="1553979" y="1153494"/>
-            <a:ext cx="9084039" cy="45719"/>
-          </a:xfrm>
-          <a:solidFill>
-            <a:srgbClr val="008080"/>
-          </a:solidFill>
-          <a:ln w="12700" cap="flat" cmpd="sng" algn="ctr">
-            <a:solidFill>
-              <a:prstClr val="white">
-                <a:hueOff val="0"/>
-                <a:satOff val="0"/>
-                <a:lumOff val="0"/>
-                <a:alphaOff val="0"/>
-              </a:prstClr>
-            </a:solidFill>
-            <a:prstDash val="solid"/>
-            <a:miter lim="800000"/>
-          </a:ln>
-          <a:effectLst/>
-        </p:spPr>
-        <p:txBody>
-          <a:bodyPr spcFirstLastPara="0" vert="horz" wrap="square" lIns="91440" tIns="45720" rIns="91440" bIns="45720" numCol="1" spcCol="1270" rtlCol="0" anchor="b" anchorCtr="0">
-            <a:noAutofit/>
-          </a:bodyPr>
-          <a:lstStyle/>
-          <a:p>
-            <a:pPr algn="ctr">
-              <a:spcAft>
-                <a:spcPct val="35000"/>
-              </a:spcAft>
-            </a:pPr>
-            <a:r>
-              <a:rPr lang="en-US" sz="3600" dirty="0">
-                <a:solidFill>
-                  <a:prstClr val="black"/>
-                </a:solidFill>
-                <a:highlight>
-                  <a:srgbClr val="008080"/>
-                </a:highlight>
-                <a:latin typeface="Calibri Light" panose="020F0302020204030204"/>
-                <a:ea typeface="+mn-ea"/>
-                <a:cs typeface="+mn-cs"/>
-              </a:rPr>
-              <a:t>Analysis and Strategies for Gender-Based Churn</a:t>
-            </a:r>
-            <a:br>
-              <a:rPr lang="en-US" sz="3600" dirty="0">
-                <a:solidFill>
-                  <a:prstClr val="black"/>
-                </a:solidFill>
-                <a:highlight>
-                  <a:srgbClr val="008080"/>
-                </a:highlight>
-                <a:latin typeface="Calibri Light" panose="020F0302020204030204"/>
-                <a:ea typeface="+mn-ea"/>
-                <a:cs typeface="+mn-cs"/>
-              </a:rPr>
-            </a:br>
-            <a:endParaRPr lang="en-IN" sz="3600" dirty="0">
-              <a:solidFill>
-                <a:prstClr val="black"/>
-              </a:solidFill>
-              <a:highlight>
-                <a:srgbClr val="008080"/>
-              </a:highlight>
-              <a:latin typeface="Calibri Light" panose="020F0302020204030204"/>
-              <a:ea typeface="+mn-ea"/>
-              <a:cs typeface="+mn-cs"/>
-            </a:endParaRPr>
-          </a:p>
-        </p:txBody>
-      </p:sp>
       <p:graphicFrame>
         <p:nvGraphicFramePr>
           <p:cNvPr id="4" name="Diagram 3">
@@ -11845,13 +12015,13 @@
           <p:nvPr>
             <p:extLst>
               <p:ext uri="{D42A27DB-BD31-4B8C-83A1-F6EECF244321}">
-                <p14:modId xmlns:p14="http://schemas.microsoft.com/office/powerpoint/2010/main" val="4072239116"/>
+                <p14:modId xmlns:p14="http://schemas.microsoft.com/office/powerpoint/2010/main" val="2848485020"/>
               </p:ext>
             </p:extLst>
           </p:nvPr>
         </p:nvGraphicFramePr>
         <p:xfrm>
-          <a:off x="1925403" y="884557"/>
+          <a:off x="2180236" y="1229331"/>
           <a:ext cx="8341193" cy="5418667"/>
         </p:xfrm>
         <a:graphic>
@@ -11860,6 +12030,169 @@
           </a:graphicData>
         </a:graphic>
       </p:graphicFrame>
+      <p:sp>
+        <p:nvSpPr>
+          <p:cNvPr id="5" name="Rectangle 4">
+            <a:extLst>
+              <a:ext uri="{FF2B5EF4-FFF2-40B4-BE49-F238E27FC236}">
+                <a16:creationId xmlns:a16="http://schemas.microsoft.com/office/drawing/2014/main" id="{F9286E80-9A40-34E9-98DA-B7280D42B80E}"/>
+              </a:ext>
+            </a:extLst>
+          </p:cNvPr>
+          <p:cNvSpPr/>
+          <p:nvPr/>
+        </p:nvSpPr>
+        <p:spPr>
+          <a:xfrm>
+            <a:off x="0" y="-29900"/>
+            <a:ext cx="12192000" cy="914457"/>
+          </a:xfrm>
+          <a:prstGeom prst="rect">
+            <a:avLst/>
+          </a:prstGeom>
+        </p:spPr>
+        <p:style>
+          <a:lnRef idx="2">
+            <a:schemeClr val="accent1">
+              <a:shade val="15000"/>
+            </a:schemeClr>
+          </a:lnRef>
+          <a:fillRef idx="1">
+            <a:schemeClr val="accent1"/>
+          </a:fillRef>
+          <a:effectRef idx="0">
+            <a:schemeClr val="accent1"/>
+          </a:effectRef>
+          <a:fontRef idx="minor">
+            <a:schemeClr val="lt1"/>
+          </a:fontRef>
+        </p:style>
+        <p:txBody>
+          <a:bodyPr rtlCol="0" anchor="ctr"/>
+          <a:lstStyle/>
+          <a:p>
+            <a:pPr algn="ctr"/>
+            <a:r>
+              <a:rPr lang="en-US" sz="3200" dirty="0">
+                <a:solidFill>
+                  <a:schemeClr val="bg1"/>
+                </a:solidFill>
+                <a:latin typeface="Calibri Light" panose="020F0302020204030204"/>
+                <a:ea typeface="+mn-ea"/>
+                <a:cs typeface="+mn-cs"/>
+              </a:rPr>
+              <a:t>Analysis and Strategies for Gender-Based Churn</a:t>
+            </a:r>
+            <a:br>
+              <a:rPr lang="en-US" sz="3200" dirty="0">
+                <a:solidFill>
+                  <a:schemeClr val="bg1"/>
+                </a:solidFill>
+                <a:latin typeface="Calibri Light" panose="020F0302020204030204"/>
+                <a:ea typeface="+mn-ea"/>
+                <a:cs typeface="+mn-cs"/>
+              </a:rPr>
+            </a:br>
+            <a:endParaRPr lang="en-IN" sz="3200" dirty="0">
+              <a:solidFill>
+                <a:schemeClr val="bg1"/>
+              </a:solidFill>
+            </a:endParaRPr>
+          </a:p>
+        </p:txBody>
+      </p:sp>
+      <p:sp>
+        <p:nvSpPr>
+          <p:cNvPr id="6" name="Rectangle 5">
+            <a:extLst>
+              <a:ext uri="{FF2B5EF4-FFF2-40B4-BE49-F238E27FC236}">
+                <a16:creationId xmlns:a16="http://schemas.microsoft.com/office/drawing/2014/main" id="{12124D32-4A0E-FFF7-30F1-213AADE54DBD}"/>
+              </a:ext>
+            </a:extLst>
+          </p:cNvPr>
+          <p:cNvSpPr/>
+          <p:nvPr/>
+        </p:nvSpPr>
+        <p:spPr>
+          <a:xfrm>
+            <a:off x="1861744" y="1345366"/>
+            <a:ext cx="45719" cy="5186596"/>
+          </a:xfrm>
+          <a:prstGeom prst="rect">
+            <a:avLst/>
+          </a:prstGeom>
+        </p:spPr>
+        <p:style>
+          <a:lnRef idx="2">
+            <a:schemeClr val="accent1">
+              <a:shade val="15000"/>
+            </a:schemeClr>
+          </a:lnRef>
+          <a:fillRef idx="1">
+            <a:schemeClr val="accent1"/>
+          </a:fillRef>
+          <a:effectRef idx="0">
+            <a:schemeClr val="accent1"/>
+          </a:effectRef>
+          <a:fontRef idx="minor">
+            <a:schemeClr val="lt1"/>
+          </a:fontRef>
+        </p:style>
+        <p:txBody>
+          <a:bodyPr rtlCol="0" anchor="ctr"/>
+          <a:lstStyle/>
+          <a:p>
+            <a:pPr algn="ctr"/>
+            <a:endParaRPr lang="en-IN"/>
+          </a:p>
+        </p:txBody>
+      </p:sp>
+      <p:sp>
+        <p:nvSpPr>
+          <p:cNvPr id="7" name="Rectangle 6">
+            <a:extLst>
+              <a:ext uri="{FF2B5EF4-FFF2-40B4-BE49-F238E27FC236}">
+                <a16:creationId xmlns:a16="http://schemas.microsoft.com/office/drawing/2014/main" id="{9C48DACC-BE4E-8669-9C3E-8A4FD464FC8D}"/>
+              </a:ext>
+            </a:extLst>
+          </p:cNvPr>
+          <p:cNvSpPr/>
+          <p:nvPr/>
+        </p:nvSpPr>
+        <p:spPr>
+          <a:xfrm>
+            <a:off x="10794202" y="1461402"/>
+            <a:ext cx="45719" cy="5186596"/>
+          </a:xfrm>
+          <a:prstGeom prst="rect">
+            <a:avLst/>
+          </a:prstGeom>
+        </p:spPr>
+        <p:style>
+          <a:lnRef idx="2">
+            <a:schemeClr val="accent1">
+              <a:shade val="15000"/>
+            </a:schemeClr>
+          </a:lnRef>
+          <a:fillRef idx="1">
+            <a:schemeClr val="accent1"/>
+          </a:fillRef>
+          <a:effectRef idx="0">
+            <a:schemeClr val="accent1"/>
+          </a:effectRef>
+          <a:fontRef idx="minor">
+            <a:schemeClr val="lt1"/>
+          </a:fontRef>
+        </p:style>
+        <p:txBody>
+          <a:bodyPr rtlCol="0" anchor="ctr"/>
+          <a:lstStyle/>
+          <a:p>
+            <a:pPr algn="ctr"/>
+            <a:endParaRPr lang="en-IN"/>
+          </a:p>
+        </p:txBody>
+      </p:sp>
     </p:spTree>
     <p:extLst>
       <p:ext uri="{BB962C8B-B14F-4D97-AF65-F5344CB8AC3E}">
@@ -11908,19 +12241,19 @@
         </p:nvSpPr>
         <p:spPr>
           <a:xfrm>
-            <a:off x="556305" y="1"/>
-            <a:ext cx="5292952" cy="2548618"/>
+            <a:off x="541654" y="134910"/>
+            <a:ext cx="5292952" cy="2769187"/>
           </a:xfrm>
         </p:spPr>
         <p:txBody>
           <a:bodyPr>
-            <a:normAutofit fontScale="47500" lnSpcReduction="20000"/>
+            <a:normAutofit/>
           </a:bodyPr>
           <a:lstStyle/>
           <a:p>
             <a:r>
-              <a:rPr lang="en-US" sz="2900" b="1" dirty="0"/>
-              <a:t>Key Points:</a:t>
+              <a:rPr lang="en-US" sz="1800" dirty="0"/>
+              <a:t>Analysis:</a:t>
             </a:r>
           </a:p>
           <a:p>
@@ -11929,8 +12262,8 @@
               <a:buChar char="•"/>
             </a:pPr>
             <a:r>
-              <a:rPr lang="en-US" sz="2900" dirty="0"/>
-              <a:t>Customers joining over time: 2016 (1951), 2017 (2143), 2018 (2593), 2019 (3313)</a:t>
+              <a:rPr lang="en-US" sz="1800" b="0" dirty="0"/>
+              <a:t>The increase in new customers joining the bank each year is a positive trend, indicating potential growth opportunities.</a:t>
             </a:r>
           </a:p>
           <a:p>
@@ -11939,37 +12272,10 @@
               <a:buChar char="•"/>
             </a:pPr>
             <a:r>
-              <a:rPr lang="en-US" sz="2900" dirty="0"/>
-              <a:t>Churn rate has remained constant, impacting customer retention despite the increase in new customers.</a:t>
-            </a:r>
-          </a:p>
-          <a:p>
-            <a:r>
-              <a:rPr lang="en-US" sz="2900" b="1" dirty="0"/>
-              <a:t>Analysis:</a:t>
-            </a:r>
-            <a:endParaRPr lang="en-US" sz="2900" dirty="0"/>
-          </a:p>
-          <a:p>
-            <a:pPr marL="285750" indent="-285750">
-              <a:buFont typeface="Arial" panose="020B0604020202020204" pitchFamily="34" charset="0"/>
-              <a:buChar char="•"/>
-            </a:pPr>
-            <a:r>
-              <a:rPr lang="en-US" sz="2900" dirty="0"/>
-              <a:t>The increase in new customers joining the bank each year is a positive trend, indicating potential growth opportunities.</a:t>
-            </a:r>
-          </a:p>
-          <a:p>
-            <a:pPr marL="285750" indent="-285750">
-              <a:buFont typeface="Arial" panose="020B0604020202020204" pitchFamily="34" charset="0"/>
-              <a:buChar char="•"/>
-            </a:pPr>
-            <a:r>
-              <a:rPr lang="en-US" sz="2900" dirty="0"/>
+              <a:rPr lang="en-US" sz="1800" b="0" dirty="0"/>
               <a:t>However, the constant churn rate suggests that while new customers are joining, the bank is struggling to retain them.</a:t>
             </a:r>
-            <a:endParaRPr lang="en-IN" sz="2900" dirty="0"/>
+            <a:endParaRPr lang="en-IN" sz="1800" b="0" dirty="0"/>
           </a:p>
           <a:p>
             <a:endParaRPr lang="en-IN" dirty="0"/>
@@ -11994,13 +12300,13 @@
         </p:nvSpPr>
         <p:spPr>
           <a:xfrm>
-            <a:off x="839788" y="2505075"/>
+            <a:off x="458995" y="2586265"/>
             <a:ext cx="5157787" cy="412296"/>
           </a:xfrm>
         </p:spPr>
         <p:txBody>
           <a:bodyPr vert="horz" lIns="91440" tIns="45720" rIns="91440" bIns="45720" rtlCol="0" anchor="b">
-            <a:normAutofit fontScale="75000" lnSpcReduction="20000"/>
+            <a:noAutofit/>
           </a:bodyPr>
           <a:lstStyle/>
           <a:p>
@@ -12011,20 +12317,14 @@
               <a:buNone/>
             </a:pPr>
             <a:r>
-              <a:rPr lang="en-US" sz="3600" dirty="0">
-                <a:highlight>
-                  <a:srgbClr val="008080"/>
-                </a:highlight>
+              <a:rPr lang="en-US" sz="2400" i="1" dirty="0">
                 <a:latin typeface="+mj-lt"/>
                 <a:ea typeface="+mj-ea"/>
                 <a:cs typeface="+mj-cs"/>
               </a:rPr>
               <a:t>Customer Joining Over Years.</a:t>
             </a:r>
-            <a:endParaRPr lang="en-IN" sz="3600" dirty="0">
-              <a:highlight>
-                <a:srgbClr val="008080"/>
-              </a:highlight>
+            <a:endParaRPr lang="en-IN" sz="2400" i="1" dirty="0">
               <a:latin typeface="+mj-lt"/>
               <a:ea typeface="+mj-ea"/>
               <a:cs typeface="+mj-cs"/>
@@ -12050,8 +12350,8 @@
         </p:nvSpPr>
         <p:spPr>
           <a:xfrm>
-            <a:off x="6172200" y="0"/>
-            <a:ext cx="5831114" cy="2061027"/>
+            <a:off x="6194427" y="269822"/>
+            <a:ext cx="5831114" cy="1543987"/>
           </a:xfrm>
         </p:spPr>
         <p:txBody>
@@ -12061,40 +12361,22 @@
           <a:lstStyle/>
           <a:p>
             <a:r>
-              <a:rPr lang="en-US" sz="1400" dirty="0"/>
-              <a:t>Key Points:</a:t>
-            </a:r>
-          </a:p>
-          <a:p>
-            <a:r>
-              <a:rPr lang="en-US" sz="1400" dirty="0"/>
-              <a:t>Churn rates: 2016 (19%), 2017 (22%), 2018 (20%), 2019 (20%)</a:t>
-            </a:r>
-          </a:p>
-          <a:p>
-            <a:r>
-              <a:rPr lang="en-US" sz="1400" dirty="0"/>
-              <a:t>Churn rate has remained relatively constant over the years.</a:t>
-            </a:r>
-          </a:p>
-          <a:p>
-            <a:r>
-              <a:rPr lang="en-US" sz="1400" dirty="0"/>
+              <a:rPr lang="en-US" sz="1800" dirty="0"/>
               <a:t>Analysis:</a:t>
             </a:r>
           </a:p>
           <a:p>
             <a:r>
-              <a:rPr lang="en-US" sz="1400" dirty="0"/>
+              <a:rPr lang="en-US" sz="1800" b="0" dirty="0"/>
               <a:t>Fluctuations in churn rates occurred, but overall, the rate has stabilized.</a:t>
             </a:r>
           </a:p>
           <a:p>
             <a:r>
-              <a:rPr lang="en-US" sz="1400" dirty="0"/>
+              <a:rPr lang="en-US" sz="1800" b="0" dirty="0"/>
               <a:t>Minor increase in 2017, but stabilized in subsequent years.</a:t>
             </a:r>
-            <a:endParaRPr lang="en-IN" sz="1400" dirty="0"/>
+            <a:endParaRPr lang="en-IN" sz="1800" b="0" dirty="0"/>
           </a:p>
         </p:txBody>
       </p:sp>
@@ -12116,13 +12398,13 @@
         </p:nvSpPr>
         <p:spPr>
           <a:xfrm>
-            <a:off x="6281058" y="2505075"/>
+            <a:off x="6433142" y="2491801"/>
             <a:ext cx="5183188" cy="412296"/>
           </a:xfrm>
         </p:spPr>
         <p:txBody>
           <a:bodyPr vert="horz" lIns="91440" tIns="45720" rIns="91440" bIns="45720" rtlCol="0" anchor="b">
-            <a:normAutofit fontScale="75000" lnSpcReduction="20000"/>
+            <a:noAutofit/>
           </a:bodyPr>
           <a:lstStyle/>
           <a:p>
@@ -12133,20 +12415,14 @@
               <a:buNone/>
             </a:pPr>
             <a:r>
-              <a:rPr lang="en-US" sz="3600" dirty="0">
-                <a:highlight>
-                  <a:srgbClr val="008080"/>
-                </a:highlight>
+              <a:rPr lang="en-US" sz="2400" i="1" dirty="0">
                 <a:latin typeface="+mj-lt"/>
                 <a:ea typeface="+mj-ea"/>
                 <a:cs typeface="+mj-cs"/>
               </a:rPr>
               <a:t>Customers Churn Rates Over Years </a:t>
             </a:r>
-            <a:endParaRPr lang="en-IN" sz="3600" dirty="0">
-              <a:highlight>
-                <a:srgbClr val="008080"/>
-              </a:highlight>
+            <a:endParaRPr lang="en-IN" sz="2400" i="1" dirty="0">
               <a:latin typeface="+mj-lt"/>
               <a:ea typeface="+mj-ea"/>
               <a:cs typeface="+mj-cs"/>
@@ -12176,7 +12452,7 @@
         </p:blipFill>
         <p:spPr>
           <a:xfrm>
-            <a:off x="556305" y="3093024"/>
+            <a:off x="391413" y="3093025"/>
             <a:ext cx="5292952" cy="3764975"/>
           </a:xfrm>
           <a:prstGeom prst="rect">
@@ -12206,7 +12482,7 @@
         </p:blipFill>
         <p:spPr>
           <a:xfrm>
-            <a:off x="6194427" y="3093024"/>
+            <a:off x="6194427" y="2962315"/>
             <a:ext cx="5997573" cy="3625863"/>
           </a:xfrm>
           <a:prstGeom prst="rect">
@@ -12214,6 +12490,52 @@
           </a:prstGeom>
         </p:spPr>
       </p:pic>
+      <p:sp>
+        <p:nvSpPr>
+          <p:cNvPr id="2" name="Rectangle 1">
+            <a:extLst>
+              <a:ext uri="{FF2B5EF4-FFF2-40B4-BE49-F238E27FC236}">
+                <a16:creationId xmlns:a16="http://schemas.microsoft.com/office/drawing/2014/main" id="{55892986-DEE5-DA22-A2A9-7495B601F39C}"/>
+              </a:ext>
+            </a:extLst>
+          </p:cNvPr>
+          <p:cNvSpPr/>
+          <p:nvPr/>
+        </p:nvSpPr>
+        <p:spPr>
+          <a:xfrm>
+            <a:off x="5968797" y="202431"/>
+            <a:ext cx="45719" cy="6588178"/>
+          </a:xfrm>
+          <a:prstGeom prst="rect">
+            <a:avLst/>
+          </a:prstGeom>
+        </p:spPr>
+        <p:style>
+          <a:lnRef idx="2">
+            <a:schemeClr val="accent1">
+              <a:shade val="15000"/>
+            </a:schemeClr>
+          </a:lnRef>
+          <a:fillRef idx="1">
+            <a:schemeClr val="accent1"/>
+          </a:fillRef>
+          <a:effectRef idx="0">
+            <a:schemeClr val="accent1"/>
+          </a:effectRef>
+          <a:fontRef idx="minor">
+            <a:schemeClr val="lt1"/>
+          </a:fontRef>
+        </p:style>
+        <p:txBody>
+          <a:bodyPr rtlCol="0" anchor="ctr"/>
+          <a:lstStyle/>
+          <a:p>
+            <a:pPr algn="ctr"/>
+            <a:endParaRPr lang="en-IN"/>
+          </a:p>
+        </p:txBody>
+      </p:sp>
     </p:spTree>
     <p:extLst>
       <p:ext uri="{BB962C8B-B14F-4D97-AF65-F5344CB8AC3E}">
@@ -12262,36 +12584,24 @@
         </p:nvSpPr>
         <p:spPr>
           <a:xfrm>
-            <a:off x="56243" y="357943"/>
+            <a:off x="191155" y="133090"/>
             <a:ext cx="3951514" cy="723446"/>
           </a:xfrm>
         </p:spPr>
         <p:txBody>
           <a:bodyPr>
-            <a:normAutofit fontScale="90000"/>
+            <a:noAutofit/>
           </a:bodyPr>
           <a:lstStyle/>
           <a:p>
             <a:r>
-              <a:rPr lang="en-US" dirty="0">
-                <a:highlight>
-                  <a:srgbClr val="008080"/>
-                </a:highlight>
-              </a:rPr>
+              <a:rPr lang="en-US" sz="2400" b="1" dirty="0"/>
               <a:t>Recommendation:</a:t>
             </a:r>
             <a:br>
-              <a:rPr lang="en-US" dirty="0">
-                <a:highlight>
-                  <a:srgbClr val="008080"/>
-                </a:highlight>
-              </a:rPr>
+              <a:rPr lang="en-US" sz="2400" b="1" dirty="0"/>
             </a:br>
-            <a:endParaRPr lang="en-US" dirty="0">
-              <a:highlight>
-                <a:srgbClr val="008080"/>
-              </a:highlight>
-            </a:endParaRPr>
+            <a:endParaRPr lang="en-US" sz="2400" b="1" dirty="0"/>
           </a:p>
         </p:txBody>
       </p:sp>
@@ -12308,14 +12618,14 @@
           <p:nvPr>
             <p:extLst>
               <p:ext uri="{D42A27DB-BD31-4B8C-83A1-F6EECF244321}">
-                <p14:modId xmlns:p14="http://schemas.microsoft.com/office/powerpoint/2010/main" val="68200313"/>
+                <p14:modId xmlns:p14="http://schemas.microsoft.com/office/powerpoint/2010/main" val="399743825"/>
               </p:ext>
             </p:extLst>
           </p:nvPr>
         </p:nvGraphicFramePr>
         <p:xfrm>
-          <a:off x="2286833" y="1081390"/>
-          <a:ext cx="8128000" cy="5418667"/>
+          <a:off x="0" y="1081391"/>
+          <a:ext cx="12191999" cy="5154518"/>
         </p:xfrm>
         <a:graphic>
           <a:graphicData uri="http://schemas.openxmlformats.org/drawingml/2006/diagram">
@@ -12323,6 +12633,294 @@
           </a:graphicData>
         </a:graphic>
       </p:graphicFrame>
+      <p:cxnSp>
+        <p:nvCxnSpPr>
+          <p:cNvPr id="4" name="Straight Connector 3">
+            <a:extLst>
+              <a:ext uri="{FF2B5EF4-FFF2-40B4-BE49-F238E27FC236}">
+                <a16:creationId xmlns:a16="http://schemas.microsoft.com/office/drawing/2014/main" id="{37362360-38E3-123E-072D-2A66FCDDEDA9}"/>
+              </a:ext>
+            </a:extLst>
+          </p:cNvPr>
+          <p:cNvCxnSpPr/>
+          <p:nvPr/>
+        </p:nvCxnSpPr>
+        <p:spPr>
+          <a:xfrm>
+            <a:off x="191155" y="3485213"/>
+            <a:ext cx="5535088" cy="0"/>
+          </a:xfrm>
+          <a:prstGeom prst="line">
+            <a:avLst/>
+          </a:prstGeom>
+        </p:spPr>
+        <p:style>
+          <a:lnRef idx="1">
+            <a:schemeClr val="accent1"/>
+          </a:lnRef>
+          <a:fillRef idx="0">
+            <a:schemeClr val="accent1"/>
+          </a:fillRef>
+          <a:effectRef idx="0">
+            <a:schemeClr val="accent1"/>
+          </a:effectRef>
+          <a:fontRef idx="minor">
+            <a:schemeClr val="tx1"/>
+          </a:fontRef>
+        </p:style>
+      </p:cxnSp>
+      <p:cxnSp>
+        <p:nvCxnSpPr>
+          <p:cNvPr id="5" name="Straight Connector 4">
+            <a:extLst>
+              <a:ext uri="{FF2B5EF4-FFF2-40B4-BE49-F238E27FC236}">
+                <a16:creationId xmlns:a16="http://schemas.microsoft.com/office/drawing/2014/main" id="{5E9EF6AD-4DDC-3452-C937-5D56DBF6628D}"/>
+              </a:ext>
+            </a:extLst>
+          </p:cNvPr>
+          <p:cNvCxnSpPr/>
+          <p:nvPr/>
+        </p:nvCxnSpPr>
+        <p:spPr>
+          <a:xfrm>
+            <a:off x="6294650" y="5745379"/>
+            <a:ext cx="5535088" cy="0"/>
+          </a:xfrm>
+          <a:prstGeom prst="line">
+            <a:avLst/>
+          </a:prstGeom>
+        </p:spPr>
+        <p:style>
+          <a:lnRef idx="1">
+            <a:schemeClr val="accent1"/>
+          </a:lnRef>
+          <a:fillRef idx="0">
+            <a:schemeClr val="accent1"/>
+          </a:fillRef>
+          <a:effectRef idx="0">
+            <a:schemeClr val="accent1"/>
+          </a:effectRef>
+          <a:fontRef idx="minor">
+            <a:schemeClr val="tx1"/>
+          </a:fontRef>
+        </p:style>
+      </p:cxnSp>
+      <p:cxnSp>
+        <p:nvCxnSpPr>
+          <p:cNvPr id="6" name="Straight Connector 5">
+            <a:extLst>
+              <a:ext uri="{FF2B5EF4-FFF2-40B4-BE49-F238E27FC236}">
+                <a16:creationId xmlns:a16="http://schemas.microsoft.com/office/drawing/2014/main" id="{06315A9D-D204-8B5D-B393-DF481E30A76F}"/>
+              </a:ext>
+            </a:extLst>
+          </p:cNvPr>
+          <p:cNvCxnSpPr/>
+          <p:nvPr/>
+        </p:nvCxnSpPr>
+        <p:spPr>
+          <a:xfrm>
+            <a:off x="6294650" y="3747541"/>
+            <a:ext cx="5535088" cy="0"/>
+          </a:xfrm>
+          <a:prstGeom prst="line">
+            <a:avLst/>
+          </a:prstGeom>
+        </p:spPr>
+        <p:style>
+          <a:lnRef idx="1">
+            <a:schemeClr val="accent1"/>
+          </a:lnRef>
+          <a:fillRef idx="0">
+            <a:schemeClr val="accent1"/>
+          </a:fillRef>
+          <a:effectRef idx="0">
+            <a:schemeClr val="accent1"/>
+          </a:effectRef>
+          <a:fontRef idx="minor">
+            <a:schemeClr val="tx1"/>
+          </a:fontRef>
+        </p:style>
+      </p:cxnSp>
+      <p:cxnSp>
+        <p:nvCxnSpPr>
+          <p:cNvPr id="7" name="Straight Connector 6">
+            <a:extLst>
+              <a:ext uri="{FF2B5EF4-FFF2-40B4-BE49-F238E27FC236}">
+                <a16:creationId xmlns:a16="http://schemas.microsoft.com/office/drawing/2014/main" id="{9FE995B2-CFAB-EF81-CBA3-8E0E21CC53E0}"/>
+              </a:ext>
+            </a:extLst>
+          </p:cNvPr>
+          <p:cNvCxnSpPr/>
+          <p:nvPr/>
+        </p:nvCxnSpPr>
+        <p:spPr>
+          <a:xfrm>
+            <a:off x="191155" y="1411574"/>
+            <a:ext cx="5535088" cy="0"/>
+          </a:xfrm>
+          <a:prstGeom prst="line">
+            <a:avLst/>
+          </a:prstGeom>
+        </p:spPr>
+        <p:style>
+          <a:lnRef idx="1">
+            <a:schemeClr val="accent1"/>
+          </a:lnRef>
+          <a:fillRef idx="0">
+            <a:schemeClr val="accent1"/>
+          </a:fillRef>
+          <a:effectRef idx="0">
+            <a:schemeClr val="accent1"/>
+          </a:effectRef>
+          <a:fontRef idx="minor">
+            <a:schemeClr val="tx1"/>
+          </a:fontRef>
+        </p:style>
+      </p:cxnSp>
+      <p:cxnSp>
+        <p:nvCxnSpPr>
+          <p:cNvPr id="9" name="Straight Connector 8">
+            <a:extLst>
+              <a:ext uri="{FF2B5EF4-FFF2-40B4-BE49-F238E27FC236}">
+                <a16:creationId xmlns:a16="http://schemas.microsoft.com/office/drawing/2014/main" id="{8F67EA87-0F80-4CC5-A30B-270776BFB0DC}"/>
+              </a:ext>
+            </a:extLst>
+          </p:cNvPr>
+          <p:cNvCxnSpPr/>
+          <p:nvPr/>
+        </p:nvCxnSpPr>
+        <p:spPr>
+          <a:xfrm>
+            <a:off x="191155" y="3517692"/>
+            <a:ext cx="5535088" cy="0"/>
+          </a:xfrm>
+          <a:prstGeom prst="line">
+            <a:avLst/>
+          </a:prstGeom>
+        </p:spPr>
+        <p:style>
+          <a:lnRef idx="1">
+            <a:schemeClr val="accent1"/>
+          </a:lnRef>
+          <a:fillRef idx="0">
+            <a:schemeClr val="accent1"/>
+          </a:fillRef>
+          <a:effectRef idx="0">
+            <a:schemeClr val="accent1"/>
+          </a:effectRef>
+          <a:fontRef idx="minor">
+            <a:schemeClr val="tx1"/>
+          </a:fontRef>
+        </p:style>
+      </p:cxnSp>
+      <p:cxnSp>
+        <p:nvCxnSpPr>
+          <p:cNvPr id="10" name="Straight Connector 9">
+            <a:extLst>
+              <a:ext uri="{FF2B5EF4-FFF2-40B4-BE49-F238E27FC236}">
+                <a16:creationId xmlns:a16="http://schemas.microsoft.com/office/drawing/2014/main" id="{057B50F3-6D95-2914-878F-F5F0F496863C}"/>
+              </a:ext>
+            </a:extLst>
+          </p:cNvPr>
+          <p:cNvCxnSpPr/>
+          <p:nvPr/>
+        </p:nvCxnSpPr>
+        <p:spPr>
+          <a:xfrm>
+            <a:off x="191155" y="1455295"/>
+            <a:ext cx="5535088" cy="0"/>
+          </a:xfrm>
+          <a:prstGeom prst="line">
+            <a:avLst/>
+          </a:prstGeom>
+        </p:spPr>
+        <p:style>
+          <a:lnRef idx="1">
+            <a:schemeClr val="accent1"/>
+          </a:lnRef>
+          <a:fillRef idx="0">
+            <a:schemeClr val="accent1"/>
+          </a:fillRef>
+          <a:effectRef idx="0">
+            <a:schemeClr val="accent1"/>
+          </a:effectRef>
+          <a:fontRef idx="minor">
+            <a:schemeClr val="tx1"/>
+          </a:fontRef>
+        </p:style>
+      </p:cxnSp>
+      <p:cxnSp>
+        <p:nvCxnSpPr>
+          <p:cNvPr id="11" name="Straight Connector 10">
+            <a:extLst>
+              <a:ext uri="{FF2B5EF4-FFF2-40B4-BE49-F238E27FC236}">
+                <a16:creationId xmlns:a16="http://schemas.microsoft.com/office/drawing/2014/main" id="{994A1795-A2B3-89BF-68BE-6D1C81A336CB}"/>
+              </a:ext>
+            </a:extLst>
+          </p:cNvPr>
+          <p:cNvCxnSpPr/>
+          <p:nvPr/>
+        </p:nvCxnSpPr>
+        <p:spPr>
+          <a:xfrm>
+            <a:off x="6294650" y="3782319"/>
+            <a:ext cx="5535088" cy="0"/>
+          </a:xfrm>
+          <a:prstGeom prst="line">
+            <a:avLst/>
+          </a:prstGeom>
+        </p:spPr>
+        <p:style>
+          <a:lnRef idx="1">
+            <a:schemeClr val="accent1"/>
+          </a:lnRef>
+          <a:fillRef idx="0">
+            <a:schemeClr val="accent1"/>
+          </a:fillRef>
+          <a:effectRef idx="0">
+            <a:schemeClr val="accent1"/>
+          </a:effectRef>
+          <a:fontRef idx="minor">
+            <a:schemeClr val="tx1"/>
+          </a:fontRef>
+        </p:style>
+      </p:cxnSp>
+      <p:cxnSp>
+        <p:nvCxnSpPr>
+          <p:cNvPr id="12" name="Straight Connector 11">
+            <a:extLst>
+              <a:ext uri="{FF2B5EF4-FFF2-40B4-BE49-F238E27FC236}">
+                <a16:creationId xmlns:a16="http://schemas.microsoft.com/office/drawing/2014/main" id="{B33EC512-27C7-E9ED-2DA6-9E90D3789DFC}"/>
+              </a:ext>
+            </a:extLst>
+          </p:cNvPr>
+          <p:cNvCxnSpPr/>
+          <p:nvPr/>
+        </p:nvCxnSpPr>
+        <p:spPr>
+          <a:xfrm>
+            <a:off x="6294650" y="5705804"/>
+            <a:ext cx="5535088" cy="0"/>
+          </a:xfrm>
+          <a:prstGeom prst="line">
+            <a:avLst/>
+          </a:prstGeom>
+        </p:spPr>
+        <p:style>
+          <a:lnRef idx="1">
+            <a:schemeClr val="accent1"/>
+          </a:lnRef>
+          <a:fillRef idx="0">
+            <a:schemeClr val="accent1"/>
+          </a:fillRef>
+          <a:effectRef idx="0">
+            <a:schemeClr val="accent1"/>
+          </a:effectRef>
+          <a:fontRef idx="minor">
+            <a:schemeClr val="tx1"/>
+          </a:fontRef>
+        </p:style>
+      </p:cxnSp>
     </p:spTree>
     <p:extLst>
       <p:ext uri="{BB962C8B-B14F-4D97-AF65-F5344CB8AC3E}">
@@ -12353,50 +12951,6 @@
           <a:chExt cx="0" cy="0"/>
         </a:xfrm>
       </p:grpSpPr>
-      <p:sp>
-        <p:nvSpPr>
-          <p:cNvPr id="2" name="Title 1">
-            <a:extLst>
-              <a:ext uri="{FF2B5EF4-FFF2-40B4-BE49-F238E27FC236}">
-                <a16:creationId xmlns:a16="http://schemas.microsoft.com/office/drawing/2014/main" id="{EF4BD821-67A1-DD96-CC74-C43E93A81B75}"/>
-              </a:ext>
-            </a:extLst>
-          </p:cNvPr>
-          <p:cNvSpPr>
-            <a:spLocks noGrp="1"/>
-          </p:cNvSpPr>
-          <p:nvPr>
-            <p:ph type="title"/>
-          </p:nvPr>
-        </p:nvSpPr>
-        <p:spPr>
-          <a:xfrm>
-            <a:off x="333829" y="12701"/>
-            <a:ext cx="12018066" cy="829128"/>
-          </a:xfrm>
-        </p:spPr>
-        <p:txBody>
-          <a:bodyPr vert="horz" lIns="91440" tIns="45720" rIns="91440" bIns="45720" rtlCol="0" anchor="ctr">
-            <a:normAutofit/>
-          </a:bodyPr>
-          <a:lstStyle/>
-          <a:p>
-            <a:r>
-              <a:rPr lang="en-US" dirty="0">
-                <a:highlight>
-                  <a:srgbClr val="008080"/>
-                </a:highlight>
-              </a:rPr>
-              <a:t>Account balance And Number of products used by exited customers.</a:t>
-            </a:r>
-            <a:endParaRPr lang="en-IN" dirty="0">
-              <a:highlight>
-                <a:srgbClr val="008080"/>
-              </a:highlight>
-            </a:endParaRPr>
-          </a:p>
-        </p:txBody>
-      </p:sp>
       <p:pic>
         <p:nvPicPr>
           <p:cNvPr id="6" name="Picture Placeholder 5">
@@ -12442,19 +12996,19 @@
         </p:nvSpPr>
         <p:spPr>
           <a:xfrm>
-            <a:off x="333829" y="841829"/>
-            <a:ext cx="3944711" cy="5019221"/>
+            <a:off x="333829" y="1276544"/>
+            <a:ext cx="4073279" cy="5124256"/>
           </a:xfrm>
         </p:spPr>
         <p:txBody>
           <a:bodyPr>
-            <a:normAutofit fontScale="92500" lnSpcReduction="10000"/>
+            <a:normAutofit/>
           </a:bodyPr>
           <a:lstStyle/>
           <a:p>
             <a:r>
-              <a:rPr lang="en-US" b="1" dirty="0"/>
-              <a:t>Key Points:</a:t>
+              <a:rPr lang="en-US" sz="1800" b="1" dirty="0"/>
+              <a:t>Analysis:</a:t>
             </a:r>
           </a:p>
           <a:p>
@@ -12463,8 +13017,8 @@
               <a:buChar char="•"/>
             </a:pPr>
             <a:r>
-              <a:rPr lang="en-US" dirty="0"/>
-              <a:t>1049 customers used 1 product with an account balance of 130M</a:t>
+              <a:rPr lang="en-US" sz="1800" dirty="0"/>
+              <a:t>Customers with higher product usage tend to have higher total account balances.</a:t>
             </a:r>
           </a:p>
           <a:p>
@@ -12473,8 +13027,14 @@
               <a:buChar char="•"/>
             </a:pPr>
             <a:r>
-              <a:rPr lang="en-US" dirty="0"/>
-              <a:t>348 customers used 2 products with a balance of 31M</a:t>
+              <a:rPr lang="en-US" sz="1800" dirty="0"/>
+              <a:t>Customers using 1 product contribute significantly to the total account balance.</a:t>
+            </a:r>
+          </a:p>
+          <a:p>
+            <a:r>
+              <a:rPr lang="en-US" sz="1800" b="1" dirty="0"/>
+              <a:t>Recommendation:</a:t>
             </a:r>
           </a:p>
           <a:p>
@@ -12483,8 +13043,8 @@
               <a:buChar char="•"/>
             </a:pPr>
             <a:r>
-              <a:rPr lang="en-US" dirty="0"/>
-              <a:t>220 customers used 3 products with a balance of 19M</a:t>
+              <a:rPr lang="en-US" sz="1800" dirty="0"/>
+              <a:t>Encourage customers to use multiple products to increase overall account balances.</a:t>
             </a:r>
           </a:p>
           <a:p>
@@ -12493,59 +13053,7 @@
               <a:buChar char="•"/>
             </a:pPr>
             <a:r>
-              <a:rPr lang="en-US" dirty="0"/>
-              <a:t>60 customers used 4 products with a balance of 6M</a:t>
-            </a:r>
-          </a:p>
-          <a:p>
-            <a:r>
-              <a:rPr lang="en-US" b="1" dirty="0"/>
-              <a:t>Analysis:</a:t>
-            </a:r>
-          </a:p>
-          <a:p>
-            <a:pPr marL="285750" indent="-285750">
-              <a:buFont typeface="Arial" panose="020B0604020202020204" pitchFamily="34" charset="0"/>
-              <a:buChar char="•"/>
-            </a:pPr>
-            <a:r>
-              <a:rPr lang="en-US" dirty="0"/>
-              <a:t>Customers with higher product usage tend to have higher total account balances.</a:t>
-            </a:r>
-          </a:p>
-          <a:p>
-            <a:pPr marL="285750" indent="-285750">
-              <a:buFont typeface="Arial" panose="020B0604020202020204" pitchFamily="34" charset="0"/>
-              <a:buChar char="•"/>
-            </a:pPr>
-            <a:r>
-              <a:rPr lang="en-US" dirty="0"/>
-              <a:t>Customers using 1 product contribute significantly to the total account balance.</a:t>
-            </a:r>
-          </a:p>
-          <a:p>
-            <a:r>
-              <a:rPr lang="en-US" b="1" dirty="0"/>
-              <a:t>Recommendation:</a:t>
-            </a:r>
-          </a:p>
-          <a:p>
-            <a:pPr marL="285750" indent="-285750">
-              <a:buFont typeface="Arial" panose="020B0604020202020204" pitchFamily="34" charset="0"/>
-              <a:buChar char="•"/>
-            </a:pPr>
-            <a:r>
-              <a:rPr lang="en-US" dirty="0"/>
-              <a:t>Encourage customers to use multiple products to increase overall account balances.</a:t>
-            </a:r>
-          </a:p>
-          <a:p>
-            <a:pPr marL="285750" indent="-285750">
-              <a:buFont typeface="Arial" panose="020B0604020202020204" pitchFamily="34" charset="0"/>
-              <a:buChar char="•"/>
-            </a:pPr>
-            <a:r>
-              <a:rPr lang="en-US" dirty="0"/>
+              <a:rPr lang="en-US" sz="1800" dirty="0"/>
               <a:t>Offer incentives or rewards for customers who adopt additional banking products.</a:t>
             </a:r>
           </a:p>
@@ -12563,6 +13071,102 @@
           </a:p>
           <a:p>
             <a:endParaRPr lang="en-IN" dirty="0"/>
+          </a:p>
+        </p:txBody>
+      </p:sp>
+      <p:sp>
+        <p:nvSpPr>
+          <p:cNvPr id="5" name="Rectangle 4">
+            <a:extLst>
+              <a:ext uri="{FF2B5EF4-FFF2-40B4-BE49-F238E27FC236}">
+                <a16:creationId xmlns:a16="http://schemas.microsoft.com/office/drawing/2014/main" id="{3C98C037-88F8-454C-D142-9024947B11F7}"/>
+              </a:ext>
+            </a:extLst>
+          </p:cNvPr>
+          <p:cNvSpPr/>
+          <p:nvPr/>
+        </p:nvSpPr>
+        <p:spPr>
+          <a:xfrm>
+            <a:off x="0" y="-29900"/>
+            <a:ext cx="12192000" cy="619879"/>
+          </a:xfrm>
+          <a:prstGeom prst="rect">
+            <a:avLst/>
+          </a:prstGeom>
+        </p:spPr>
+        <p:style>
+          <a:lnRef idx="2">
+            <a:schemeClr val="accent1">
+              <a:shade val="15000"/>
+            </a:schemeClr>
+          </a:lnRef>
+          <a:fillRef idx="1">
+            <a:schemeClr val="accent1"/>
+          </a:fillRef>
+          <a:effectRef idx="0">
+            <a:schemeClr val="accent1"/>
+          </a:effectRef>
+          <a:fontRef idx="minor">
+            <a:schemeClr val="lt1"/>
+          </a:fontRef>
+        </p:style>
+        <p:txBody>
+          <a:bodyPr rtlCol="0" anchor="ctr"/>
+          <a:lstStyle/>
+          <a:p>
+            <a:pPr algn="ctr"/>
+            <a:r>
+              <a:rPr lang="en-US" sz="3200" dirty="0"/>
+              <a:t>Account balance And Number of products used by exited customers.</a:t>
+            </a:r>
+            <a:endParaRPr lang="en-IN" sz="3200" dirty="0"/>
+          </a:p>
+        </p:txBody>
+      </p:sp>
+      <p:sp>
+        <p:nvSpPr>
+          <p:cNvPr id="9" name="Rectangle 8">
+            <a:extLst>
+              <a:ext uri="{FF2B5EF4-FFF2-40B4-BE49-F238E27FC236}">
+                <a16:creationId xmlns:a16="http://schemas.microsoft.com/office/drawing/2014/main" id="{118A30A7-11ED-9C78-647D-DA9292560D3C}"/>
+              </a:ext>
+            </a:extLst>
+          </p:cNvPr>
+          <p:cNvSpPr/>
+          <p:nvPr/>
+        </p:nvSpPr>
+        <p:spPr>
+          <a:xfrm>
+            <a:off x="4749428" y="987425"/>
+            <a:ext cx="45719" cy="5186596"/>
+          </a:xfrm>
+          <a:prstGeom prst="rect">
+            <a:avLst/>
+          </a:prstGeom>
+        </p:spPr>
+        <p:style>
+          <a:lnRef idx="2">
+            <a:schemeClr val="accent1">
+              <a:shade val="15000"/>
+            </a:schemeClr>
+          </a:lnRef>
+          <a:fillRef idx="1">
+            <a:schemeClr val="accent1"/>
+          </a:fillRef>
+          <a:effectRef idx="0">
+            <a:schemeClr val="accent1"/>
+          </a:effectRef>
+          <a:fontRef idx="minor">
+            <a:schemeClr val="lt1"/>
+          </a:fontRef>
+        </p:style>
+        <p:txBody>
+          <a:bodyPr rtlCol="0" anchor="ctr"/>
+          <a:lstStyle/>
+          <a:p>
+            <a:pPr algn="ctr"/>
+            <a:endParaRPr lang="en-IN"/>
           </a:p>
         </p:txBody>
       </p:sp>
@@ -12598,50 +13202,6 @@
       </p:grpSpPr>
       <p:sp>
         <p:nvSpPr>
-          <p:cNvPr id="2" name="Title 1">
-            <a:extLst>
-              <a:ext uri="{FF2B5EF4-FFF2-40B4-BE49-F238E27FC236}">
-                <a16:creationId xmlns:a16="http://schemas.microsoft.com/office/drawing/2014/main" id="{738EB802-7471-1A69-1EE1-5365B1857C83}"/>
-              </a:ext>
-            </a:extLst>
-          </p:cNvPr>
-          <p:cNvSpPr>
-            <a:spLocks noGrp="1"/>
-          </p:cNvSpPr>
-          <p:nvPr>
-            <p:ph type="title"/>
-          </p:nvPr>
-        </p:nvSpPr>
-        <p:spPr>
-          <a:xfrm>
-            <a:off x="1870303" y="0"/>
-            <a:ext cx="7781698" cy="610961"/>
-          </a:xfrm>
-        </p:spPr>
-        <p:txBody>
-          <a:bodyPr vert="horz" lIns="91440" tIns="45720" rIns="91440" bIns="45720" rtlCol="0" anchor="ctr">
-            <a:normAutofit/>
-          </a:bodyPr>
-          <a:lstStyle/>
-          <a:p>
-            <a:r>
-              <a:rPr lang="en-US" dirty="0">
-                <a:highlight>
-                  <a:srgbClr val="008080"/>
-                </a:highlight>
-              </a:rPr>
-              <a:t>Credit Score Wise Count Of Customers Exited.</a:t>
-            </a:r>
-            <a:endParaRPr lang="en-IN" dirty="0">
-              <a:highlight>
-                <a:srgbClr val="008080"/>
-              </a:highlight>
-            </a:endParaRPr>
-          </a:p>
-        </p:txBody>
-      </p:sp>
-      <p:sp>
-        <p:nvSpPr>
           <p:cNvPr id="4" name="Text Placeholder 3">
             <a:extLst>
               <a:ext uri="{FF2B5EF4-FFF2-40B4-BE49-F238E27FC236}">
@@ -12658,8 +13218,8 @@
         </p:nvSpPr>
         <p:spPr>
           <a:xfrm>
-            <a:off x="478972" y="610961"/>
-            <a:ext cx="4289878" cy="5403169"/>
+            <a:off x="194158" y="1217559"/>
+            <a:ext cx="4289878" cy="4467848"/>
           </a:xfrm>
         </p:spPr>
         <p:txBody>
@@ -12669,79 +13229,58 @@
           <a:lstStyle/>
           <a:p>
             <a:r>
-              <a:rPr lang="en-US" b="1" dirty="0"/>
-              <a:t>Key Points:</a:t>
-            </a:r>
-            <a:endParaRPr lang="en-US" dirty="0"/>
-          </a:p>
-          <a:p>
-            <a:r>
-              <a:rPr lang="en-US" dirty="0"/>
-              <a:t>Credit score group 300-579: 520 customers exited</a:t>
-            </a:r>
-          </a:p>
-          <a:p>
-            <a:r>
-              <a:rPr lang="en-US" dirty="0"/>
-              <a:t>Credit score group 580-669: 685 customers exited</a:t>
-            </a:r>
-          </a:p>
-          <a:p>
-            <a:r>
-              <a:rPr lang="en-US" dirty="0"/>
-              <a:t>Credit score group 670-739: 452 customers exited</a:t>
-            </a:r>
-          </a:p>
-          <a:p>
-            <a:r>
-              <a:rPr lang="en-US" dirty="0"/>
-              <a:t>Credit score group 740-799: 252 customers exited</a:t>
-            </a:r>
-          </a:p>
-          <a:p>
-            <a:r>
-              <a:rPr lang="en-US" dirty="0"/>
-              <a:t>Credit score group 800-850: 128 customers exited</a:t>
-            </a:r>
-          </a:p>
-          <a:p>
-            <a:r>
-              <a:rPr lang="en-US" b="1" dirty="0"/>
+              <a:rPr lang="en-US" sz="1800" b="1" dirty="0"/>
               <a:t>Analysis:</a:t>
             </a:r>
-            <a:endParaRPr lang="en-US" dirty="0"/>
-          </a:p>
-          <a:p>
-            <a:r>
-              <a:rPr lang="en-US" dirty="0"/>
+            <a:endParaRPr lang="en-US" sz="1800" dirty="0"/>
+          </a:p>
+          <a:p>
+            <a:pPr marL="285750" indent="-285750">
+              <a:buFont typeface="Arial" panose="020B0604020202020204" pitchFamily="34" charset="0"/>
+              <a:buChar char="•"/>
+            </a:pPr>
+            <a:r>
+              <a:rPr lang="en-US" sz="1800" dirty="0"/>
               <a:t>Customers with higher credit scores tend to have lower churn rates.</a:t>
             </a:r>
           </a:p>
           <a:p>
-            <a:r>
-              <a:rPr lang="en-US" dirty="0"/>
+            <a:pPr marL="285750" indent="-285750">
+              <a:buFont typeface="Arial" panose="020B0604020202020204" pitchFamily="34" charset="0"/>
+              <a:buChar char="•"/>
+            </a:pPr>
+            <a:r>
+              <a:rPr lang="en-US" sz="1800" dirty="0"/>
               <a:t>The highest churn count is observed in the credit score group 580-669, followed by 300-579.</a:t>
             </a:r>
           </a:p>
           <a:p>
             <a:r>
-              <a:rPr lang="en-US" b="1" dirty="0"/>
+              <a:rPr lang="en-US" sz="1800" b="1" dirty="0"/>
               <a:t>Recommendation:</a:t>
             </a:r>
-            <a:endParaRPr lang="en-US" dirty="0"/>
-          </a:p>
-          <a:p>
-            <a:r>
-              <a:rPr lang="en-US" dirty="0"/>
+            <a:endParaRPr lang="en-US" sz="1800" dirty="0"/>
+          </a:p>
+          <a:p>
+            <a:pPr marL="285750" indent="-285750">
+              <a:buFont typeface="Arial" panose="020B0604020202020204" pitchFamily="34" charset="0"/>
+              <a:buChar char="•"/>
+            </a:pPr>
+            <a:r>
+              <a:rPr lang="en-US" sz="1800" dirty="0"/>
               <a:t>Focus retention efforts on customers in the credit score groups 300-669.</a:t>
             </a:r>
           </a:p>
           <a:p>
-            <a:r>
-              <a:rPr lang="en-US" dirty="0"/>
+            <a:pPr marL="285750" indent="-285750">
+              <a:buFont typeface="Arial" panose="020B0604020202020204" pitchFamily="34" charset="0"/>
+              <a:buChar char="•"/>
+            </a:pPr>
+            <a:r>
+              <a:rPr lang="en-US" sz="1800" dirty="0"/>
               <a:t>Provide targeted offers or incentives to encourage loyalty and reduce churn in these segments.</a:t>
             </a:r>
-            <a:endParaRPr lang="en-IN" dirty="0"/>
+            <a:endParaRPr lang="en-IN" sz="1800" dirty="0"/>
           </a:p>
         </p:txBody>
       </p:sp>
@@ -12775,6 +13314,102 @@
           </a:prstGeom>
         </p:spPr>
       </p:pic>
+      <p:sp>
+        <p:nvSpPr>
+          <p:cNvPr id="3" name="Rectangle 2">
+            <a:extLst>
+              <a:ext uri="{FF2B5EF4-FFF2-40B4-BE49-F238E27FC236}">
+                <a16:creationId xmlns:a16="http://schemas.microsoft.com/office/drawing/2014/main" id="{C9C3D852-6790-74F0-7EBB-C16E55256487}"/>
+              </a:ext>
+            </a:extLst>
+          </p:cNvPr>
+          <p:cNvSpPr/>
+          <p:nvPr/>
+        </p:nvSpPr>
+        <p:spPr>
+          <a:xfrm>
+            <a:off x="0" y="-29900"/>
+            <a:ext cx="12192000" cy="619879"/>
+          </a:xfrm>
+          <a:prstGeom prst="rect">
+            <a:avLst/>
+          </a:prstGeom>
+        </p:spPr>
+        <p:style>
+          <a:lnRef idx="2">
+            <a:schemeClr val="accent1">
+              <a:shade val="15000"/>
+            </a:schemeClr>
+          </a:lnRef>
+          <a:fillRef idx="1">
+            <a:schemeClr val="accent1"/>
+          </a:fillRef>
+          <a:effectRef idx="0">
+            <a:schemeClr val="accent1"/>
+          </a:effectRef>
+          <a:fontRef idx="minor">
+            <a:schemeClr val="lt1"/>
+          </a:fontRef>
+        </p:style>
+        <p:txBody>
+          <a:bodyPr rtlCol="0" anchor="ctr"/>
+          <a:lstStyle/>
+          <a:p>
+            <a:pPr algn="ctr"/>
+            <a:r>
+              <a:rPr lang="en-US" sz="3200" dirty="0"/>
+              <a:t>Credit Score Wise Count Of Customers Exited.</a:t>
+            </a:r>
+            <a:endParaRPr lang="en-IN" sz="3200" dirty="0"/>
+          </a:p>
+        </p:txBody>
+      </p:sp>
+      <p:sp>
+        <p:nvSpPr>
+          <p:cNvPr id="7" name="Rectangle 6">
+            <a:extLst>
+              <a:ext uri="{FF2B5EF4-FFF2-40B4-BE49-F238E27FC236}">
+                <a16:creationId xmlns:a16="http://schemas.microsoft.com/office/drawing/2014/main" id="{3A7A0DC8-7F6D-E8D7-BC10-446C47360346}"/>
+              </a:ext>
+            </a:extLst>
+          </p:cNvPr>
+          <p:cNvSpPr/>
+          <p:nvPr/>
+        </p:nvSpPr>
+        <p:spPr>
+          <a:xfrm>
+            <a:off x="4749428" y="987425"/>
+            <a:ext cx="45719" cy="5186596"/>
+          </a:xfrm>
+          <a:prstGeom prst="rect">
+            <a:avLst/>
+          </a:prstGeom>
+        </p:spPr>
+        <p:style>
+          <a:lnRef idx="2">
+            <a:schemeClr val="accent1">
+              <a:shade val="15000"/>
+            </a:schemeClr>
+          </a:lnRef>
+          <a:fillRef idx="1">
+            <a:schemeClr val="accent1"/>
+          </a:fillRef>
+          <a:effectRef idx="0">
+            <a:schemeClr val="accent1"/>
+          </a:effectRef>
+          <a:fontRef idx="minor">
+            <a:schemeClr val="lt1"/>
+          </a:fontRef>
+        </p:style>
+        <p:txBody>
+          <a:bodyPr rtlCol="0" anchor="ctr"/>
+          <a:lstStyle/>
+          <a:p>
+            <a:pPr algn="ctr"/>
+            <a:endParaRPr lang="en-IN"/>
+          </a:p>
+        </p:txBody>
+      </p:sp>
     </p:spTree>
     <p:extLst>
       <p:ext uri="{BB962C8B-B14F-4D97-AF65-F5344CB8AC3E}">
@@ -12807,50 +13442,6 @@
       </p:grpSpPr>
       <p:sp>
         <p:nvSpPr>
-          <p:cNvPr id="3" name="Title 2">
-            <a:extLst>
-              <a:ext uri="{FF2B5EF4-FFF2-40B4-BE49-F238E27FC236}">
-                <a16:creationId xmlns:a16="http://schemas.microsoft.com/office/drawing/2014/main" id="{02AC7A71-4DD5-68AD-AD2B-08503C844F4D}"/>
-              </a:ext>
-            </a:extLst>
-          </p:cNvPr>
-          <p:cNvSpPr>
-            <a:spLocks noGrp="1"/>
-          </p:cNvSpPr>
-          <p:nvPr>
-            <p:ph type="title"/>
-          </p:nvPr>
-        </p:nvSpPr>
-        <p:spPr>
-          <a:xfrm>
-            <a:off x="4102553" y="0"/>
-            <a:ext cx="3986893" cy="640668"/>
-          </a:xfrm>
-        </p:spPr>
-        <p:txBody>
-          <a:bodyPr vert="horz" lIns="91440" tIns="45720" rIns="91440" bIns="45720" rtlCol="0" anchor="ctr">
-            <a:normAutofit/>
-          </a:bodyPr>
-          <a:lstStyle/>
-          <a:p>
-            <a:r>
-              <a:rPr lang="en-US" sz="3200" dirty="0">
-                <a:highlight>
-                  <a:srgbClr val="008080"/>
-                </a:highlight>
-              </a:rPr>
-              <a:t>Overall Conclusion </a:t>
-            </a:r>
-            <a:endParaRPr lang="en-IN" sz="3200" dirty="0">
-              <a:highlight>
-                <a:srgbClr val="008080"/>
-              </a:highlight>
-            </a:endParaRPr>
-          </a:p>
-        </p:txBody>
-      </p:sp>
-      <p:sp>
-        <p:nvSpPr>
           <p:cNvPr id="4" name="Text Placeholder 3">
             <a:extLst>
               <a:ext uri="{FF2B5EF4-FFF2-40B4-BE49-F238E27FC236}">
@@ -12867,8 +13458,8 @@
         </p:nvSpPr>
         <p:spPr>
           <a:xfrm>
-            <a:off x="624114" y="1059542"/>
-            <a:ext cx="10723336" cy="5544457"/>
+            <a:off x="1813572" y="1074533"/>
+            <a:ext cx="8564856" cy="5544457"/>
           </a:xfrm>
         </p:spPr>
         <p:txBody>
@@ -12877,27 +13468,12 @@
           </a:bodyPr>
           <a:lstStyle/>
           <a:p>
-            <a:r>
-              <a:rPr lang="en-US" b="1" dirty="0">
-                <a:solidFill>
-                  <a:schemeClr val="tx1"/>
-                </a:solidFill>
-              </a:rPr>
-              <a:t>Key Points:</a:t>
-            </a:r>
-            <a:endParaRPr lang="en-US" dirty="0">
-              <a:solidFill>
-                <a:schemeClr val="tx1"/>
-              </a:solidFill>
-            </a:endParaRPr>
-          </a:p>
-          <a:p>
             <a:pPr marL="342900" indent="-342900">
               <a:buFont typeface="Arial" panose="020B0604020202020204" pitchFamily="34" charset="0"/>
               <a:buChar char="•"/>
             </a:pPr>
             <a:r>
-              <a:rPr lang="en-US" dirty="0">
+              <a:rPr lang="en-US" sz="1800" dirty="0">
                 <a:solidFill>
                   <a:schemeClr val="tx1"/>
                 </a:solidFill>
@@ -12911,7 +13487,7 @@
               <a:buChar char="•"/>
             </a:pPr>
             <a:r>
-              <a:rPr lang="en-US" dirty="0">
+              <a:rPr lang="en-US" sz="1800" dirty="0">
                 <a:solidFill>
                   <a:schemeClr val="tx1"/>
                 </a:solidFill>
@@ -12925,7 +13501,7 @@
               <a:buChar char="•"/>
             </a:pPr>
             <a:r>
-              <a:rPr lang="en-US" dirty="0">
+              <a:rPr lang="en-US" sz="1800" dirty="0">
                 <a:solidFill>
                   <a:schemeClr val="tx1"/>
                 </a:solidFill>
@@ -12939,7 +13515,7 @@
               <a:buChar char="•"/>
             </a:pPr>
             <a:r>
-              <a:rPr lang="en-US" dirty="0">
+              <a:rPr lang="en-US" sz="1800" dirty="0">
                 <a:solidFill>
                   <a:schemeClr val="tx1"/>
                 </a:solidFill>
@@ -12953,7 +13529,7 @@
               <a:buChar char="•"/>
             </a:pPr>
             <a:r>
-              <a:rPr lang="en-US" dirty="0">
+              <a:rPr lang="en-US" sz="1800" dirty="0">
                 <a:solidFill>
                   <a:schemeClr val="tx1"/>
                 </a:solidFill>
@@ -12967,18 +13543,68 @@
               <a:buChar char="•"/>
             </a:pPr>
             <a:r>
-              <a:rPr lang="en-US" dirty="0">
+              <a:rPr lang="en-US" sz="1800" dirty="0">
                 <a:solidFill>
                   <a:schemeClr val="tx1"/>
                 </a:solidFill>
               </a:rPr>
               <a:t>Overall, by focusing on customer engagement, service enhancement, and targeted strategies for specific customer segments, the bank can reduce churn, improve customer retention, and foster long-term customer loyalty.</a:t>
             </a:r>
-            <a:endParaRPr lang="en-IN" dirty="0">
+            <a:endParaRPr lang="en-IN" sz="1800" dirty="0">
               <a:solidFill>
                 <a:schemeClr val="tx1"/>
               </a:solidFill>
             </a:endParaRPr>
+          </a:p>
+        </p:txBody>
+      </p:sp>
+      <p:sp>
+        <p:nvSpPr>
+          <p:cNvPr id="2" name="Rectangle 1">
+            <a:extLst>
+              <a:ext uri="{FF2B5EF4-FFF2-40B4-BE49-F238E27FC236}">
+                <a16:creationId xmlns:a16="http://schemas.microsoft.com/office/drawing/2014/main" id="{83B4D294-939A-C293-16C6-B9E89B21F956}"/>
+              </a:ext>
+            </a:extLst>
+          </p:cNvPr>
+          <p:cNvSpPr/>
+          <p:nvPr/>
+        </p:nvSpPr>
+        <p:spPr>
+          <a:xfrm>
+            <a:off x="0" y="-29900"/>
+            <a:ext cx="12192000" cy="619879"/>
+          </a:xfrm>
+          <a:prstGeom prst="rect">
+            <a:avLst/>
+          </a:prstGeom>
+        </p:spPr>
+        <p:style>
+          <a:lnRef idx="2">
+            <a:schemeClr val="accent1">
+              <a:shade val="15000"/>
+            </a:schemeClr>
+          </a:lnRef>
+          <a:fillRef idx="1">
+            <a:schemeClr val="accent1"/>
+          </a:fillRef>
+          <a:effectRef idx="0">
+            <a:schemeClr val="accent1"/>
+          </a:effectRef>
+          <a:fontRef idx="minor">
+            <a:schemeClr val="lt1"/>
+          </a:fontRef>
+        </p:style>
+        <p:txBody>
+          <a:bodyPr rtlCol="0" anchor="ctr"/>
+          <a:lstStyle/>
+          <a:p>
+            <a:pPr algn="ctr"/>
+            <a:r>
+              <a:rPr lang="en-US" sz="3200" dirty="0"/>
+              <a:t>Overall Conclusion </a:t>
+            </a:r>
+            <a:endParaRPr lang="en-IN" sz="3200" dirty="0"/>
           </a:p>
         </p:txBody>
       </p:sp>
@@ -12996,6 +13622,75 @@
 </file>
 
 <file path=ppt/slides/slide17.xml><?xml version="1.0" encoding="utf-8"?>
+<p:sld xmlns:a="http://schemas.openxmlformats.org/drawingml/2006/main" xmlns:r="http://schemas.openxmlformats.org/officeDocument/2006/relationships" xmlns:p="http://schemas.openxmlformats.org/presentationml/2006/main">
+  <p:cSld>
+    <p:spTree>
+      <p:nvGrpSpPr>
+        <p:cNvPr id="1" name=""/>
+        <p:cNvGrpSpPr/>
+        <p:nvPr/>
+      </p:nvGrpSpPr>
+      <p:grpSpPr>
+        <a:xfrm>
+          <a:off x="0" y="0"/>
+          <a:ext cx="0" cy="0"/>
+          <a:chOff x="0" y="0"/>
+          <a:chExt cx="0" cy="0"/>
+        </a:xfrm>
+      </p:grpSpPr>
+      <p:pic>
+        <p:nvPicPr>
+          <p:cNvPr id="5" name="Picture 4">
+            <a:extLst>
+              <a:ext uri="{FF2B5EF4-FFF2-40B4-BE49-F238E27FC236}">
+                <a16:creationId xmlns:a16="http://schemas.microsoft.com/office/drawing/2014/main" id="{6887818A-CFF3-3ECC-4CE4-8F26BCFEF22F}"/>
+              </a:ext>
+            </a:extLst>
+          </p:cNvPr>
+          <p:cNvPicPr>
+            <a:picLocks noChangeAspect="1"/>
+          </p:cNvPicPr>
+          <p:nvPr/>
+        </p:nvPicPr>
+        <p:blipFill>
+          <a:blip r:embed="rId2">
+            <a:extLst>
+              <a:ext uri="{28A0092B-C50C-407E-A947-70E740481C1C}">
+                <a14:useLocalDpi xmlns:a14="http://schemas.microsoft.com/office/drawing/2010/main" val="0"/>
+              </a:ext>
+              <a:ext uri="{837473B0-CC2E-450A-ABE3-18F120FF3D39}">
+                <a1611:picAttrSrcUrl xmlns:a1611="http://schemas.microsoft.com/office/drawing/2016/11/main" r:id="rId3"/>
+              </a:ext>
+            </a:extLst>
+          </a:blip>
+          <a:stretch>
+            <a:fillRect/>
+          </a:stretch>
+        </p:blipFill>
+        <p:spPr>
+          <a:xfrm>
+            <a:off x="4194628" y="1857456"/>
+            <a:ext cx="3802743" cy="3509932"/>
+          </a:xfrm>
+          <a:prstGeom prst="rect">
+            <a:avLst/>
+          </a:prstGeom>
+        </p:spPr>
+      </p:pic>
+    </p:spTree>
+    <p:extLst>
+      <p:ext uri="{BB962C8B-B14F-4D97-AF65-F5344CB8AC3E}">
+        <p14:creationId xmlns:p14="http://schemas.microsoft.com/office/powerpoint/2010/main" val="841724483"/>
+      </p:ext>
+    </p:extLst>
+  </p:cSld>
+  <p:clrMapOvr>
+    <a:masterClrMapping/>
+  </p:clrMapOvr>
+</p:sld>
+</file>
+
+<file path=ppt/slides/slide18.xml><?xml version="1.0" encoding="utf-8"?>
 <p:sld xmlns:a="http://schemas.openxmlformats.org/drawingml/2006/main" xmlns:r="http://schemas.openxmlformats.org/officeDocument/2006/relationships" xmlns:p="http://schemas.openxmlformats.org/presentationml/2006/main">
   <p:cSld>
     <p:spTree>
@@ -13082,7 +13777,7 @@
 </p:sld>
 </file>
 
-<file path=ppt/slides/slide18.xml><?xml version="1.0" encoding="utf-8"?>
+<file path=ppt/slides/slide19.xml><?xml version="1.0" encoding="utf-8"?>
 <p:sld xmlns:a="http://schemas.openxmlformats.org/drawingml/2006/main" xmlns:r="http://schemas.openxmlformats.org/officeDocument/2006/relationships" xmlns:p="http://schemas.openxmlformats.org/presentationml/2006/main">
   <p:cSld>
     <p:spTree>
@@ -13148,597 +13843,6 @@
 </p:sld>
 </file>
 
-<file path=ppt/slides/slide19.xml><?xml version="1.0" encoding="utf-8"?>
-<p:sld xmlns:a="http://schemas.openxmlformats.org/drawingml/2006/main" xmlns:r="http://schemas.openxmlformats.org/officeDocument/2006/relationships" xmlns:p="http://schemas.openxmlformats.org/presentationml/2006/main">
-  <p:cSld>
-    <p:spTree>
-      <p:nvGrpSpPr>
-        <p:cNvPr id="1" name=""/>
-        <p:cNvGrpSpPr/>
-        <p:nvPr/>
-      </p:nvGrpSpPr>
-      <p:grpSpPr>
-        <a:xfrm>
-          <a:off x="0" y="0"/>
-          <a:ext cx="0" cy="0"/>
-          <a:chOff x="0" y="0"/>
-          <a:chExt cx="0" cy="0"/>
-        </a:xfrm>
-      </p:grpSpPr>
-      <p:sp>
-        <p:nvSpPr>
-          <p:cNvPr id="4" name="Title 3">
-            <a:extLst>
-              <a:ext uri="{FF2B5EF4-FFF2-40B4-BE49-F238E27FC236}">
-                <a16:creationId xmlns:a16="http://schemas.microsoft.com/office/drawing/2014/main" id="{A9B23FD3-2BFD-D53B-27CA-0F85AA29CFA4}"/>
-              </a:ext>
-            </a:extLst>
-          </p:cNvPr>
-          <p:cNvSpPr>
-            <a:spLocks noGrp="1"/>
-          </p:cNvSpPr>
-          <p:nvPr>
-            <p:ph type="title"/>
-          </p:nvPr>
-        </p:nvSpPr>
-        <p:spPr>
-          <a:xfrm>
-            <a:off x="3822269" y="0"/>
-            <a:ext cx="3732773" cy="888319"/>
-          </a:xfrm>
-        </p:spPr>
-        <p:txBody>
-          <a:bodyPr vert="horz" lIns="91440" tIns="45720" rIns="91440" bIns="45720" rtlCol="0" anchor="ctr">
-            <a:normAutofit/>
-          </a:bodyPr>
-          <a:lstStyle/>
-          <a:p>
-            <a:r>
-              <a:rPr lang="en-US" sz="4000" b="1" dirty="0">
-                <a:ln w="9525">
-                  <a:solidFill>
-                    <a:schemeClr val="bg1"/>
-                  </a:solidFill>
-                  <a:prstDash val="solid"/>
-                </a:ln>
-                <a:effectLst>
-                  <a:outerShdw blurRad="12700" dist="38100" dir="2700000" algn="tl" rotWithShape="0">
-                    <a:schemeClr val="bg1">
-                      <a:lumMod val="50000"/>
-                    </a:schemeClr>
-                  </a:outerShdw>
-                </a:effectLst>
-                <a:highlight>
-                  <a:srgbClr val="008080"/>
-                </a:highlight>
-              </a:rPr>
-              <a:t>Data Description</a:t>
-            </a:r>
-            <a:endParaRPr lang="en-IN" sz="4000" b="1" dirty="0">
-              <a:ln w="9525">
-                <a:solidFill>
-                  <a:schemeClr val="bg1"/>
-                </a:solidFill>
-                <a:prstDash val="solid"/>
-              </a:ln>
-              <a:effectLst>
-                <a:outerShdw blurRad="12700" dist="38100" dir="2700000" algn="tl" rotWithShape="0">
-                  <a:schemeClr val="bg1">
-                    <a:lumMod val="50000"/>
-                  </a:schemeClr>
-                </a:outerShdw>
-              </a:effectLst>
-              <a:highlight>
-                <a:srgbClr val="008080"/>
-              </a:highlight>
-            </a:endParaRPr>
-          </a:p>
-        </p:txBody>
-      </p:sp>
-      <p:sp>
-        <p:nvSpPr>
-          <p:cNvPr id="5" name="Text Placeholder 4">
-            <a:extLst>
-              <a:ext uri="{FF2B5EF4-FFF2-40B4-BE49-F238E27FC236}">
-                <a16:creationId xmlns:a16="http://schemas.microsoft.com/office/drawing/2014/main" id="{BC4793BC-EAFE-8426-9F25-F7B8A8CB4D19}"/>
-              </a:ext>
-            </a:extLst>
-          </p:cNvPr>
-          <p:cNvSpPr>
-            <a:spLocks noGrp="1"/>
-          </p:cNvSpPr>
-          <p:nvPr>
-            <p:ph type="body" idx="1"/>
-          </p:nvPr>
-        </p:nvSpPr>
-        <p:spPr>
-          <a:xfrm>
-            <a:off x="930275" y="1023184"/>
-            <a:ext cx="10331450" cy="5321300"/>
-          </a:xfrm>
-        </p:spPr>
-        <p:txBody>
-          <a:bodyPr/>
-          <a:lstStyle/>
-          <a:p>
-            <a:pPr marL="457200" marR="0" lvl="0" indent="-323850" algn="l" rtl="0">
-              <a:lnSpc>
-                <a:spcPct val="115000"/>
-              </a:lnSpc>
-              <a:spcBef>
-                <a:spcPts val="0"/>
-              </a:spcBef>
-              <a:spcAft>
-                <a:spcPts val="0"/>
-              </a:spcAft>
-              <a:buClr>
-                <a:schemeClr val="dk1"/>
-              </a:buClr>
-              <a:buSzPts val="1500"/>
-              <a:buFont typeface="Lato"/>
-              <a:buChar char="➔"/>
-            </a:pPr>
-            <a:r>
-              <a:rPr lang="en-US" sz="2000" b="1" i="0" u="none" strike="noStrike" cap="none" dirty="0" err="1">
-                <a:solidFill>
-                  <a:schemeClr val="dk1"/>
-                </a:solidFill>
-                <a:latin typeface="Lato"/>
-                <a:ea typeface="Lato"/>
-                <a:cs typeface="Lato"/>
-                <a:sym typeface="Lato"/>
-              </a:rPr>
-              <a:t>RowNumber</a:t>
-            </a:r>
-            <a:r>
-              <a:rPr lang="en-US" sz="2000" b="1" i="0" u="none" strike="noStrike" cap="none" dirty="0">
-                <a:solidFill>
-                  <a:schemeClr val="dk1"/>
-                </a:solidFill>
-                <a:latin typeface="Lato"/>
-                <a:ea typeface="Lato"/>
-                <a:cs typeface="Lato"/>
-                <a:sym typeface="Lato"/>
-              </a:rPr>
-              <a:t>:</a:t>
-            </a:r>
-            <a:r>
-              <a:rPr lang="en-US" sz="2000" b="0" i="0" u="none" strike="noStrike" cap="none" dirty="0">
-                <a:solidFill>
-                  <a:schemeClr val="dk1"/>
-                </a:solidFill>
-                <a:latin typeface="Lato"/>
-                <a:ea typeface="Lato"/>
-                <a:cs typeface="Lato"/>
-                <a:sym typeface="Lato"/>
-              </a:rPr>
-              <a:t> The row number in the dataset, likely used for reference or indexing.</a:t>
-            </a:r>
-          </a:p>
-          <a:p>
-            <a:pPr marL="457200" marR="0" lvl="0" indent="-323850" algn="l" rtl="0">
-              <a:lnSpc>
-                <a:spcPct val="115000"/>
-              </a:lnSpc>
-              <a:spcBef>
-                <a:spcPts val="1000"/>
-              </a:spcBef>
-              <a:spcAft>
-                <a:spcPts val="0"/>
-              </a:spcAft>
-              <a:buClr>
-                <a:schemeClr val="dk1"/>
-              </a:buClr>
-              <a:buSzPts val="1500"/>
-              <a:buFont typeface="Lato"/>
-              <a:buChar char="➔"/>
-            </a:pPr>
-            <a:r>
-              <a:rPr lang="en-US" sz="2000" b="1" i="0" u="none" strike="noStrike" cap="none" dirty="0" err="1">
-                <a:solidFill>
-                  <a:schemeClr val="dk1"/>
-                </a:solidFill>
-                <a:latin typeface="Lato"/>
-                <a:ea typeface="Lato"/>
-                <a:cs typeface="Lato"/>
-                <a:sym typeface="Lato"/>
-              </a:rPr>
-              <a:t>CustomerId</a:t>
-            </a:r>
-            <a:r>
-              <a:rPr lang="en-US" sz="2000" b="1" i="0" u="none" strike="noStrike" cap="none" dirty="0">
-                <a:solidFill>
-                  <a:schemeClr val="dk1"/>
-                </a:solidFill>
-                <a:latin typeface="Lato"/>
-                <a:ea typeface="Lato"/>
-                <a:cs typeface="Lato"/>
-                <a:sym typeface="Lato"/>
-              </a:rPr>
-              <a:t>:</a:t>
-            </a:r>
-            <a:r>
-              <a:rPr lang="en-US" sz="2000" b="0" i="0" u="none" strike="noStrike" cap="none" dirty="0">
-                <a:solidFill>
-                  <a:schemeClr val="dk1"/>
-                </a:solidFill>
-                <a:latin typeface="Lato"/>
-                <a:ea typeface="Lato"/>
-                <a:cs typeface="Lato"/>
-                <a:sym typeface="Lato"/>
-              </a:rPr>
-              <a:t> A unique identifier for each customer.</a:t>
-            </a:r>
-          </a:p>
-          <a:p>
-            <a:pPr marL="457200" marR="0" lvl="0" indent="-323850" algn="l" rtl="0">
-              <a:lnSpc>
-                <a:spcPct val="100000"/>
-              </a:lnSpc>
-              <a:spcBef>
-                <a:spcPts val="1000"/>
-              </a:spcBef>
-              <a:spcAft>
-                <a:spcPts val="0"/>
-              </a:spcAft>
-              <a:buClr>
-                <a:schemeClr val="dk1"/>
-              </a:buClr>
-              <a:buSzPts val="1500"/>
-              <a:buFont typeface="Lato"/>
-              <a:buChar char="➔"/>
-            </a:pPr>
-            <a:r>
-              <a:rPr lang="en-US" sz="2000" b="1" i="0" u="none" strike="noStrike" cap="none" dirty="0" err="1">
-                <a:solidFill>
-                  <a:schemeClr val="dk1"/>
-                </a:solidFill>
-                <a:latin typeface="Lato"/>
-                <a:ea typeface="Lato"/>
-                <a:cs typeface="Lato"/>
-                <a:sym typeface="Lato"/>
-              </a:rPr>
-              <a:t>CreditScore</a:t>
-            </a:r>
-            <a:r>
-              <a:rPr lang="en-US" sz="2000" b="1" i="0" u="none" strike="noStrike" cap="none" dirty="0">
-                <a:solidFill>
-                  <a:schemeClr val="dk1"/>
-                </a:solidFill>
-                <a:latin typeface="Lato"/>
-                <a:ea typeface="Lato"/>
-                <a:cs typeface="Lato"/>
-                <a:sym typeface="Lato"/>
-              </a:rPr>
-              <a:t>: </a:t>
-            </a:r>
-            <a:r>
-              <a:rPr lang="en-US" sz="2000" b="0" i="0" u="none" strike="noStrike" cap="none" dirty="0">
-                <a:solidFill>
-                  <a:schemeClr val="dk1"/>
-                </a:solidFill>
-                <a:latin typeface="Lato"/>
-                <a:ea typeface="Lato"/>
-                <a:cs typeface="Lato"/>
-                <a:sym typeface="Lato"/>
-              </a:rPr>
-              <a:t>A numerical representation of the customer's creditworthiness.</a:t>
-            </a:r>
-          </a:p>
-          <a:p>
-            <a:pPr marL="914400" marR="0" lvl="1" indent="-323850" algn="l" rtl="0">
-              <a:lnSpc>
-                <a:spcPct val="100000"/>
-              </a:lnSpc>
-              <a:spcBef>
-                <a:spcPts val="0"/>
-              </a:spcBef>
-              <a:spcAft>
-                <a:spcPts val="0"/>
-              </a:spcAft>
-              <a:buClr>
-                <a:schemeClr val="dk1"/>
-              </a:buClr>
-              <a:buSzPts val="1500"/>
-              <a:buFont typeface="Lato"/>
-              <a:buChar char="◆"/>
-            </a:pPr>
-            <a:r>
-              <a:rPr lang="en-US" b="1" i="0" u="none" strike="noStrike" cap="none" dirty="0">
-                <a:solidFill>
-                  <a:schemeClr val="dk1"/>
-                </a:solidFill>
-                <a:latin typeface="Lato"/>
-                <a:ea typeface="Lato"/>
-                <a:cs typeface="Lato"/>
-                <a:sym typeface="Lato"/>
-              </a:rPr>
-              <a:t>Credit score: </a:t>
-            </a:r>
-          </a:p>
-          <a:p>
-            <a:pPr marL="1371600" marR="0" lvl="2" indent="-323850" algn="l" rtl="0">
-              <a:lnSpc>
-                <a:spcPct val="100000"/>
-              </a:lnSpc>
-              <a:spcBef>
-                <a:spcPts val="0"/>
-              </a:spcBef>
-              <a:spcAft>
-                <a:spcPts val="0"/>
-              </a:spcAft>
-              <a:buClr>
-                <a:schemeClr val="dk1"/>
-              </a:buClr>
-              <a:buSzPts val="1500"/>
-              <a:buFont typeface="Lato"/>
-              <a:buChar char="●"/>
-            </a:pPr>
-            <a:r>
-              <a:rPr lang="en-US" sz="2000" b="0" i="0" u="none" strike="noStrike" cap="none" dirty="0">
-                <a:solidFill>
-                  <a:schemeClr val="dk1"/>
-                </a:solidFill>
-                <a:latin typeface="Lato"/>
-                <a:ea typeface="Lato"/>
-                <a:cs typeface="Lato"/>
-                <a:sym typeface="Lato"/>
-              </a:rPr>
-              <a:t>Excellent: 800–850</a:t>
-            </a:r>
-          </a:p>
-          <a:p>
-            <a:pPr marL="1371600" marR="0" lvl="2" indent="-323850" algn="l" rtl="0">
-              <a:lnSpc>
-                <a:spcPct val="100000"/>
-              </a:lnSpc>
-              <a:spcBef>
-                <a:spcPts val="0"/>
-              </a:spcBef>
-              <a:spcAft>
-                <a:spcPts val="0"/>
-              </a:spcAft>
-              <a:buClr>
-                <a:schemeClr val="dk1"/>
-              </a:buClr>
-              <a:buSzPts val="1500"/>
-              <a:buFont typeface="Lato"/>
-              <a:buChar char="●"/>
-            </a:pPr>
-            <a:r>
-              <a:rPr lang="en-US" sz="2000" b="0" i="0" u="none" strike="noStrike" cap="none" dirty="0">
-                <a:solidFill>
-                  <a:schemeClr val="dk1"/>
-                </a:solidFill>
-                <a:latin typeface="Lato"/>
-                <a:ea typeface="Lato"/>
-                <a:cs typeface="Lato"/>
-                <a:sym typeface="Lato"/>
-              </a:rPr>
-              <a:t>Very Good: 740–799</a:t>
-            </a:r>
-          </a:p>
-          <a:p>
-            <a:pPr marL="1371600" marR="0" lvl="2" indent="-323850" algn="l" rtl="0">
-              <a:lnSpc>
-                <a:spcPct val="100000"/>
-              </a:lnSpc>
-              <a:spcBef>
-                <a:spcPts val="0"/>
-              </a:spcBef>
-              <a:spcAft>
-                <a:spcPts val="0"/>
-              </a:spcAft>
-              <a:buClr>
-                <a:schemeClr val="dk1"/>
-              </a:buClr>
-              <a:buSzPts val="1500"/>
-              <a:buFont typeface="Lato"/>
-              <a:buChar char="●"/>
-            </a:pPr>
-            <a:r>
-              <a:rPr lang="en-US" sz="2000" b="0" i="0" u="none" strike="noStrike" cap="none" dirty="0">
-                <a:solidFill>
-                  <a:schemeClr val="dk1"/>
-                </a:solidFill>
-                <a:latin typeface="Lato"/>
-                <a:ea typeface="Lato"/>
-                <a:cs typeface="Lato"/>
-                <a:sym typeface="Lato"/>
-              </a:rPr>
-              <a:t>Good: 670–739</a:t>
-            </a:r>
-          </a:p>
-          <a:p>
-            <a:pPr marL="1371600" marR="0" lvl="2" indent="-323850" algn="l" rtl="0">
-              <a:lnSpc>
-                <a:spcPct val="100000"/>
-              </a:lnSpc>
-              <a:spcBef>
-                <a:spcPts val="0"/>
-              </a:spcBef>
-              <a:spcAft>
-                <a:spcPts val="0"/>
-              </a:spcAft>
-              <a:buClr>
-                <a:schemeClr val="dk1"/>
-              </a:buClr>
-              <a:buSzPts val="1500"/>
-              <a:buFont typeface="Lato"/>
-              <a:buChar char="●"/>
-            </a:pPr>
-            <a:r>
-              <a:rPr lang="en-US" sz="2000" b="0" i="0" u="none" strike="noStrike" cap="none" dirty="0">
-                <a:solidFill>
-                  <a:schemeClr val="dk1"/>
-                </a:solidFill>
-                <a:latin typeface="Lato"/>
-                <a:ea typeface="Lato"/>
-                <a:cs typeface="Lato"/>
-                <a:sym typeface="Lato"/>
-              </a:rPr>
-              <a:t>Fair: 580–669</a:t>
-            </a:r>
-          </a:p>
-          <a:p>
-            <a:pPr marL="1371600" marR="0" lvl="2" indent="-323850" algn="l" rtl="0">
-              <a:lnSpc>
-                <a:spcPct val="100000"/>
-              </a:lnSpc>
-              <a:spcBef>
-                <a:spcPts val="0"/>
-              </a:spcBef>
-              <a:spcAft>
-                <a:spcPts val="0"/>
-              </a:spcAft>
-              <a:buClr>
-                <a:schemeClr val="dk1"/>
-              </a:buClr>
-              <a:buSzPts val="1500"/>
-              <a:buFont typeface="Lato"/>
-              <a:buChar char="●"/>
-            </a:pPr>
-            <a:r>
-              <a:rPr lang="en-US" sz="2000" b="0" i="0" u="none" strike="noStrike" cap="none" dirty="0">
-                <a:solidFill>
-                  <a:schemeClr val="dk1"/>
-                </a:solidFill>
-                <a:latin typeface="Lato"/>
-                <a:ea typeface="Lato"/>
-                <a:cs typeface="Lato"/>
-                <a:sym typeface="Lato"/>
-              </a:rPr>
-              <a:t>Poor: 300–579</a:t>
-            </a:r>
-          </a:p>
-          <a:p>
-            <a:pPr marL="457200" marR="0" lvl="0" indent="-323850" algn="l" rtl="0">
-              <a:lnSpc>
-                <a:spcPct val="115000"/>
-              </a:lnSpc>
-              <a:spcBef>
-                <a:spcPts val="1000"/>
-              </a:spcBef>
-              <a:spcAft>
-                <a:spcPts val="0"/>
-              </a:spcAft>
-              <a:buClr>
-                <a:schemeClr val="dk1"/>
-              </a:buClr>
-              <a:buSzPts val="1500"/>
-              <a:buFont typeface="Lato"/>
-              <a:buChar char="➔"/>
-            </a:pPr>
-            <a:r>
-              <a:rPr lang="en-US" sz="2000" b="1" i="0" u="none" strike="noStrike" cap="none" dirty="0" err="1">
-                <a:solidFill>
-                  <a:schemeClr val="dk1"/>
-                </a:solidFill>
-                <a:latin typeface="Lato"/>
-                <a:ea typeface="Lato"/>
-                <a:cs typeface="Lato"/>
-                <a:sym typeface="Lato"/>
-              </a:rPr>
-              <a:t>GeographyID</a:t>
-            </a:r>
-            <a:r>
-              <a:rPr lang="en-US" sz="2000" b="1" i="0" u="none" strike="noStrike" cap="none" dirty="0">
-                <a:solidFill>
-                  <a:schemeClr val="dk1"/>
-                </a:solidFill>
-                <a:latin typeface="Lato"/>
-                <a:ea typeface="Lato"/>
-                <a:cs typeface="Lato"/>
-                <a:sym typeface="Lato"/>
-              </a:rPr>
-              <a:t>:</a:t>
-            </a:r>
-            <a:r>
-              <a:rPr lang="en-US" sz="2000" b="0" i="0" u="none" strike="noStrike" cap="none" dirty="0">
-                <a:solidFill>
-                  <a:schemeClr val="dk1"/>
-                </a:solidFill>
-                <a:latin typeface="Lato"/>
-                <a:ea typeface="Lato"/>
-                <a:cs typeface="Lato"/>
-                <a:sym typeface="Lato"/>
-              </a:rPr>
-              <a:t> A numerical identifier that likely corresponds to a geographical location, such as a country or region.</a:t>
-            </a:r>
-          </a:p>
-          <a:p>
-            <a:pPr marL="457200" marR="0" lvl="0" indent="-323850" algn="l" rtl="0">
-              <a:lnSpc>
-                <a:spcPct val="115000"/>
-              </a:lnSpc>
-              <a:spcBef>
-                <a:spcPts val="1000"/>
-              </a:spcBef>
-              <a:spcAft>
-                <a:spcPts val="1000"/>
-              </a:spcAft>
-              <a:buClr>
-                <a:schemeClr val="dk1"/>
-              </a:buClr>
-              <a:buSzPts val="1500"/>
-              <a:buFont typeface="Lato"/>
-              <a:buChar char="➔"/>
-            </a:pPr>
-            <a:r>
-              <a:rPr lang="en-US" sz="2000" b="1" i="0" u="none" strike="noStrike" cap="none" dirty="0" err="1">
-                <a:solidFill>
-                  <a:schemeClr val="dk1"/>
-                </a:solidFill>
-                <a:latin typeface="Lato"/>
-                <a:ea typeface="Lato"/>
-                <a:cs typeface="Lato"/>
-                <a:sym typeface="Lato"/>
-              </a:rPr>
-              <a:t>GenderID</a:t>
-            </a:r>
-            <a:r>
-              <a:rPr lang="en-US" sz="2000" b="1" i="0" u="none" strike="noStrike" cap="none" dirty="0">
-                <a:solidFill>
-                  <a:schemeClr val="dk1"/>
-                </a:solidFill>
-                <a:latin typeface="Lato"/>
-                <a:ea typeface="Lato"/>
-                <a:cs typeface="Lato"/>
-                <a:sym typeface="Lato"/>
-              </a:rPr>
-              <a:t>:</a:t>
-            </a:r>
-            <a:r>
-              <a:rPr lang="en-US" sz="2000" b="0" i="0" u="none" strike="noStrike" cap="none" dirty="0">
-                <a:solidFill>
-                  <a:schemeClr val="dk1"/>
-                </a:solidFill>
-                <a:latin typeface="Lato"/>
-                <a:ea typeface="Lato"/>
-                <a:cs typeface="Lato"/>
-                <a:sym typeface="Lato"/>
-              </a:rPr>
-              <a:t> A numerical identifier for the customer's gender, where for example, '1' could represent male and '2' could represent female.</a:t>
-            </a:r>
-          </a:p>
-          <a:p>
-            <a:endParaRPr lang="en-IN" dirty="0"/>
-          </a:p>
-        </p:txBody>
-      </p:sp>
-    </p:spTree>
-    <p:extLst>
-      <p:ext uri="{BB962C8B-B14F-4D97-AF65-F5344CB8AC3E}">
-        <p14:creationId xmlns:p14="http://schemas.microsoft.com/office/powerpoint/2010/main" val="1874454042"/>
-      </p:ext>
-    </p:extLst>
-  </p:cSld>
-  <p:clrMapOvr>
-    <a:masterClrMapping/>
-  </p:clrMapOvr>
-</p:sld>
-</file>
-
 <file path=ppt/slides/slide2.xml><?xml version="1.0" encoding="utf-8"?>
 <p:sld xmlns:a="http://schemas.openxmlformats.org/drawingml/2006/main" xmlns:r="http://schemas.openxmlformats.org/officeDocument/2006/relationships" xmlns:p="http://schemas.openxmlformats.org/presentationml/2006/main">
   <p:cSld>
@@ -13758,65 +13862,6 @@
       </p:grpSpPr>
       <p:sp>
         <p:nvSpPr>
-          <p:cNvPr id="2" name="Title 1">
-            <a:extLst>
-              <a:ext uri="{FF2B5EF4-FFF2-40B4-BE49-F238E27FC236}">
-                <a16:creationId xmlns:a16="http://schemas.microsoft.com/office/drawing/2014/main" id="{1062EA57-8B99-16C1-8C57-8848E4CAFFFA}"/>
-              </a:ext>
-            </a:extLst>
-          </p:cNvPr>
-          <p:cNvSpPr>
-            <a:spLocks noGrp="1"/>
-          </p:cNvSpPr>
-          <p:nvPr>
-            <p:ph type="title"/>
-          </p:nvPr>
-        </p:nvSpPr>
-        <p:spPr>
-          <a:xfrm>
-            <a:off x="838200" y="374754"/>
-            <a:ext cx="10515600" cy="809469"/>
-          </a:xfrm>
-        </p:spPr>
-        <p:txBody>
-          <a:bodyPr vert="horz" lIns="91440" tIns="45720" rIns="91440" bIns="45720" rtlCol="0" anchor="b">
-            <a:normAutofit fontScale="90000"/>
-          </a:bodyPr>
-          <a:lstStyle/>
-          <a:p>
-            <a:pPr algn="ctr"/>
-            <a:r>
-              <a:rPr lang="en-US" sz="2400" dirty="0">
-                <a:highlight>
-                  <a:srgbClr val="008080"/>
-                </a:highlight>
-              </a:rPr>
-              <a:t>Introduction to the topic of customer churn and its impact on businesses.</a:t>
-            </a:r>
-            <a:br>
-              <a:rPr lang="en-US" sz="2400" dirty="0">
-                <a:highlight>
-                  <a:srgbClr val="008080"/>
-                </a:highlight>
-              </a:rPr>
-            </a:br>
-            <a:br>
-              <a:rPr lang="en-US" sz="2400" dirty="0">
-                <a:highlight>
-                  <a:srgbClr val="008080"/>
-                </a:highlight>
-              </a:rPr>
-            </a:br>
-            <a:endParaRPr lang="en-IN" sz="2400" dirty="0">
-              <a:highlight>
-                <a:srgbClr val="008080"/>
-              </a:highlight>
-            </a:endParaRPr>
-          </a:p>
-        </p:txBody>
-      </p:sp>
-      <p:sp>
-        <p:nvSpPr>
           <p:cNvPr id="3" name="TextBox 2">
             <a:extLst>
               <a:ext uri="{FF2B5EF4-FFF2-40B4-BE49-F238E27FC236}">
@@ -13829,8 +13874,8 @@
         </p:nvSpPr>
         <p:spPr>
           <a:xfrm>
-            <a:off x="2706973" y="1349115"/>
-            <a:ext cx="6778053" cy="3785652"/>
+            <a:off x="3327191" y="1780003"/>
+            <a:ext cx="5537617" cy="3785652"/>
           </a:xfrm>
           <a:prstGeom prst="rect">
             <a:avLst/>
@@ -13843,14 +13888,117 @@
           </a:bodyPr>
           <a:lstStyle/>
           <a:p>
-            <a:r>
-              <a:rPr lang="en-US" sz="2400" b="0" i="0" dirty="0">
+            <a:pPr marL="342900" indent="-342900">
+              <a:buFont typeface="Arial" panose="020B0604020202020204" pitchFamily="34" charset="0"/>
+              <a:buChar char="•"/>
+            </a:pPr>
+            <a:r>
+              <a:rPr lang="en-US" sz="2000" b="0" i="0" dirty="0">
                 <a:effectLst/>
                 <a:latin typeface="Söhne"/>
               </a:rPr>
-              <a:t>Customer churn, the rate at which customers stop using a company's products or services, is a crucial metric for banks. It directly impacts revenue and profitability. In this presentation, we will analyze our bank's customer churn rates, focusing on gender, recent years, customers with credit cards, number of products used, credit score-wise churn count, and geography-wise churn count. Our goal is to identify factors contributing to churn and propose strategies to improve customer retention and satisfaction.</a:t>
-            </a:r>
-            <a:endParaRPr lang="en-IN" sz="2400" dirty="0"/>
+              <a:t>Customer churn, the rate at which customers stop using a company's products or services, is a crucial metric for banks.</a:t>
+            </a:r>
+          </a:p>
+          <a:p>
+            <a:pPr marL="342900" indent="-342900">
+              <a:buFont typeface="Arial" panose="020B0604020202020204" pitchFamily="34" charset="0"/>
+              <a:buChar char="•"/>
+            </a:pPr>
+            <a:r>
+              <a:rPr lang="en-US" sz="2000" b="0" i="0" dirty="0">
+                <a:effectLst/>
+                <a:latin typeface="Söhne"/>
+              </a:rPr>
+              <a:t> It directly impacts revenue and profitability.</a:t>
+            </a:r>
+          </a:p>
+          <a:p>
+            <a:pPr marL="342900" indent="-342900">
+              <a:buFont typeface="Arial" panose="020B0604020202020204" pitchFamily="34" charset="0"/>
+              <a:buChar char="•"/>
+            </a:pPr>
+            <a:r>
+              <a:rPr lang="en-US" sz="2000" b="0" i="0" dirty="0">
+                <a:effectLst/>
+                <a:latin typeface="Söhne"/>
+              </a:rPr>
+              <a:t> In this presentation, we will analyze our bank's customer churn rates, focusing on gender, recent years, customers with credit cards, number of products used, credit score-wise churn count, and geography-wise churn count.</a:t>
+            </a:r>
+          </a:p>
+          <a:p>
+            <a:pPr marL="342900" indent="-342900">
+              <a:buFont typeface="Arial" panose="020B0604020202020204" pitchFamily="34" charset="0"/>
+              <a:buChar char="•"/>
+            </a:pPr>
+            <a:r>
+              <a:rPr lang="en-US" sz="2000" b="0" i="0" dirty="0">
+                <a:effectLst/>
+                <a:latin typeface="Söhne"/>
+              </a:rPr>
+              <a:t> Our goal is to identify factors contributing to churn and propose strategies to improve customer retention and satisfaction.</a:t>
+            </a:r>
+            <a:endParaRPr lang="en-IN" sz="2000" dirty="0"/>
+          </a:p>
+        </p:txBody>
+      </p:sp>
+      <p:sp>
+        <p:nvSpPr>
+          <p:cNvPr id="4" name="Rectangle 3">
+            <a:extLst>
+              <a:ext uri="{FF2B5EF4-FFF2-40B4-BE49-F238E27FC236}">
+                <a16:creationId xmlns:a16="http://schemas.microsoft.com/office/drawing/2014/main" id="{B291DB5E-DA0A-24FB-900D-AC6ECD3DD18B}"/>
+              </a:ext>
+            </a:extLst>
+          </p:cNvPr>
+          <p:cNvSpPr/>
+          <p:nvPr/>
+        </p:nvSpPr>
+        <p:spPr>
+          <a:xfrm>
+            <a:off x="1" y="0"/>
+            <a:ext cx="12191999" cy="884420"/>
+          </a:xfrm>
+          <a:prstGeom prst="rect">
+            <a:avLst/>
+          </a:prstGeom>
+        </p:spPr>
+        <p:style>
+          <a:lnRef idx="2">
+            <a:schemeClr val="accent1">
+              <a:shade val="15000"/>
+            </a:schemeClr>
+          </a:lnRef>
+          <a:fillRef idx="1">
+            <a:schemeClr val="accent1"/>
+          </a:fillRef>
+          <a:effectRef idx="0">
+            <a:schemeClr val="accent1"/>
+          </a:effectRef>
+          <a:fontRef idx="minor">
+            <a:schemeClr val="lt1"/>
+          </a:fontRef>
+        </p:style>
+        <p:txBody>
+          <a:bodyPr rtlCol="0" anchor="ctr"/>
+          <a:lstStyle/>
+          <a:p>
+            <a:pPr algn="ctr"/>
+            <a:endParaRPr lang="en-US" sz="3000" dirty="0"/>
+          </a:p>
+          <a:p>
+            <a:pPr algn="ctr"/>
+            <a:r>
+              <a:rPr lang="en-US" sz="3000" dirty="0"/>
+              <a:t>Introduction to the topic of customer churn and its impact on businesses.</a:t>
+            </a:r>
+            <a:br>
+              <a:rPr lang="en-US" sz="3000" dirty="0"/>
+            </a:br>
+            <a:br>
+              <a:rPr lang="en-US" sz="3000" dirty="0"/>
+            </a:br>
+            <a:endParaRPr lang="en-IN" sz="3000" dirty="0"/>
           </a:p>
         </p:txBody>
       </p:sp>
@@ -13898,10 +14046,86 @@
       </p:grpSpPr>
       <p:sp>
         <p:nvSpPr>
-          <p:cNvPr id="3" name="Text Placeholder 2">
+          <p:cNvPr id="4" name="Title 3">
             <a:extLst>
               <a:ext uri="{FF2B5EF4-FFF2-40B4-BE49-F238E27FC236}">
-                <a16:creationId xmlns:a16="http://schemas.microsoft.com/office/drawing/2014/main" id="{9557D43B-2AFD-48D5-B4F8-8B08F5BDBD15}"/>
+                <a16:creationId xmlns:a16="http://schemas.microsoft.com/office/drawing/2014/main" id="{A9B23FD3-2BFD-D53B-27CA-0F85AA29CFA4}"/>
+              </a:ext>
+            </a:extLst>
+          </p:cNvPr>
+          <p:cNvSpPr>
+            <a:spLocks noGrp="1"/>
+          </p:cNvSpPr>
+          <p:nvPr>
+            <p:ph type="title"/>
+          </p:nvPr>
+        </p:nvSpPr>
+        <p:spPr>
+          <a:xfrm>
+            <a:off x="4002151" y="0"/>
+            <a:ext cx="3732773" cy="888319"/>
+          </a:xfrm>
+        </p:spPr>
+        <p:txBody>
+          <a:bodyPr vert="horz" lIns="91440" tIns="45720" rIns="91440" bIns="45720" rtlCol="0" anchor="ctr">
+            <a:normAutofit/>
+          </a:bodyPr>
+          <a:lstStyle/>
+          <a:p>
+            <a:r>
+              <a:rPr lang="en-US" sz="3200" b="1" dirty="0">
+                <a:ln w="9525">
+                  <a:solidFill>
+                    <a:schemeClr val="bg1"/>
+                  </a:solidFill>
+                  <a:prstDash val="solid"/>
+                </a:ln>
+                <a:solidFill>
+                  <a:srgbClr val="008080"/>
+                </a:solidFill>
+                <a:effectLst>
+                  <a:outerShdw blurRad="12700" dist="38100" dir="2700000" algn="tl" rotWithShape="0">
+                    <a:schemeClr val="bg1">
+                      <a:lumMod val="50000"/>
+                    </a:schemeClr>
+                  </a:outerShdw>
+                </a:effectLst>
+                <a:highlight>
+                  <a:srgbClr val="008080"/>
+                </a:highlight>
+              </a:rPr>
+              <a:t>Data Description</a:t>
+            </a:r>
+            <a:endParaRPr lang="en-IN" sz="3200" b="1" dirty="0">
+              <a:ln w="9525">
+                <a:solidFill>
+                  <a:schemeClr val="bg1"/>
+                </a:solidFill>
+                <a:prstDash val="solid"/>
+              </a:ln>
+              <a:solidFill>
+                <a:srgbClr val="008080"/>
+              </a:solidFill>
+              <a:effectLst>
+                <a:outerShdw blurRad="12700" dist="38100" dir="2700000" algn="tl" rotWithShape="0">
+                  <a:schemeClr val="bg1">
+                    <a:lumMod val="50000"/>
+                  </a:schemeClr>
+                </a:outerShdw>
+              </a:effectLst>
+              <a:highlight>
+                <a:srgbClr val="008080"/>
+              </a:highlight>
+            </a:endParaRPr>
+          </a:p>
+        </p:txBody>
+      </p:sp>
+      <p:sp>
+        <p:nvSpPr>
+          <p:cNvPr id="5" name="Text Placeholder 4">
+            <a:extLst>
+              <a:ext uri="{FF2B5EF4-FFF2-40B4-BE49-F238E27FC236}">
+                <a16:creationId xmlns:a16="http://schemas.microsoft.com/office/drawing/2014/main" id="{BC4793BC-EAFE-8426-9F25-F7B8A8CB4D19}"/>
               </a:ext>
             </a:extLst>
           </p:cNvPr>
@@ -13914,14 +14138,12 @@
         </p:nvSpPr>
         <p:spPr>
           <a:xfrm>
-            <a:off x="1001486" y="275771"/>
-            <a:ext cx="10377714" cy="6582229"/>
+            <a:off x="930275" y="1023184"/>
+            <a:ext cx="10331450" cy="5321300"/>
           </a:xfrm>
         </p:spPr>
         <p:txBody>
-          <a:bodyPr>
-            <a:normAutofit fontScale="85000" lnSpcReduction="10000"/>
-          </a:bodyPr>
+          <a:bodyPr/>
           <a:lstStyle/>
           <a:p>
             <a:pPr marL="457200" marR="0" lvl="0" indent="-323850" algn="l" rtl="0">
@@ -13935,14 +14157,14 @@
                 <a:spcPts val="0"/>
               </a:spcAft>
               <a:buClr>
-                <a:srgbClr val="000000"/>
+                <a:schemeClr val="dk1"/>
               </a:buClr>
               <a:buSzPts val="1500"/>
-              <a:buFont typeface="Arial"/>
+              <a:buFont typeface="Lato"/>
               <a:buChar char="➔"/>
             </a:pPr>
             <a:r>
-              <a:rPr lang="en-US" sz="1900" b="1" i="0" u="none" strike="noStrike" cap="none" dirty="0">
+              <a:rPr lang="en-US" sz="2000" b="1" i="0" u="none" strike="noStrike" cap="none" dirty="0" err="1">
                 <a:solidFill>
                   <a:schemeClr val="dk1"/>
                 </a:solidFill>
@@ -13951,10 +14173,10 @@
                 <a:cs typeface="Lato"/>
                 <a:sym typeface="Lato"/>
               </a:rPr>
-              <a:t>Age:</a:t>
-            </a:r>
-            <a:r>
-              <a:rPr lang="en-US" sz="1900" b="0" i="0" u="none" strike="noStrike" cap="none" dirty="0">
+              <a:t>RowNumber</a:t>
+            </a:r>
+            <a:r>
+              <a:rPr lang="en-US" sz="2000" b="1" i="0" u="none" strike="noStrike" cap="none" dirty="0">
                 <a:solidFill>
                   <a:schemeClr val="dk1"/>
                 </a:solidFill>
@@ -13963,22 +14185,25 @@
                 <a:cs typeface="Lato"/>
                 <a:sym typeface="Lato"/>
               </a:rPr>
-              <a:t> The age of the customer.</a:t>
-            </a:r>
-            <a:endParaRPr lang="en-US" sz="1900" b="1" i="0" u="none" strike="noStrike" cap="none" dirty="0">
-              <a:solidFill>
-                <a:srgbClr val="000000"/>
-              </a:solidFill>
-              <a:latin typeface="Lato"/>
-              <a:ea typeface="Lato"/>
-              <a:cs typeface="Lato"/>
-              <a:sym typeface="Lato"/>
-            </a:endParaRPr>
+              <a:t>:</a:t>
+            </a:r>
+            <a:r>
+              <a:rPr lang="en-US" sz="2000" b="0" i="0" u="none" strike="noStrike" cap="none" dirty="0">
+                <a:solidFill>
+                  <a:schemeClr val="dk1"/>
+                </a:solidFill>
+                <a:latin typeface="Lato"/>
+                <a:ea typeface="Lato"/>
+                <a:cs typeface="Lato"/>
+                <a:sym typeface="Lato"/>
+              </a:rPr>
+              <a:t> The row number in the dataset, likely used for reference or indexing.</a:t>
+            </a:r>
           </a:p>
           <a:p>
             <a:pPr marL="457200" marR="0" lvl="0" indent="-323850" algn="l" rtl="0">
               <a:lnSpc>
-                <a:spcPct val="125000"/>
+                <a:spcPct val="115000"/>
               </a:lnSpc>
               <a:spcBef>
                 <a:spcPts val="1000"/>
@@ -13987,41 +14212,53 @@
                 <a:spcPts val="0"/>
               </a:spcAft>
               <a:buClr>
-                <a:srgbClr val="000000"/>
+                <a:schemeClr val="dk1"/>
               </a:buClr>
               <a:buSzPts val="1500"/>
-              <a:buFont typeface="Arial"/>
+              <a:buFont typeface="Lato"/>
               <a:buChar char="➔"/>
             </a:pPr>
             <a:r>
-              <a:rPr lang="en-US" sz="1900" b="1" i="0" u="none" strike="noStrike" cap="none" dirty="0">
+              <a:rPr lang="en-US" sz="2000" b="1" i="0" u="none" strike="noStrike" cap="none" dirty="0" err="1">
                 <a:solidFill>
-                  <a:srgbClr val="000000"/>
+                  <a:schemeClr val="dk1"/>
                 </a:solidFill>
                 <a:latin typeface="Lato"/>
                 <a:ea typeface="Lato"/>
                 <a:cs typeface="Lato"/>
                 <a:sym typeface="Lato"/>
               </a:rPr>
-              <a:t>Tenure: </a:t>
-            </a:r>
-            <a:r>
-              <a:rPr lang="en-US" sz="1900" b="0" i="0" u="none" strike="noStrike" cap="none" dirty="0">
+              <a:t>CustomerId</a:t>
+            </a:r>
+            <a:r>
+              <a:rPr lang="en-US" sz="2000" b="1" i="0" u="none" strike="noStrike" cap="none" dirty="0">
                 <a:solidFill>
-                  <a:srgbClr val="000000"/>
+                  <a:schemeClr val="dk1"/>
                 </a:solidFill>
                 <a:latin typeface="Lato"/>
                 <a:ea typeface="Lato"/>
                 <a:cs typeface="Lato"/>
                 <a:sym typeface="Lato"/>
               </a:rPr>
-              <a:t>The number of years the customer has been with the bank.</a:t>
+              <a:t>:</a:t>
+            </a:r>
+            <a:r>
+              <a:rPr lang="en-US" sz="2000" b="0" i="0" u="none" strike="noStrike" cap="none" dirty="0">
+                <a:solidFill>
+                  <a:schemeClr val="dk1"/>
+                </a:solidFill>
+                <a:latin typeface="Lato"/>
+                <a:ea typeface="Lato"/>
+                <a:cs typeface="Lato"/>
+                <a:sym typeface="Lato"/>
+              </a:rPr>
+              <a:t> A unique identifier for each customer.</a:t>
             </a:r>
           </a:p>
           <a:p>
             <a:pPr marL="457200" marR="0" lvl="0" indent="-323850" algn="l" rtl="0">
               <a:lnSpc>
-                <a:spcPct val="125000"/>
+                <a:spcPct val="100000"/>
               </a:lnSpc>
               <a:spcBef>
                 <a:spcPts val="1000"/>
@@ -14030,189 +14267,53 @@
                 <a:spcPts val="0"/>
               </a:spcAft>
               <a:buClr>
-                <a:srgbClr val="000000"/>
+                <a:schemeClr val="dk1"/>
               </a:buClr>
               <a:buSzPts val="1500"/>
-              <a:buFont typeface="Arial"/>
+              <a:buFont typeface="Lato"/>
               <a:buChar char="➔"/>
             </a:pPr>
             <a:r>
-              <a:rPr lang="en-US" sz="1900" b="1" i="0" u="none" strike="noStrike" cap="none" dirty="0">
+              <a:rPr lang="en-US" sz="2000" b="1" i="0" u="none" strike="noStrike" cap="none" dirty="0" err="1">
                 <a:solidFill>
-                  <a:srgbClr val="000000"/>
+                  <a:schemeClr val="dk1"/>
                 </a:solidFill>
                 <a:latin typeface="Lato"/>
                 <a:ea typeface="Lato"/>
                 <a:cs typeface="Lato"/>
                 <a:sym typeface="Lato"/>
               </a:rPr>
-              <a:t>Balance: </a:t>
-            </a:r>
-            <a:r>
-              <a:rPr lang="en-US" sz="1900" b="0" i="0" u="none" strike="noStrike" cap="none" dirty="0">
+              <a:t>CreditScore</a:t>
+            </a:r>
+            <a:r>
+              <a:rPr lang="en-US" sz="2000" b="1" i="0" u="none" strike="noStrike" cap="none" dirty="0">
                 <a:solidFill>
-                  <a:srgbClr val="000000"/>
+                  <a:schemeClr val="dk1"/>
                 </a:solidFill>
                 <a:latin typeface="Lato"/>
                 <a:ea typeface="Lato"/>
                 <a:cs typeface="Lato"/>
                 <a:sym typeface="Lato"/>
               </a:rPr>
-              <a:t>Current balance in the customer's account.</a:t>
-            </a:r>
-          </a:p>
-          <a:p>
-            <a:pPr marL="457200" marR="0" lvl="0" indent="-323850" algn="l" rtl="0">
-              <a:lnSpc>
-                <a:spcPct val="125000"/>
-              </a:lnSpc>
-              <a:spcBef>
-                <a:spcPts val="1000"/>
-              </a:spcBef>
-              <a:spcAft>
-                <a:spcPts val="0"/>
-              </a:spcAft>
-              <a:buClr>
-                <a:srgbClr val="000000"/>
-              </a:buClr>
-              <a:buSzPts val="1500"/>
-              <a:buFont typeface="Arial"/>
-              <a:buChar char="➔"/>
-            </a:pPr>
-            <a:r>
-              <a:rPr lang="en-US" sz="1900" b="1" i="0" u="none" strike="noStrike" cap="none" dirty="0" err="1">
+              <a:t>: </a:t>
+            </a:r>
+            <a:r>
+              <a:rPr lang="en-US" sz="2000" b="0" i="0" u="none" strike="noStrike" cap="none" dirty="0">
                 <a:solidFill>
-                  <a:srgbClr val="000000"/>
+                  <a:schemeClr val="dk1"/>
                 </a:solidFill>
                 <a:latin typeface="Lato"/>
                 <a:ea typeface="Lato"/>
                 <a:cs typeface="Lato"/>
                 <a:sym typeface="Lato"/>
               </a:rPr>
-              <a:t>NumOfProducts</a:t>
-            </a:r>
-            <a:r>
-              <a:rPr lang="en-US" sz="1900" b="0" i="0" u="none" strike="noStrike" cap="none" dirty="0">
-                <a:solidFill>
-                  <a:srgbClr val="000000"/>
-                </a:solidFill>
-                <a:latin typeface="Lato"/>
-                <a:ea typeface="Lato"/>
-                <a:cs typeface="Lato"/>
-                <a:sym typeface="Lato"/>
-              </a:rPr>
-              <a:t>: refers to the number of products that a customer has purchased through the bank. </a:t>
-            </a:r>
-          </a:p>
-          <a:p>
-            <a:pPr marL="457200" marR="0" lvl="0" indent="-323850" algn="l" rtl="0">
+              <a:t>A numerical representation of the customer's creditworthiness.</a:t>
+            </a:r>
+          </a:p>
+          <a:p>
+            <a:pPr marL="914400" marR="0" lvl="1" indent="-323850" algn="l" rtl="0">
               <a:lnSpc>
-                <a:spcPct val="125000"/>
-              </a:lnSpc>
-              <a:spcBef>
-                <a:spcPts val="1000"/>
-              </a:spcBef>
-              <a:spcAft>
-                <a:spcPts val="0"/>
-              </a:spcAft>
-              <a:buClr>
-                <a:srgbClr val="000000"/>
-              </a:buClr>
-              <a:buSzPts val="1500"/>
-              <a:buFont typeface="Arial"/>
-              <a:buChar char="➔"/>
-            </a:pPr>
-            <a:r>
-              <a:rPr lang="en-US" sz="1900" b="1" i="0" u="none" strike="noStrike" cap="none" dirty="0" err="1">
-                <a:solidFill>
-                  <a:srgbClr val="000000"/>
-                </a:solidFill>
-                <a:latin typeface="Lato"/>
-                <a:ea typeface="Lato"/>
-                <a:cs typeface="Lato"/>
-                <a:sym typeface="Lato"/>
-              </a:rPr>
-              <a:t>HasCrCard</a:t>
-            </a:r>
-            <a:r>
-              <a:rPr lang="en-US" sz="1900" b="0" i="0" u="none" strike="noStrike" cap="none" dirty="0">
-                <a:solidFill>
-                  <a:srgbClr val="000000"/>
-                </a:solidFill>
-                <a:latin typeface="Lato"/>
-                <a:ea typeface="Lato"/>
-                <a:cs typeface="Lato"/>
-                <a:sym typeface="Lato"/>
-              </a:rPr>
-              <a:t>: denotes whether or not a customer has a credit card. This column is also relevant, since people with a credit card are less likely to leave the bank.</a:t>
-            </a:r>
-          </a:p>
-          <a:p>
-            <a:pPr marL="1371600" marR="0" lvl="2" indent="-323850" algn="l" rtl="0">
-              <a:lnSpc>
-                <a:spcPct val="125000"/>
-              </a:lnSpc>
-              <a:spcBef>
-                <a:spcPts val="1000"/>
-              </a:spcBef>
-              <a:spcAft>
-                <a:spcPts val="0"/>
-              </a:spcAft>
-              <a:buClr>
-                <a:srgbClr val="000000"/>
-              </a:buClr>
-              <a:buSzPts val="1500"/>
-              <a:buFont typeface="Arial"/>
-              <a:buChar char="●"/>
-            </a:pPr>
-            <a:r>
-              <a:rPr lang="en-US" sz="1900" b="0" i="0" u="none" strike="noStrike" cap="none" dirty="0">
-                <a:solidFill>
-                  <a:srgbClr val="000000"/>
-                </a:solidFill>
-                <a:latin typeface="Lato"/>
-                <a:ea typeface="Lato"/>
-                <a:cs typeface="Lato"/>
-                <a:sym typeface="Lato"/>
-              </a:rPr>
-              <a:t>1 represents credit card holder</a:t>
-            </a:r>
-          </a:p>
-          <a:p>
-            <a:pPr marL="1371600" marR="0" lvl="2" indent="-323850" algn="l" rtl="0">
-              <a:lnSpc>
-                <a:spcPct val="125000"/>
-              </a:lnSpc>
-              <a:spcBef>
-                <a:spcPts val="1000"/>
-              </a:spcBef>
-              <a:spcAft>
-                <a:spcPts val="1000"/>
-              </a:spcAft>
-              <a:buClr>
-                <a:srgbClr val="000000"/>
-              </a:buClr>
-              <a:buSzPts val="1500"/>
-              <a:buFont typeface="Arial"/>
-              <a:buChar char="●"/>
-            </a:pPr>
-            <a:r>
-              <a:rPr lang="en-US" sz="1900" b="0" i="0" u="none" strike="noStrike" cap="none" dirty="0">
-                <a:solidFill>
-                  <a:srgbClr val="000000"/>
-                </a:solidFill>
-                <a:latin typeface="Lato"/>
-                <a:ea typeface="Lato"/>
-                <a:cs typeface="Lato"/>
-                <a:sym typeface="Lato"/>
-              </a:rPr>
-              <a:t>0 represents non credit card holder</a:t>
-            </a:r>
-          </a:p>
-          <a:p>
-            <a:pPr marL="457200" marR="0" lvl="0" indent="-330200" algn="l" rtl="0">
-              <a:lnSpc>
-                <a:spcPct val="125000"/>
+                <a:spcPct val="100000"/>
               </a:lnSpc>
               <a:spcBef>
                 <a:spcPts val="0"/>
@@ -14223,12 +14324,12 @@
               <a:buClr>
                 <a:schemeClr val="dk1"/>
               </a:buClr>
-              <a:buSzPts val="1600"/>
-              <a:buFont typeface="Arial"/>
-              <a:buChar char="➔"/>
+              <a:buSzPts val="1500"/>
+              <a:buFont typeface="Lato"/>
+              <a:buChar char="◆"/>
             </a:pPr>
             <a:r>
-              <a:rPr lang="en-US" sz="1900" b="1" i="0" u="none" strike="noStrike" cap="none" dirty="0" err="1">
+              <a:rPr lang="en-US" b="1" i="0" u="none" strike="noStrike" cap="none" dirty="0">
                 <a:solidFill>
                   <a:schemeClr val="dk1"/>
                 </a:solidFill>
@@ -14237,37 +14338,13 @@
                 <a:cs typeface="Lato"/>
                 <a:sym typeface="Lato"/>
               </a:rPr>
-              <a:t>IsActiveMember</a:t>
-            </a:r>
-            <a:r>
-              <a:rPr lang="en-US" sz="1900" b="1" i="0" u="none" strike="noStrike" cap="none" dirty="0">
-                <a:solidFill>
-                  <a:schemeClr val="dk1"/>
-                </a:solidFill>
-                <a:latin typeface="Lato"/>
-                <a:ea typeface="Lato"/>
-                <a:cs typeface="Lato"/>
-                <a:sym typeface="Lato"/>
-              </a:rPr>
-              <a:t>:</a:t>
-            </a:r>
-            <a:r>
-              <a:rPr lang="en-US" sz="1900" b="0" i="0" u="none" strike="noStrike" cap="none" dirty="0">
-                <a:solidFill>
-                  <a:schemeClr val="dk1"/>
-                </a:solidFill>
-                <a:latin typeface="Lato"/>
-                <a:ea typeface="Lato"/>
-                <a:cs typeface="Lato"/>
-                <a:sym typeface="Lato"/>
-              </a:rPr>
-              <a:t> active customers are less likely to leave the bank (as per the criteria defined by the bank for identifying the activeness).</a:t>
-            </a:r>
-          </a:p>
-          <a:p>
-            <a:pPr marL="1371600" marR="0" lvl="2" indent="-330200" algn="l" rtl="0">
+              <a:t>Credit score: </a:t>
+            </a:r>
+          </a:p>
+          <a:p>
+            <a:pPr marL="1371600" marR="0" lvl="2" indent="-323850" algn="l" rtl="0">
               <a:lnSpc>
-                <a:spcPct val="125000"/>
+                <a:spcPct val="100000"/>
               </a:lnSpc>
               <a:spcBef>
                 <a:spcPts val="0"/>
@@ -14278,12 +14355,12 @@
               <a:buClr>
                 <a:schemeClr val="dk1"/>
               </a:buClr>
-              <a:buSzPts val="1600"/>
-              <a:buFont typeface="Arial"/>
+              <a:buSzPts val="1500"/>
+              <a:buFont typeface="Lato"/>
               <a:buChar char="●"/>
             </a:pPr>
             <a:r>
-              <a:rPr lang="en-US" sz="1900" b="0" i="0" u="none" strike="noStrike" cap="none" dirty="0">
+              <a:rPr lang="en-US" sz="2000" b="0" i="0" u="none" strike="noStrike" cap="none" dirty="0">
                 <a:solidFill>
                   <a:schemeClr val="dk1"/>
                 </a:solidFill>
@@ -14292,13 +14369,13 @@
                 <a:cs typeface="Lato"/>
                 <a:sym typeface="Lato"/>
               </a:rPr>
-              <a:t>1 represents Active Member</a:t>
-            </a:r>
-          </a:p>
-          <a:p>
-            <a:pPr marL="1371600" marR="0" lvl="2" indent="-330200" algn="l" rtl="0">
+              <a:t>Excellent: 800–850</a:t>
+            </a:r>
+          </a:p>
+          <a:p>
+            <a:pPr marL="1371600" marR="0" lvl="2" indent="-323850" algn="l" rtl="0">
               <a:lnSpc>
-                <a:spcPct val="125000"/>
+                <a:spcPct val="100000"/>
               </a:lnSpc>
               <a:spcBef>
                 <a:spcPts val="0"/>
@@ -14309,12 +14386,12 @@
               <a:buClr>
                 <a:schemeClr val="dk1"/>
               </a:buClr>
-              <a:buSzPts val="1600"/>
-              <a:buFont typeface="Arial"/>
+              <a:buSzPts val="1500"/>
+              <a:buFont typeface="Lato"/>
               <a:buChar char="●"/>
             </a:pPr>
             <a:r>
-              <a:rPr lang="en-US" sz="1900" b="0" i="0" u="none" strike="noStrike" cap="none" dirty="0">
+              <a:rPr lang="en-US" sz="2000" b="0" i="0" u="none" strike="noStrike" cap="none" dirty="0">
                 <a:solidFill>
                   <a:schemeClr val="dk1"/>
                 </a:solidFill>
@@ -14323,13 +14400,106 @@
                 <a:cs typeface="Lato"/>
                 <a:sym typeface="Lato"/>
               </a:rPr>
-              <a:t>0 represents Inactive Member</a:t>
-            </a:r>
-          </a:p>
-          <a:p>
-            <a:pPr marL="457200" marR="0" lvl="0" indent="-330200" algn="l" rtl="0">
+              <a:t>Very Good: 740–799</a:t>
+            </a:r>
+          </a:p>
+          <a:p>
+            <a:pPr marL="1371600" marR="0" lvl="2" indent="-323850" algn="l" rtl="0">
               <a:lnSpc>
-                <a:spcPct val="125000"/>
+                <a:spcPct val="100000"/>
+              </a:lnSpc>
+              <a:spcBef>
+                <a:spcPts val="0"/>
+              </a:spcBef>
+              <a:spcAft>
+                <a:spcPts val="0"/>
+              </a:spcAft>
+              <a:buClr>
+                <a:schemeClr val="dk1"/>
+              </a:buClr>
+              <a:buSzPts val="1500"/>
+              <a:buFont typeface="Lato"/>
+              <a:buChar char="●"/>
+            </a:pPr>
+            <a:r>
+              <a:rPr lang="en-US" sz="2000" b="0" i="0" u="none" strike="noStrike" cap="none" dirty="0">
+                <a:solidFill>
+                  <a:schemeClr val="dk1"/>
+                </a:solidFill>
+                <a:latin typeface="Lato"/>
+                <a:ea typeface="Lato"/>
+                <a:cs typeface="Lato"/>
+                <a:sym typeface="Lato"/>
+              </a:rPr>
+              <a:t>Good: 670–739</a:t>
+            </a:r>
+          </a:p>
+          <a:p>
+            <a:pPr marL="1371600" marR="0" lvl="2" indent="-323850" algn="l" rtl="0">
+              <a:lnSpc>
+                <a:spcPct val="100000"/>
+              </a:lnSpc>
+              <a:spcBef>
+                <a:spcPts val="0"/>
+              </a:spcBef>
+              <a:spcAft>
+                <a:spcPts val="0"/>
+              </a:spcAft>
+              <a:buClr>
+                <a:schemeClr val="dk1"/>
+              </a:buClr>
+              <a:buSzPts val="1500"/>
+              <a:buFont typeface="Lato"/>
+              <a:buChar char="●"/>
+            </a:pPr>
+            <a:r>
+              <a:rPr lang="en-US" sz="2000" b="0" i="0" u="none" strike="noStrike" cap="none" dirty="0">
+                <a:solidFill>
+                  <a:schemeClr val="dk1"/>
+                </a:solidFill>
+                <a:latin typeface="Lato"/>
+                <a:ea typeface="Lato"/>
+                <a:cs typeface="Lato"/>
+                <a:sym typeface="Lato"/>
+              </a:rPr>
+              <a:t>Fair: 580–669</a:t>
+            </a:r>
+          </a:p>
+          <a:p>
+            <a:pPr marL="1371600" marR="0" lvl="2" indent="-323850" algn="l" rtl="0">
+              <a:lnSpc>
+                <a:spcPct val="100000"/>
+              </a:lnSpc>
+              <a:spcBef>
+                <a:spcPts val="0"/>
+              </a:spcBef>
+              <a:spcAft>
+                <a:spcPts val="0"/>
+              </a:spcAft>
+              <a:buClr>
+                <a:schemeClr val="dk1"/>
+              </a:buClr>
+              <a:buSzPts val="1500"/>
+              <a:buFont typeface="Lato"/>
+              <a:buChar char="●"/>
+            </a:pPr>
+            <a:r>
+              <a:rPr lang="en-US" sz="2000" b="0" i="0" u="none" strike="noStrike" cap="none" dirty="0">
+                <a:solidFill>
+                  <a:schemeClr val="dk1"/>
+                </a:solidFill>
+                <a:latin typeface="Lato"/>
+                <a:ea typeface="Lato"/>
+                <a:cs typeface="Lato"/>
+                <a:sym typeface="Lato"/>
+              </a:rPr>
+              <a:t>Poor: 300–579</a:t>
+            </a:r>
+          </a:p>
+          <a:p>
+            <a:pPr marL="457200" marR="0" lvl="0" indent="-323850" algn="l" rtl="0">
+              <a:lnSpc>
+                <a:spcPct val="115000"/>
               </a:lnSpc>
               <a:spcBef>
                 <a:spcPts val="1000"/>
@@ -14340,12 +14510,12 @@
               <a:buClr>
                 <a:schemeClr val="dk1"/>
               </a:buClr>
-              <a:buSzPts val="1600"/>
-              <a:buFont typeface="Arial"/>
+              <a:buSzPts val="1500"/>
+              <a:buFont typeface="Lato"/>
               <a:buChar char="➔"/>
             </a:pPr>
             <a:r>
-              <a:rPr lang="en-US" sz="1900" b="1" i="0" u="none" strike="noStrike" cap="none" dirty="0">
+              <a:rPr lang="en-US" sz="2000" b="1" i="0" u="none" strike="noStrike" cap="none" dirty="0" err="1">
                 <a:solidFill>
                   <a:schemeClr val="dk1"/>
                 </a:solidFill>
@@ -14354,10 +14524,10 @@
                 <a:cs typeface="Lato"/>
                 <a:sym typeface="Lato"/>
               </a:rPr>
-              <a:t>Estimated Salary: </a:t>
-            </a:r>
-            <a:r>
-              <a:rPr lang="en-US" sz="1900" b="0" i="0" u="none" strike="noStrike" cap="none" dirty="0">
+              <a:t>GeographyID</a:t>
+            </a:r>
+            <a:r>
+              <a:rPr lang="en-US" sz="2000" b="1" i="0" u="none" strike="noStrike" cap="none" dirty="0">
                 <a:solidFill>
                   <a:schemeClr val="dk1"/>
                 </a:solidFill>
@@ -14366,29 +14536,10 @@
                 <a:cs typeface="Lato"/>
                 <a:sym typeface="Lato"/>
               </a:rPr>
-              <a:t>as with balance, people with lower salaries are more likely to leave the bank compared to those with higher salaries.</a:t>
-            </a:r>
-          </a:p>
-          <a:p>
-            <a:pPr marL="457200" marR="0" lvl="0" indent="-330200" algn="l" rtl="0">
-              <a:lnSpc>
-                <a:spcPct val="125000"/>
-              </a:lnSpc>
-              <a:spcBef>
-                <a:spcPts val="1000"/>
-              </a:spcBef>
-              <a:spcAft>
-                <a:spcPts val="0"/>
-              </a:spcAft>
-              <a:buClr>
-                <a:schemeClr val="dk1"/>
-              </a:buClr>
-              <a:buSzPts val="1600"/>
-              <a:buFont typeface="Arial"/>
-              <a:buChar char="➔"/>
-            </a:pPr>
-            <a:r>
-              <a:rPr lang="en-US" sz="1900" b="1" i="0" u="none" strike="noStrike" cap="none" dirty="0">
+              <a:t>:</a:t>
+            </a:r>
+            <a:r>
+              <a:rPr lang="en-US" sz="2000" b="0" i="0" u="none" strike="noStrike" cap="none" dirty="0">
                 <a:solidFill>
                   <a:schemeClr val="dk1"/>
                 </a:solidFill>
@@ -14397,87 +14548,13 @@
                 <a:cs typeface="Lato"/>
                 <a:sym typeface="Lato"/>
               </a:rPr>
-              <a:t>Exited:</a:t>
-            </a:r>
-            <a:r>
-              <a:rPr lang="en-US" sz="1900" b="0" i="0" u="none" strike="noStrike" cap="none" dirty="0">
-                <a:solidFill>
-                  <a:schemeClr val="dk1"/>
-                </a:solidFill>
-                <a:latin typeface="Lato"/>
-                <a:ea typeface="Lato"/>
-                <a:cs typeface="Lato"/>
-                <a:sym typeface="Lato"/>
-              </a:rPr>
-              <a:t> whether or not the customer left the bank.</a:t>
-            </a:r>
-          </a:p>
-          <a:p>
-            <a:pPr marL="1371600" marR="0" lvl="2" indent="-330200" algn="l" rtl="0">
+              <a:t> A numerical identifier that likely corresponds to a geographical location, such as a country or region.</a:t>
+            </a:r>
+          </a:p>
+          <a:p>
+            <a:pPr marL="457200" marR="0" lvl="0" indent="-323850" algn="l" rtl="0">
               <a:lnSpc>
-                <a:spcPct val="125000"/>
-              </a:lnSpc>
-              <a:spcBef>
-                <a:spcPts val="0"/>
-              </a:spcBef>
-              <a:spcAft>
-                <a:spcPts val="0"/>
-              </a:spcAft>
-              <a:buClr>
-                <a:schemeClr val="dk1"/>
-              </a:buClr>
-              <a:buSzPts val="1600"/>
-              <a:buFont typeface="Arial"/>
-              <a:buChar char="●"/>
-            </a:pPr>
-            <a:r>
-              <a:rPr lang="en-US" sz="1900" b="0" i="0" u="none" strike="noStrike" cap="none" dirty="0">
-                <a:solidFill>
-                  <a:schemeClr val="dk1"/>
-                </a:solidFill>
-                <a:latin typeface="Lato"/>
-                <a:ea typeface="Lato"/>
-                <a:cs typeface="Lato"/>
-                <a:sym typeface="Lato"/>
-              </a:rPr>
-              <a:t>0 represents Retain </a:t>
-            </a:r>
-          </a:p>
-          <a:p>
-            <a:pPr marL="1371600" marR="0" lvl="2" indent="-330200" algn="l" rtl="0">
-              <a:lnSpc>
-                <a:spcPct val="125000"/>
-              </a:lnSpc>
-              <a:spcBef>
-                <a:spcPts val="0"/>
-              </a:spcBef>
-              <a:spcAft>
-                <a:spcPts val="0"/>
-              </a:spcAft>
-              <a:buClr>
-                <a:schemeClr val="dk1"/>
-              </a:buClr>
-              <a:buSzPts val="1600"/>
-              <a:buFont typeface="Arial"/>
-              <a:buChar char="●"/>
-            </a:pPr>
-            <a:r>
-              <a:rPr lang="en-US" sz="1900" b="0" i="0" u="none" strike="noStrike" cap="none" dirty="0">
-                <a:solidFill>
-                  <a:schemeClr val="dk1"/>
-                </a:solidFill>
-                <a:latin typeface="Lato"/>
-                <a:ea typeface="Lato"/>
-                <a:cs typeface="Lato"/>
-                <a:sym typeface="Lato"/>
-              </a:rPr>
-              <a:t>1 represents Exit</a:t>
-            </a:r>
-          </a:p>
-          <a:p>
-            <a:pPr marL="457200" marR="0" lvl="0" indent="-330200" algn="l" rtl="0">
-              <a:lnSpc>
-                <a:spcPct val="125000"/>
+                <a:spcPct val="115000"/>
               </a:lnSpc>
               <a:spcBef>
                 <a:spcPts val="1000"/>
@@ -14488,12 +14565,12 @@
               <a:buClr>
                 <a:schemeClr val="dk1"/>
               </a:buClr>
-              <a:buSzPts val="1600"/>
-              <a:buFont typeface="Arial"/>
+              <a:buSzPts val="1500"/>
+              <a:buFont typeface="Lato"/>
               <a:buChar char="➔"/>
             </a:pPr>
             <a:r>
-              <a:rPr lang="en-US" sz="1900" b="1" i="0" u="none" strike="noStrike" cap="none" dirty="0">
+              <a:rPr lang="en-US" sz="2000" b="1" i="0" u="none" strike="noStrike" cap="none" dirty="0" err="1">
                 <a:solidFill>
                   <a:schemeClr val="dk1"/>
                 </a:solidFill>
@@ -14502,10 +14579,10 @@
                 <a:cs typeface="Lato"/>
                 <a:sym typeface="Lato"/>
               </a:rPr>
-              <a:t>Bank DOJ:</a:t>
-            </a:r>
-            <a:r>
-              <a:rPr lang="en-US" sz="1900" b="0" i="0" u="none" strike="noStrike" cap="none" dirty="0">
+              <a:t>GenderID</a:t>
+            </a:r>
+            <a:r>
+              <a:rPr lang="en-US" sz="2000" b="1" i="0" u="none" strike="noStrike" cap="none" dirty="0">
                 <a:solidFill>
                   <a:schemeClr val="dk1"/>
                 </a:solidFill>
@@ -14514,10 +14591,10 @@
                 <a:cs typeface="Lato"/>
                 <a:sym typeface="Lato"/>
               </a:rPr>
-              <a:t> date when the Customer associated/joined  with the bank</a:t>
-            </a:r>
-            <a:r>
-              <a:rPr lang="en-US" sz="1600" b="0" i="0" u="none" strike="noStrike" cap="none" dirty="0">
+              <a:t>:</a:t>
+            </a:r>
+            <a:r>
+              <a:rPr lang="en-US" sz="2000" b="0" i="0" u="none" strike="noStrike" cap="none" dirty="0">
                 <a:solidFill>
                   <a:schemeClr val="dk1"/>
                 </a:solidFill>
@@ -14526,41 +14603,18 @@
                 <a:cs typeface="Lato"/>
                 <a:sym typeface="Lato"/>
               </a:rPr>
-              <a:t>.</a:t>
-            </a:r>
-          </a:p>
-          <a:p>
-            <a:pPr marL="1047750" marR="0" lvl="2" algn="l" rtl="0">
-              <a:lnSpc>
-                <a:spcPct val="125000"/>
-              </a:lnSpc>
-              <a:spcBef>
-                <a:spcPts val="1000"/>
-              </a:spcBef>
-              <a:spcAft>
-                <a:spcPts val="1000"/>
-              </a:spcAft>
-              <a:buClr>
-                <a:srgbClr val="000000"/>
-              </a:buClr>
-              <a:buSzPts val="1500"/>
-            </a:pPr>
-            <a:endParaRPr lang="en-US" sz="1500" b="0" i="0" u="none" strike="noStrike" cap="none" dirty="0">
-              <a:solidFill>
-                <a:srgbClr val="000000"/>
-              </a:solidFill>
-              <a:latin typeface="Lato"/>
-              <a:ea typeface="Lato"/>
-              <a:cs typeface="Lato"/>
-              <a:sym typeface="Lato"/>
-            </a:endParaRPr>
+              <a:t> A numerical identifier for the customer's gender, where for example, '1' could represent male and '2' could represent female.</a:t>
+            </a:r>
+          </a:p>
+          <a:p>
+            <a:endParaRPr lang="en-IN" dirty="0"/>
           </a:p>
         </p:txBody>
       </p:sp>
     </p:spTree>
     <p:extLst>
       <p:ext uri="{BB962C8B-B14F-4D97-AF65-F5344CB8AC3E}">
-        <p14:creationId xmlns:p14="http://schemas.microsoft.com/office/powerpoint/2010/main" val="2886300517"/>
+        <p14:creationId xmlns:p14="http://schemas.microsoft.com/office/powerpoint/2010/main" val="1874454042"/>
       </p:ext>
     </p:extLst>
   </p:cSld>
@@ -14587,49 +14641,671 @@
           <a:chExt cx="0" cy="0"/>
         </a:xfrm>
       </p:grpSpPr>
-      <p:pic>
-        <p:nvPicPr>
-          <p:cNvPr id="5" name="Picture 4">
+      <p:sp>
+        <p:nvSpPr>
+          <p:cNvPr id="3" name="Text Placeholder 2">
             <a:extLst>
               <a:ext uri="{FF2B5EF4-FFF2-40B4-BE49-F238E27FC236}">
-                <a16:creationId xmlns:a16="http://schemas.microsoft.com/office/drawing/2014/main" id="{6887818A-CFF3-3ECC-4CE4-8F26BCFEF22F}"/>
+                <a16:creationId xmlns:a16="http://schemas.microsoft.com/office/drawing/2014/main" id="{9557D43B-2AFD-48D5-B4F8-8B08F5BDBD15}"/>
               </a:ext>
             </a:extLst>
           </p:cNvPr>
-          <p:cNvPicPr>
-            <a:picLocks noChangeAspect="1"/>
-          </p:cNvPicPr>
-          <p:nvPr/>
-        </p:nvPicPr>
-        <p:blipFill>
-          <a:blip r:embed="rId2">
-            <a:extLst>
-              <a:ext uri="{28A0092B-C50C-407E-A947-70E740481C1C}">
-                <a14:useLocalDpi xmlns:a14="http://schemas.microsoft.com/office/drawing/2010/main" val="0"/>
-              </a:ext>
-              <a:ext uri="{837473B0-CC2E-450A-ABE3-18F120FF3D39}">
-                <a1611:picAttrSrcUrl xmlns:a1611="http://schemas.microsoft.com/office/drawing/2016/11/main" r:id="rId3"/>
-              </a:ext>
-            </a:extLst>
-          </a:blip>
-          <a:stretch>
-            <a:fillRect/>
-          </a:stretch>
-        </p:blipFill>
+          <p:cNvSpPr>
+            <a:spLocks noGrp="1"/>
+          </p:cNvSpPr>
+          <p:nvPr>
+            <p:ph type="body" idx="1"/>
+          </p:nvPr>
+        </p:nvSpPr>
         <p:spPr>
           <a:xfrm>
-            <a:off x="4571999" y="2022348"/>
-            <a:ext cx="3802743" cy="3509932"/>
+            <a:off x="1001486" y="275771"/>
+            <a:ext cx="10377714" cy="6582229"/>
           </a:xfrm>
-          <a:prstGeom prst="rect">
-            <a:avLst/>
-          </a:prstGeom>
         </p:spPr>
-      </p:pic>
+        <p:txBody>
+          <a:bodyPr>
+            <a:normAutofit fontScale="85000" lnSpcReduction="10000"/>
+          </a:bodyPr>
+          <a:lstStyle/>
+          <a:p>
+            <a:pPr marL="457200" marR="0" lvl="0" indent="-323850" algn="l" rtl="0">
+              <a:lnSpc>
+                <a:spcPct val="115000"/>
+              </a:lnSpc>
+              <a:spcBef>
+                <a:spcPts val="0"/>
+              </a:spcBef>
+              <a:spcAft>
+                <a:spcPts val="0"/>
+              </a:spcAft>
+              <a:buClr>
+                <a:srgbClr val="000000"/>
+              </a:buClr>
+              <a:buSzPts val="1500"/>
+              <a:buFont typeface="Arial"/>
+              <a:buChar char="➔"/>
+            </a:pPr>
+            <a:r>
+              <a:rPr lang="en-US" sz="1900" b="1" i="0" u="none" strike="noStrike" cap="none" dirty="0">
+                <a:solidFill>
+                  <a:schemeClr val="dk1"/>
+                </a:solidFill>
+                <a:latin typeface="Lato"/>
+                <a:ea typeface="Lato"/>
+                <a:cs typeface="Lato"/>
+                <a:sym typeface="Lato"/>
+              </a:rPr>
+              <a:t>Age:</a:t>
+            </a:r>
+            <a:r>
+              <a:rPr lang="en-US" sz="1900" b="0" i="0" u="none" strike="noStrike" cap="none" dirty="0">
+                <a:solidFill>
+                  <a:schemeClr val="dk1"/>
+                </a:solidFill>
+                <a:latin typeface="Lato"/>
+                <a:ea typeface="Lato"/>
+                <a:cs typeface="Lato"/>
+                <a:sym typeface="Lato"/>
+              </a:rPr>
+              <a:t> The age of the customer.</a:t>
+            </a:r>
+            <a:endParaRPr lang="en-US" sz="1900" b="1" i="0" u="none" strike="noStrike" cap="none" dirty="0">
+              <a:solidFill>
+                <a:srgbClr val="000000"/>
+              </a:solidFill>
+              <a:latin typeface="Lato"/>
+              <a:ea typeface="Lato"/>
+              <a:cs typeface="Lato"/>
+              <a:sym typeface="Lato"/>
+            </a:endParaRPr>
+          </a:p>
+          <a:p>
+            <a:pPr marL="457200" marR="0" lvl="0" indent="-323850" algn="l" rtl="0">
+              <a:lnSpc>
+                <a:spcPct val="125000"/>
+              </a:lnSpc>
+              <a:spcBef>
+                <a:spcPts val="1000"/>
+              </a:spcBef>
+              <a:spcAft>
+                <a:spcPts val="0"/>
+              </a:spcAft>
+              <a:buClr>
+                <a:srgbClr val="000000"/>
+              </a:buClr>
+              <a:buSzPts val="1500"/>
+              <a:buFont typeface="Arial"/>
+              <a:buChar char="➔"/>
+            </a:pPr>
+            <a:r>
+              <a:rPr lang="en-US" sz="1900" b="1" i="0" u="none" strike="noStrike" cap="none" dirty="0">
+                <a:solidFill>
+                  <a:srgbClr val="000000"/>
+                </a:solidFill>
+                <a:latin typeface="Lato"/>
+                <a:ea typeface="Lato"/>
+                <a:cs typeface="Lato"/>
+                <a:sym typeface="Lato"/>
+              </a:rPr>
+              <a:t>Tenure: </a:t>
+            </a:r>
+            <a:r>
+              <a:rPr lang="en-US" sz="1900" b="0" i="0" u="none" strike="noStrike" cap="none" dirty="0">
+                <a:solidFill>
+                  <a:srgbClr val="000000"/>
+                </a:solidFill>
+                <a:latin typeface="Lato"/>
+                <a:ea typeface="Lato"/>
+                <a:cs typeface="Lato"/>
+                <a:sym typeface="Lato"/>
+              </a:rPr>
+              <a:t>The number of years the customer has been with the bank.</a:t>
+            </a:r>
+          </a:p>
+          <a:p>
+            <a:pPr marL="457200" marR="0" lvl="0" indent="-323850" algn="l" rtl="0">
+              <a:lnSpc>
+                <a:spcPct val="125000"/>
+              </a:lnSpc>
+              <a:spcBef>
+                <a:spcPts val="1000"/>
+              </a:spcBef>
+              <a:spcAft>
+                <a:spcPts val="0"/>
+              </a:spcAft>
+              <a:buClr>
+                <a:srgbClr val="000000"/>
+              </a:buClr>
+              <a:buSzPts val="1500"/>
+              <a:buFont typeface="Arial"/>
+              <a:buChar char="➔"/>
+            </a:pPr>
+            <a:r>
+              <a:rPr lang="en-US" sz="1900" b="1" i="0" u="none" strike="noStrike" cap="none" dirty="0">
+                <a:solidFill>
+                  <a:srgbClr val="000000"/>
+                </a:solidFill>
+                <a:latin typeface="Lato"/>
+                <a:ea typeface="Lato"/>
+                <a:cs typeface="Lato"/>
+                <a:sym typeface="Lato"/>
+              </a:rPr>
+              <a:t>Balance: </a:t>
+            </a:r>
+            <a:r>
+              <a:rPr lang="en-US" sz="1900" b="0" i="0" u="none" strike="noStrike" cap="none" dirty="0">
+                <a:solidFill>
+                  <a:srgbClr val="000000"/>
+                </a:solidFill>
+                <a:latin typeface="Lato"/>
+                <a:ea typeface="Lato"/>
+                <a:cs typeface="Lato"/>
+                <a:sym typeface="Lato"/>
+              </a:rPr>
+              <a:t>Current balance in the customer's account.</a:t>
+            </a:r>
+          </a:p>
+          <a:p>
+            <a:pPr marL="457200" marR="0" lvl="0" indent="-323850" algn="l" rtl="0">
+              <a:lnSpc>
+                <a:spcPct val="125000"/>
+              </a:lnSpc>
+              <a:spcBef>
+                <a:spcPts val="1000"/>
+              </a:spcBef>
+              <a:spcAft>
+                <a:spcPts val="0"/>
+              </a:spcAft>
+              <a:buClr>
+                <a:srgbClr val="000000"/>
+              </a:buClr>
+              <a:buSzPts val="1500"/>
+              <a:buFont typeface="Arial"/>
+              <a:buChar char="➔"/>
+            </a:pPr>
+            <a:r>
+              <a:rPr lang="en-US" sz="1900" b="1" i="0" u="none" strike="noStrike" cap="none" dirty="0" err="1">
+                <a:solidFill>
+                  <a:srgbClr val="000000"/>
+                </a:solidFill>
+                <a:latin typeface="Lato"/>
+                <a:ea typeface="Lato"/>
+                <a:cs typeface="Lato"/>
+                <a:sym typeface="Lato"/>
+              </a:rPr>
+              <a:t>NumOfProducts</a:t>
+            </a:r>
+            <a:r>
+              <a:rPr lang="en-US" sz="1900" b="0" i="0" u="none" strike="noStrike" cap="none" dirty="0">
+                <a:solidFill>
+                  <a:srgbClr val="000000"/>
+                </a:solidFill>
+                <a:latin typeface="Lato"/>
+                <a:ea typeface="Lato"/>
+                <a:cs typeface="Lato"/>
+                <a:sym typeface="Lato"/>
+              </a:rPr>
+              <a:t>: refers to the number of products that a customer has purchased through the bank. </a:t>
+            </a:r>
+          </a:p>
+          <a:p>
+            <a:pPr marL="457200" marR="0" lvl="0" indent="-323850" algn="l" rtl="0">
+              <a:lnSpc>
+                <a:spcPct val="125000"/>
+              </a:lnSpc>
+              <a:spcBef>
+                <a:spcPts val="1000"/>
+              </a:spcBef>
+              <a:spcAft>
+                <a:spcPts val="0"/>
+              </a:spcAft>
+              <a:buClr>
+                <a:srgbClr val="000000"/>
+              </a:buClr>
+              <a:buSzPts val="1500"/>
+              <a:buFont typeface="Arial"/>
+              <a:buChar char="➔"/>
+            </a:pPr>
+            <a:r>
+              <a:rPr lang="en-US" sz="1900" b="1" i="0" u="none" strike="noStrike" cap="none" dirty="0" err="1">
+                <a:solidFill>
+                  <a:srgbClr val="000000"/>
+                </a:solidFill>
+                <a:latin typeface="Lato"/>
+                <a:ea typeface="Lato"/>
+                <a:cs typeface="Lato"/>
+                <a:sym typeface="Lato"/>
+              </a:rPr>
+              <a:t>HasCrCard</a:t>
+            </a:r>
+            <a:r>
+              <a:rPr lang="en-US" sz="1900" b="0" i="0" u="none" strike="noStrike" cap="none" dirty="0">
+                <a:solidFill>
+                  <a:srgbClr val="000000"/>
+                </a:solidFill>
+                <a:latin typeface="Lato"/>
+                <a:ea typeface="Lato"/>
+                <a:cs typeface="Lato"/>
+                <a:sym typeface="Lato"/>
+              </a:rPr>
+              <a:t>: denotes whether or not a customer has a credit card. This column is also relevant, since people with a credit card are less likely to leave the bank.</a:t>
+            </a:r>
+          </a:p>
+          <a:p>
+            <a:pPr marL="1371600" marR="0" lvl="2" indent="-323850" algn="l" rtl="0">
+              <a:lnSpc>
+                <a:spcPct val="125000"/>
+              </a:lnSpc>
+              <a:spcBef>
+                <a:spcPts val="1000"/>
+              </a:spcBef>
+              <a:spcAft>
+                <a:spcPts val="0"/>
+              </a:spcAft>
+              <a:buClr>
+                <a:srgbClr val="000000"/>
+              </a:buClr>
+              <a:buSzPts val="1500"/>
+              <a:buFont typeface="Arial"/>
+              <a:buChar char="●"/>
+            </a:pPr>
+            <a:r>
+              <a:rPr lang="en-US" sz="1900" b="0" i="0" u="none" strike="noStrike" cap="none" dirty="0">
+                <a:solidFill>
+                  <a:srgbClr val="000000"/>
+                </a:solidFill>
+                <a:latin typeface="Lato"/>
+                <a:ea typeface="Lato"/>
+                <a:cs typeface="Lato"/>
+                <a:sym typeface="Lato"/>
+              </a:rPr>
+              <a:t>1 represents credit card holder</a:t>
+            </a:r>
+          </a:p>
+          <a:p>
+            <a:pPr marL="1371600" marR="0" lvl="2" indent="-323850" algn="l" rtl="0">
+              <a:lnSpc>
+                <a:spcPct val="125000"/>
+              </a:lnSpc>
+              <a:spcBef>
+                <a:spcPts val="1000"/>
+              </a:spcBef>
+              <a:spcAft>
+                <a:spcPts val="1000"/>
+              </a:spcAft>
+              <a:buClr>
+                <a:srgbClr val="000000"/>
+              </a:buClr>
+              <a:buSzPts val="1500"/>
+              <a:buFont typeface="Arial"/>
+              <a:buChar char="●"/>
+            </a:pPr>
+            <a:r>
+              <a:rPr lang="en-US" sz="1900" b="0" i="0" u="none" strike="noStrike" cap="none" dirty="0">
+                <a:solidFill>
+                  <a:srgbClr val="000000"/>
+                </a:solidFill>
+                <a:latin typeface="Lato"/>
+                <a:ea typeface="Lato"/>
+                <a:cs typeface="Lato"/>
+                <a:sym typeface="Lato"/>
+              </a:rPr>
+              <a:t>0 represents non credit card holder</a:t>
+            </a:r>
+          </a:p>
+          <a:p>
+            <a:pPr marL="457200" marR="0" lvl="0" indent="-330200" algn="l" rtl="0">
+              <a:lnSpc>
+                <a:spcPct val="125000"/>
+              </a:lnSpc>
+              <a:spcBef>
+                <a:spcPts val="0"/>
+              </a:spcBef>
+              <a:spcAft>
+                <a:spcPts val="0"/>
+              </a:spcAft>
+              <a:buClr>
+                <a:schemeClr val="dk1"/>
+              </a:buClr>
+              <a:buSzPts val="1600"/>
+              <a:buFont typeface="Arial"/>
+              <a:buChar char="➔"/>
+            </a:pPr>
+            <a:r>
+              <a:rPr lang="en-US" sz="1900" b="1" i="0" u="none" strike="noStrike" cap="none" dirty="0" err="1">
+                <a:solidFill>
+                  <a:schemeClr val="dk1"/>
+                </a:solidFill>
+                <a:latin typeface="Lato"/>
+                <a:ea typeface="Lato"/>
+                <a:cs typeface="Lato"/>
+                <a:sym typeface="Lato"/>
+              </a:rPr>
+              <a:t>IsActiveMember</a:t>
+            </a:r>
+            <a:r>
+              <a:rPr lang="en-US" sz="1900" b="1" i="0" u="none" strike="noStrike" cap="none" dirty="0">
+                <a:solidFill>
+                  <a:schemeClr val="dk1"/>
+                </a:solidFill>
+                <a:latin typeface="Lato"/>
+                <a:ea typeface="Lato"/>
+                <a:cs typeface="Lato"/>
+                <a:sym typeface="Lato"/>
+              </a:rPr>
+              <a:t>:</a:t>
+            </a:r>
+            <a:r>
+              <a:rPr lang="en-US" sz="1900" b="0" i="0" u="none" strike="noStrike" cap="none" dirty="0">
+                <a:solidFill>
+                  <a:schemeClr val="dk1"/>
+                </a:solidFill>
+                <a:latin typeface="Lato"/>
+                <a:ea typeface="Lato"/>
+                <a:cs typeface="Lato"/>
+                <a:sym typeface="Lato"/>
+              </a:rPr>
+              <a:t> active customers are less likely to leave the bank (as per the criteria defined by the bank for identifying the activeness).</a:t>
+            </a:r>
+          </a:p>
+          <a:p>
+            <a:pPr marL="1371600" marR="0" lvl="2" indent="-330200" algn="l" rtl="0">
+              <a:lnSpc>
+                <a:spcPct val="125000"/>
+              </a:lnSpc>
+              <a:spcBef>
+                <a:spcPts val="0"/>
+              </a:spcBef>
+              <a:spcAft>
+                <a:spcPts val="0"/>
+              </a:spcAft>
+              <a:buClr>
+                <a:schemeClr val="dk1"/>
+              </a:buClr>
+              <a:buSzPts val="1600"/>
+              <a:buFont typeface="Arial"/>
+              <a:buChar char="●"/>
+            </a:pPr>
+            <a:r>
+              <a:rPr lang="en-US" sz="1900" b="0" i="0" u="none" strike="noStrike" cap="none" dirty="0">
+                <a:solidFill>
+                  <a:schemeClr val="dk1"/>
+                </a:solidFill>
+                <a:latin typeface="Lato"/>
+                <a:ea typeface="Lato"/>
+                <a:cs typeface="Lato"/>
+                <a:sym typeface="Lato"/>
+              </a:rPr>
+              <a:t>1 represents Active Member</a:t>
+            </a:r>
+          </a:p>
+          <a:p>
+            <a:pPr marL="1371600" marR="0" lvl="2" indent="-330200" algn="l" rtl="0">
+              <a:lnSpc>
+                <a:spcPct val="125000"/>
+              </a:lnSpc>
+              <a:spcBef>
+                <a:spcPts val="0"/>
+              </a:spcBef>
+              <a:spcAft>
+                <a:spcPts val="0"/>
+              </a:spcAft>
+              <a:buClr>
+                <a:schemeClr val="dk1"/>
+              </a:buClr>
+              <a:buSzPts val="1600"/>
+              <a:buFont typeface="Arial"/>
+              <a:buChar char="●"/>
+            </a:pPr>
+            <a:r>
+              <a:rPr lang="en-US" sz="1900" b="0" i="0" u="none" strike="noStrike" cap="none" dirty="0">
+                <a:solidFill>
+                  <a:schemeClr val="dk1"/>
+                </a:solidFill>
+                <a:latin typeface="Lato"/>
+                <a:ea typeface="Lato"/>
+                <a:cs typeface="Lato"/>
+                <a:sym typeface="Lato"/>
+              </a:rPr>
+              <a:t>0 represents Inactive Member</a:t>
+            </a:r>
+          </a:p>
+          <a:p>
+            <a:pPr marL="457200" marR="0" lvl="0" indent="-330200" algn="l" rtl="0">
+              <a:lnSpc>
+                <a:spcPct val="125000"/>
+              </a:lnSpc>
+              <a:spcBef>
+                <a:spcPts val="1000"/>
+              </a:spcBef>
+              <a:spcAft>
+                <a:spcPts val="0"/>
+              </a:spcAft>
+              <a:buClr>
+                <a:schemeClr val="dk1"/>
+              </a:buClr>
+              <a:buSzPts val="1600"/>
+              <a:buFont typeface="Arial"/>
+              <a:buChar char="➔"/>
+            </a:pPr>
+            <a:r>
+              <a:rPr lang="en-US" sz="1900" b="1" i="0" u="none" strike="noStrike" cap="none" dirty="0">
+                <a:solidFill>
+                  <a:schemeClr val="dk1"/>
+                </a:solidFill>
+                <a:latin typeface="Lato"/>
+                <a:ea typeface="Lato"/>
+                <a:cs typeface="Lato"/>
+                <a:sym typeface="Lato"/>
+              </a:rPr>
+              <a:t>Estimated Salary: </a:t>
+            </a:r>
+            <a:r>
+              <a:rPr lang="en-US" sz="1900" b="0" i="0" u="none" strike="noStrike" cap="none" dirty="0">
+                <a:solidFill>
+                  <a:schemeClr val="dk1"/>
+                </a:solidFill>
+                <a:latin typeface="Lato"/>
+                <a:ea typeface="Lato"/>
+                <a:cs typeface="Lato"/>
+                <a:sym typeface="Lato"/>
+              </a:rPr>
+              <a:t>as with balance, people with lower salaries are more likely to leave the bank compared to those with higher salaries.</a:t>
+            </a:r>
+          </a:p>
+          <a:p>
+            <a:pPr marL="457200" marR="0" lvl="0" indent="-330200" algn="l" rtl="0">
+              <a:lnSpc>
+                <a:spcPct val="125000"/>
+              </a:lnSpc>
+              <a:spcBef>
+                <a:spcPts val="1000"/>
+              </a:spcBef>
+              <a:spcAft>
+                <a:spcPts val="0"/>
+              </a:spcAft>
+              <a:buClr>
+                <a:schemeClr val="dk1"/>
+              </a:buClr>
+              <a:buSzPts val="1600"/>
+              <a:buFont typeface="Arial"/>
+              <a:buChar char="➔"/>
+            </a:pPr>
+            <a:r>
+              <a:rPr lang="en-US" sz="1900" b="1" i="0" u="none" strike="noStrike" cap="none" dirty="0">
+                <a:solidFill>
+                  <a:schemeClr val="dk1"/>
+                </a:solidFill>
+                <a:latin typeface="Lato"/>
+                <a:ea typeface="Lato"/>
+                <a:cs typeface="Lato"/>
+                <a:sym typeface="Lato"/>
+              </a:rPr>
+              <a:t>Exited:</a:t>
+            </a:r>
+            <a:r>
+              <a:rPr lang="en-US" sz="1900" b="0" i="0" u="none" strike="noStrike" cap="none" dirty="0">
+                <a:solidFill>
+                  <a:schemeClr val="dk1"/>
+                </a:solidFill>
+                <a:latin typeface="Lato"/>
+                <a:ea typeface="Lato"/>
+                <a:cs typeface="Lato"/>
+                <a:sym typeface="Lato"/>
+              </a:rPr>
+              <a:t> whether or not the customer left the bank.</a:t>
+            </a:r>
+          </a:p>
+          <a:p>
+            <a:pPr marL="1371600" marR="0" lvl="2" indent="-330200" algn="l" rtl="0">
+              <a:lnSpc>
+                <a:spcPct val="125000"/>
+              </a:lnSpc>
+              <a:spcBef>
+                <a:spcPts val="0"/>
+              </a:spcBef>
+              <a:spcAft>
+                <a:spcPts val="0"/>
+              </a:spcAft>
+              <a:buClr>
+                <a:schemeClr val="dk1"/>
+              </a:buClr>
+              <a:buSzPts val="1600"/>
+              <a:buFont typeface="Arial"/>
+              <a:buChar char="●"/>
+            </a:pPr>
+            <a:r>
+              <a:rPr lang="en-US" sz="1900" b="0" i="0" u="none" strike="noStrike" cap="none" dirty="0">
+                <a:solidFill>
+                  <a:schemeClr val="dk1"/>
+                </a:solidFill>
+                <a:latin typeface="Lato"/>
+                <a:ea typeface="Lato"/>
+                <a:cs typeface="Lato"/>
+                <a:sym typeface="Lato"/>
+              </a:rPr>
+              <a:t>0 represents Retain </a:t>
+            </a:r>
+          </a:p>
+          <a:p>
+            <a:pPr marL="1371600" marR="0" lvl="2" indent="-330200" algn="l" rtl="0">
+              <a:lnSpc>
+                <a:spcPct val="125000"/>
+              </a:lnSpc>
+              <a:spcBef>
+                <a:spcPts val="0"/>
+              </a:spcBef>
+              <a:spcAft>
+                <a:spcPts val="0"/>
+              </a:spcAft>
+              <a:buClr>
+                <a:schemeClr val="dk1"/>
+              </a:buClr>
+              <a:buSzPts val="1600"/>
+              <a:buFont typeface="Arial"/>
+              <a:buChar char="●"/>
+            </a:pPr>
+            <a:r>
+              <a:rPr lang="en-US" sz="1900" b="0" i="0" u="none" strike="noStrike" cap="none" dirty="0">
+                <a:solidFill>
+                  <a:schemeClr val="dk1"/>
+                </a:solidFill>
+                <a:latin typeface="Lato"/>
+                <a:ea typeface="Lato"/>
+                <a:cs typeface="Lato"/>
+                <a:sym typeface="Lato"/>
+              </a:rPr>
+              <a:t>1 represents Exit</a:t>
+            </a:r>
+          </a:p>
+          <a:p>
+            <a:pPr marL="457200" marR="0" lvl="0" indent="-330200" algn="l" rtl="0">
+              <a:lnSpc>
+                <a:spcPct val="125000"/>
+              </a:lnSpc>
+              <a:spcBef>
+                <a:spcPts val="1000"/>
+              </a:spcBef>
+              <a:spcAft>
+                <a:spcPts val="1000"/>
+              </a:spcAft>
+              <a:buClr>
+                <a:schemeClr val="dk1"/>
+              </a:buClr>
+              <a:buSzPts val="1600"/>
+              <a:buFont typeface="Arial"/>
+              <a:buChar char="➔"/>
+            </a:pPr>
+            <a:r>
+              <a:rPr lang="en-US" sz="1900" b="1" i="0" u="none" strike="noStrike" cap="none" dirty="0">
+                <a:solidFill>
+                  <a:schemeClr val="dk1"/>
+                </a:solidFill>
+                <a:latin typeface="Lato"/>
+                <a:ea typeface="Lato"/>
+                <a:cs typeface="Lato"/>
+                <a:sym typeface="Lato"/>
+              </a:rPr>
+              <a:t>Bank DOJ:</a:t>
+            </a:r>
+            <a:r>
+              <a:rPr lang="en-US" sz="1900" b="0" i="0" u="none" strike="noStrike" cap="none" dirty="0">
+                <a:solidFill>
+                  <a:schemeClr val="dk1"/>
+                </a:solidFill>
+                <a:latin typeface="Lato"/>
+                <a:ea typeface="Lato"/>
+                <a:cs typeface="Lato"/>
+                <a:sym typeface="Lato"/>
+              </a:rPr>
+              <a:t> date when the Customer associated/joined  with the bank</a:t>
+            </a:r>
+            <a:r>
+              <a:rPr lang="en-US" sz="1600" b="0" i="0" u="none" strike="noStrike" cap="none" dirty="0">
+                <a:solidFill>
+                  <a:schemeClr val="dk1"/>
+                </a:solidFill>
+                <a:latin typeface="Lato"/>
+                <a:ea typeface="Lato"/>
+                <a:cs typeface="Lato"/>
+                <a:sym typeface="Lato"/>
+              </a:rPr>
+              <a:t>.</a:t>
+            </a:r>
+          </a:p>
+          <a:p>
+            <a:pPr marL="1047750" marR="0" lvl="2" algn="l" rtl="0">
+              <a:lnSpc>
+                <a:spcPct val="125000"/>
+              </a:lnSpc>
+              <a:spcBef>
+                <a:spcPts val="1000"/>
+              </a:spcBef>
+              <a:spcAft>
+                <a:spcPts val="1000"/>
+              </a:spcAft>
+              <a:buClr>
+                <a:srgbClr val="000000"/>
+              </a:buClr>
+              <a:buSzPts val="1500"/>
+            </a:pPr>
+            <a:endParaRPr lang="en-US" sz="1500" b="0" i="0" u="none" strike="noStrike" cap="none" dirty="0">
+              <a:solidFill>
+                <a:srgbClr val="000000"/>
+              </a:solidFill>
+              <a:latin typeface="Lato"/>
+              <a:ea typeface="Lato"/>
+              <a:cs typeface="Lato"/>
+              <a:sym typeface="Lato"/>
+            </a:endParaRPr>
+          </a:p>
+        </p:txBody>
+      </p:sp>
     </p:spTree>
     <p:extLst>
       <p:ext uri="{BB962C8B-B14F-4D97-AF65-F5344CB8AC3E}">
-        <p14:creationId xmlns:p14="http://schemas.microsoft.com/office/powerpoint/2010/main" val="841724483"/>
+        <p14:creationId xmlns:p14="http://schemas.microsoft.com/office/powerpoint/2010/main" val="2886300517"/>
       </p:ext>
     </p:extLst>
   </p:cSld>
@@ -14658,46 +15334,6 @@
       </p:grpSpPr>
       <p:sp>
         <p:nvSpPr>
-          <p:cNvPr id="2" name="Title 1">
-            <a:extLst>
-              <a:ext uri="{FF2B5EF4-FFF2-40B4-BE49-F238E27FC236}">
-                <a16:creationId xmlns:a16="http://schemas.microsoft.com/office/drawing/2014/main" id="{E07BAD2E-5C1F-D621-0553-31D7BF0BF657}"/>
-              </a:ext>
-            </a:extLst>
-          </p:cNvPr>
-          <p:cNvSpPr>
-            <a:spLocks noGrp="1"/>
-          </p:cNvSpPr>
-          <p:nvPr>
-            <p:ph type="title"/>
-          </p:nvPr>
-        </p:nvSpPr>
-        <p:spPr>
-          <a:xfrm>
-            <a:off x="839788" y="156579"/>
-            <a:ext cx="3492370" cy="619879"/>
-          </a:xfrm>
-        </p:spPr>
-        <p:txBody>
-          <a:bodyPr vert="horz" lIns="91440" tIns="45720" rIns="91440" bIns="45720" rtlCol="0" anchor="b">
-            <a:normAutofit/>
-          </a:bodyPr>
-          <a:lstStyle/>
-          <a:p>
-            <a:pPr algn="ctr"/>
-            <a:r>
-              <a:rPr lang="en-IN" sz="2400" dirty="0">
-                <a:highlight>
-                  <a:srgbClr val="008080"/>
-                </a:highlight>
-              </a:rPr>
-              <a:t>Churn Rate Trends</a:t>
-            </a:r>
-          </a:p>
-        </p:txBody>
-      </p:sp>
-      <p:sp>
-        <p:nvSpPr>
           <p:cNvPr id="4" name="Text Placeholder 3">
             <a:extLst>
               <a:ext uri="{FF2B5EF4-FFF2-40B4-BE49-F238E27FC236}">
@@ -14714,65 +15350,15 @@
         </p:nvSpPr>
         <p:spPr>
           <a:xfrm>
-            <a:off x="394741" y="1104028"/>
-            <a:ext cx="5046688" cy="5579372"/>
+            <a:off x="590186" y="1596489"/>
+            <a:ext cx="3337810" cy="4182218"/>
           </a:xfrm>
         </p:spPr>
         <p:txBody>
           <a:bodyPr>
-            <a:normAutofit/>
+            <a:normAutofit lnSpcReduction="10000"/>
           </a:bodyPr>
           <a:lstStyle/>
-          <a:p>
-            <a:pPr algn="l"/>
-            <a:r>
-              <a:rPr lang="en-US" b="1" i="0" dirty="0">
-                <a:effectLst/>
-                <a:latin typeface="Söhne"/>
-              </a:rPr>
-              <a:t>Churn Rate Trends (2016-2019)</a:t>
-            </a:r>
-          </a:p>
-          <a:p>
-            <a:pPr algn="l"/>
-            <a:r>
-              <a:rPr lang="en-US" b="1" i="0" dirty="0">
-                <a:effectLst/>
-                <a:latin typeface="Söhne"/>
-              </a:rPr>
-              <a:t>2016: 19%</a:t>
-            </a:r>
-          </a:p>
-          <a:p>
-            <a:pPr algn="l"/>
-            <a:r>
-              <a:rPr lang="en-US" b="1" i="0" dirty="0">
-                <a:effectLst/>
-                <a:latin typeface="Söhne"/>
-              </a:rPr>
-              <a:t>2017: 22%</a:t>
-            </a:r>
-          </a:p>
-          <a:p>
-            <a:pPr algn="l"/>
-            <a:r>
-              <a:rPr lang="en-US" b="1" i="0" dirty="0">
-                <a:effectLst/>
-                <a:latin typeface="Söhne"/>
-              </a:rPr>
-              <a:t>2018: 20%</a:t>
-            </a:r>
-          </a:p>
-          <a:p>
-            <a:pPr algn="l"/>
-            <a:r>
-              <a:rPr lang="en-US" b="1" i="0" dirty="0">
-                <a:effectLst/>
-                <a:latin typeface="Söhne"/>
-              </a:rPr>
-              <a:t>2019: 20%</a:t>
-            </a:r>
-          </a:p>
           <a:p>
             <a:pPr algn="l"/>
             <a:endParaRPr lang="en-US" b="1" i="0" dirty="0">
@@ -14783,7 +15369,7 @@
           <a:p>
             <a:pPr algn="l"/>
             <a:r>
-              <a:rPr lang="en-US" b="1" i="0" dirty="0">
+              <a:rPr lang="en-US" sz="1800" b="1" i="0" dirty="0">
                 <a:effectLst/>
                 <a:latin typeface="Söhne"/>
               </a:rPr>
@@ -14793,17 +15379,24 @@
           <a:p>
             <a:pPr algn="l"/>
             <a:r>
-              <a:rPr lang="en-US" b="1" i="0" dirty="0">
+              <a:rPr lang="en-US" sz="1800" i="0" dirty="0">
                 <a:effectLst/>
                 <a:latin typeface="Söhne"/>
               </a:rPr>
-              <a:t>Significant increase in 2017 (22%).</a:t>
+              <a:t>Significant increase in 2017 </a:t>
+            </a:r>
+            <a:r>
+              <a:rPr lang="en-US" sz="1800" b="1" i="0" dirty="0">
+                <a:effectLst/>
+                <a:latin typeface="Söhne"/>
+              </a:rPr>
+              <a:t>(22%).</a:t>
             </a:r>
           </a:p>
           <a:p>
             <a:pPr algn="l"/>
             <a:r>
-              <a:rPr lang="en-US" b="1" i="0" dirty="0">
+              <a:rPr lang="en-US" sz="1800" i="0" dirty="0">
                 <a:effectLst/>
                 <a:latin typeface="Söhne"/>
               </a:rPr>
@@ -14812,7 +15405,7 @@
           </a:p>
           <a:p>
             <a:pPr algn="l"/>
-            <a:endParaRPr lang="en-US" b="1" i="0" dirty="0">
+            <a:endParaRPr lang="en-US" sz="1800" b="1" i="0" dirty="0">
               <a:effectLst/>
               <a:latin typeface="Söhne"/>
             </a:endParaRPr>
@@ -14820,7 +15413,7 @@
           <a:p>
             <a:pPr algn="l"/>
             <a:r>
-              <a:rPr lang="en-US" b="1" i="0" dirty="0">
+              <a:rPr lang="en-US" sz="1800" b="1" i="0" dirty="0">
                 <a:effectLst/>
                 <a:latin typeface="Söhne"/>
               </a:rPr>
@@ -14830,7 +15423,7 @@
           <a:p>
             <a:pPr algn="l"/>
             <a:r>
-              <a:rPr lang="en-US" b="1" i="0" dirty="0">
+              <a:rPr lang="en-US" sz="1800" i="0" dirty="0">
                 <a:effectLst/>
                 <a:latin typeface="Söhne"/>
               </a:rPr>
@@ -14840,13 +15433,20 @@
           <a:p>
             <a:pPr algn="l"/>
             <a:r>
-              <a:rPr lang="en-US" b="1" i="0" dirty="0">
+              <a:rPr lang="en-US" sz="1800" i="0" dirty="0">
                 <a:effectLst/>
                 <a:latin typeface="Söhne"/>
               </a:rPr>
-              <a:t>Implement targeted strategies for stability.</a:t>
-            </a:r>
-            <a:endParaRPr lang="en-US" i="0" dirty="0">
+              <a:t>Implement targeted strategies for stability</a:t>
+            </a:r>
+            <a:r>
+              <a:rPr lang="en-US" sz="1800" b="1" i="0" dirty="0">
+                <a:effectLst/>
+                <a:latin typeface="Söhne"/>
+              </a:rPr>
+              <a:t>.</a:t>
+            </a:r>
+            <a:endParaRPr lang="en-US" sz="1800" i="0" dirty="0">
               <a:effectLst/>
               <a:latin typeface="Söhne"/>
             </a:endParaRPr>
@@ -14906,8 +15506,8 @@
         </p:nvSpPr>
         <p:spPr>
           <a:xfrm>
-            <a:off x="5859130" y="734518"/>
-            <a:ext cx="5938129" cy="923330"/>
+            <a:off x="5513784" y="5778707"/>
+            <a:ext cx="5938129" cy="904693"/>
           </a:xfrm>
           <a:prstGeom prst="rect">
             <a:avLst/>
@@ -14915,7 +15515,7 @@
         </p:spPr>
         <p:txBody>
           <a:bodyPr vert="horz" lIns="91440" tIns="45720" rIns="91440" bIns="45720" rtlCol="0" anchor="b">
-            <a:normAutofit/>
+            <a:normAutofit fontScale="85000" lnSpcReduction="10000"/>
           </a:bodyPr>
           <a:lstStyle>
             <a:lvl1pPr algn="ctr">
@@ -14938,7 +15538,7 @@
           </a:lstStyle>
           <a:p>
             <a:r>
-              <a:rPr lang="en-US" dirty="0"/>
+              <a:rPr lang="en-US" sz="2200" i="1" dirty="0"/>
               <a:t>Line chart showing churn rates over the years (2016-2019)</a:t>
             </a:r>
           </a:p>
@@ -14947,6 +15547,101 @@
               <a:rPr lang="en-US" dirty="0"/>
             </a:br>
             <a:endParaRPr lang="en-IN" dirty="0"/>
+          </a:p>
+        </p:txBody>
+      </p:sp>
+      <p:sp>
+        <p:nvSpPr>
+          <p:cNvPr id="3" name="Rectangle 2">
+            <a:extLst>
+              <a:ext uri="{FF2B5EF4-FFF2-40B4-BE49-F238E27FC236}">
+                <a16:creationId xmlns:a16="http://schemas.microsoft.com/office/drawing/2014/main" id="{6C30A2E7-BFC2-3C8F-C204-D6BA2DC1B2BD}"/>
+              </a:ext>
+            </a:extLst>
+          </p:cNvPr>
+          <p:cNvSpPr/>
+          <p:nvPr/>
+        </p:nvSpPr>
+        <p:spPr>
+          <a:xfrm>
+            <a:off x="0" y="0"/>
+            <a:ext cx="12192000" cy="619879"/>
+          </a:xfrm>
+          <a:prstGeom prst="rect">
+            <a:avLst/>
+          </a:prstGeom>
+        </p:spPr>
+        <p:style>
+          <a:lnRef idx="2">
+            <a:schemeClr val="accent1">
+              <a:shade val="15000"/>
+            </a:schemeClr>
+          </a:lnRef>
+          <a:fillRef idx="1">
+            <a:schemeClr val="accent1"/>
+          </a:fillRef>
+          <a:effectRef idx="0">
+            <a:schemeClr val="accent1"/>
+          </a:effectRef>
+          <a:fontRef idx="minor">
+            <a:schemeClr val="lt1"/>
+          </a:fontRef>
+        </p:style>
+        <p:txBody>
+          <a:bodyPr rtlCol="0" anchor="ctr"/>
+          <a:lstStyle/>
+          <a:p>
+            <a:pPr algn="ctr"/>
+            <a:r>
+              <a:rPr lang="en-IN" sz="3200" dirty="0"/>
+              <a:t>Churn Rate Trends</a:t>
+            </a:r>
+          </a:p>
+        </p:txBody>
+      </p:sp>
+      <p:sp>
+        <p:nvSpPr>
+          <p:cNvPr id="7" name="Rectangle 6">
+            <a:extLst>
+              <a:ext uri="{FF2B5EF4-FFF2-40B4-BE49-F238E27FC236}">
+                <a16:creationId xmlns:a16="http://schemas.microsoft.com/office/drawing/2014/main" id="{F0617663-BFBA-F3F2-C7AE-B6CCBBC931AE}"/>
+              </a:ext>
+            </a:extLst>
+          </p:cNvPr>
+          <p:cNvSpPr/>
+          <p:nvPr/>
+        </p:nvSpPr>
+        <p:spPr>
+          <a:xfrm>
+            <a:off x="4466320" y="1199213"/>
+            <a:ext cx="45719" cy="5171607"/>
+          </a:xfrm>
+          <a:prstGeom prst="rect">
+            <a:avLst/>
+          </a:prstGeom>
+        </p:spPr>
+        <p:style>
+          <a:lnRef idx="2">
+            <a:schemeClr val="accent1">
+              <a:shade val="15000"/>
+            </a:schemeClr>
+          </a:lnRef>
+          <a:fillRef idx="1">
+            <a:schemeClr val="accent1"/>
+          </a:fillRef>
+          <a:effectRef idx="0">
+            <a:schemeClr val="accent1"/>
+          </a:effectRef>
+          <a:fontRef idx="minor">
+            <a:schemeClr val="lt1"/>
+          </a:fontRef>
+        </p:style>
+        <p:txBody>
+          <a:bodyPr rtlCol="0" anchor="ctr"/>
+          <a:lstStyle/>
+          <a:p>
+            <a:pPr algn="ctr"/>
+            <a:endParaRPr lang="en-IN"/>
           </a:p>
         </p:txBody>
       </p:sp>
@@ -14982,51 +15677,6 @@
       </p:grpSpPr>
       <p:sp>
         <p:nvSpPr>
-          <p:cNvPr id="2" name="Title 1">
-            <a:extLst>
-              <a:ext uri="{FF2B5EF4-FFF2-40B4-BE49-F238E27FC236}">
-                <a16:creationId xmlns:a16="http://schemas.microsoft.com/office/drawing/2014/main" id="{BAE9D078-535F-0EAA-1FBA-2BD9A7C2EA63}"/>
-              </a:ext>
-            </a:extLst>
-          </p:cNvPr>
-          <p:cNvSpPr>
-            <a:spLocks noGrp="1"/>
-          </p:cNvSpPr>
-          <p:nvPr>
-            <p:ph type="title"/>
-          </p:nvPr>
-        </p:nvSpPr>
-        <p:spPr>
-          <a:xfrm>
-            <a:off x="-386829" y="73059"/>
-            <a:ext cx="5036356" cy="530225"/>
-          </a:xfrm>
-        </p:spPr>
-        <p:txBody>
-          <a:bodyPr vert="horz" lIns="91440" tIns="45720" rIns="91440" bIns="45720" rtlCol="0" anchor="b">
-            <a:normAutofit/>
-          </a:bodyPr>
-          <a:lstStyle/>
-          <a:p>
-            <a:pPr algn="ctr"/>
-            <a:r>
-              <a:rPr lang="en-US" sz="2400" dirty="0">
-                <a:highlight>
-                  <a:srgbClr val="008080"/>
-                </a:highlight>
-              </a:rPr>
-              <a:t>Churn Analysis by Age Group</a:t>
-            </a:r>
-            <a:endParaRPr lang="en-IN" sz="2400" dirty="0">
-              <a:highlight>
-                <a:srgbClr val="008080"/>
-              </a:highlight>
-            </a:endParaRPr>
-          </a:p>
-        </p:txBody>
-      </p:sp>
-      <p:sp>
-        <p:nvSpPr>
           <p:cNvPr id="4" name="Text Placeholder 3">
             <a:extLst>
               <a:ext uri="{FF2B5EF4-FFF2-40B4-BE49-F238E27FC236}">
@@ -15043,23 +15693,23 @@
         </p:nvSpPr>
         <p:spPr>
           <a:xfrm>
-            <a:off x="287727" y="945313"/>
+            <a:off x="143365" y="945313"/>
             <a:ext cx="4149362" cy="5912687"/>
           </a:xfrm>
         </p:spPr>
         <p:txBody>
           <a:bodyPr>
-            <a:normAutofit/>
+            <a:normAutofit lnSpcReduction="10000"/>
           </a:bodyPr>
           <a:lstStyle/>
           <a:p>
             <a:pPr algn="l"/>
             <a:r>
-              <a:rPr lang="en-US" sz="1400" b="1" i="0" dirty="0">
+              <a:rPr lang="en-US" sz="1800" b="1" i="0" dirty="0">
                 <a:effectLst/>
                 <a:latin typeface="Söhne"/>
               </a:rPr>
-              <a:t>Key Points:</a:t>
+              <a:t>Analysis:</a:t>
             </a:r>
           </a:p>
           <a:p>
@@ -15068,12 +15718,19 @@
               <a:buChar char="•"/>
             </a:pPr>
             <a:r>
-              <a:rPr lang="en-US" sz="1400" b="0" i="0" dirty="0">
+              <a:rPr lang="en-US" sz="1800" b="1" i="0" dirty="0">
                 <a:effectLst/>
                 <a:latin typeface="Söhne"/>
               </a:rPr>
-              <a:t>Highest churn rate in age group 48-57 (55%)</a:t>
-            </a:r>
+              <a:t>Age Group 48-57 (55% Churn Rate):</a:t>
+            </a:r>
+          </a:p>
+          <a:p>
+            <a:pPr algn="l"/>
+            <a:endParaRPr lang="en-US" sz="1800" b="1" i="0" dirty="0">
+              <a:effectLst/>
+              <a:latin typeface="Söhne"/>
+            </a:endParaRPr>
           </a:p>
           <a:p>
             <a:pPr algn="l">
@@ -15081,11 +15738,11 @@
               <a:buChar char="•"/>
             </a:pPr>
             <a:r>
-              <a:rPr lang="en-US" sz="1400" b="0" i="0" dirty="0">
+              <a:rPr lang="en-US" sz="1800" b="0" i="0" dirty="0">
                 <a:effectLst/>
                 <a:latin typeface="Söhne"/>
               </a:rPr>
-              <a:t>Second highest in age group 58-67 (40%)</a:t>
+              <a:t>High churn rate suggests potential dissatisfaction or unmet needs.</a:t>
             </a:r>
           </a:p>
           <a:p>
@@ -15094,21 +15751,11 @@
               <a:buChar char="•"/>
             </a:pPr>
             <a:r>
-              <a:rPr lang="en-US" sz="1400" b="0" i="0" dirty="0">
+              <a:rPr lang="en-US" sz="1800" b="0" i="0" dirty="0">
                 <a:effectLst/>
                 <a:latin typeface="Söhne"/>
               </a:rPr>
-              <a:t> Recommend targeted strategies for these age groups</a:t>
-            </a:r>
-          </a:p>
-          <a:p>
-            <a:pPr algn="l"/>
-            <a:r>
-              <a:rPr lang="en-US" sz="1400" b="1" i="0" dirty="0">
-                <a:effectLst/>
-                <a:latin typeface="Söhne"/>
-              </a:rPr>
-              <a:t>Analysis:</a:t>
+              <a:t>Reasons could include lack of personalized services or better offers from competitors.</a:t>
             </a:r>
           </a:p>
           <a:p>
@@ -15117,11 +15764,11 @@
               <a:buChar char="•"/>
             </a:pPr>
             <a:r>
-              <a:rPr lang="en-US" sz="1400" b="1" i="0" dirty="0">
+              <a:rPr lang="en-US" sz="1800" b="0" i="0" dirty="0">
                 <a:effectLst/>
                 <a:latin typeface="Söhne"/>
               </a:rPr>
-              <a:t>Age Group 48-57 (55% Churn Rate):</a:t>
+              <a:t>Recommend further investigation into specific pain points or service gaps.</a:t>
             </a:r>
           </a:p>
           <a:p>
@@ -15130,12 +15777,19 @@
               <a:buChar char="•"/>
             </a:pPr>
             <a:r>
-              <a:rPr lang="en-US" sz="1400" b="0" i="0" dirty="0">
+              <a:rPr lang="en-US" sz="1800" b="1" i="0" dirty="0">
                 <a:effectLst/>
                 <a:latin typeface="Söhne"/>
               </a:rPr>
-              <a:t>High churn rate suggests potential dissatisfaction or unmet needs.</a:t>
-            </a:r>
+              <a:t>Age Group 58-67 (40% Churn Rate):</a:t>
+            </a:r>
+          </a:p>
+          <a:p>
+            <a:pPr algn="l"/>
+            <a:endParaRPr lang="en-US" sz="1800" b="1" i="0" dirty="0">
+              <a:effectLst/>
+              <a:latin typeface="Söhne"/>
+            </a:endParaRPr>
           </a:p>
           <a:p>
             <a:pPr algn="l">
@@ -15143,11 +15797,11 @@
               <a:buChar char="•"/>
             </a:pPr>
             <a:r>
-              <a:rPr lang="en-US" sz="1400" b="0" i="0" dirty="0">
+              <a:rPr lang="en-US" sz="1800" b="0" i="0" dirty="0">
                 <a:effectLst/>
                 <a:latin typeface="Söhne"/>
               </a:rPr>
-              <a:t>Reasons could include lack of personalized services or better offers from competitors.</a:t>
+              <a:t>Significant churn rate indicating possible issues.</a:t>
             </a:r>
           </a:p>
           <a:p>
@@ -15156,11 +15810,11 @@
               <a:buChar char="•"/>
             </a:pPr>
             <a:r>
-              <a:rPr lang="en-US" sz="1400" b="0" i="0" dirty="0">
+              <a:rPr lang="en-US" sz="1800" b="0" i="0" dirty="0">
                 <a:effectLst/>
                 <a:latin typeface="Söhne"/>
               </a:rPr>
-              <a:t>Recommend further investigation into specific pain points or service gaps.</a:t>
+              <a:t>Factors may include retirement planning or changing financial priorities.</a:t>
             </a:r>
           </a:p>
           <a:p>
@@ -15169,46 +15823,7 @@
               <a:buChar char="•"/>
             </a:pPr>
             <a:r>
-              <a:rPr lang="en-US" sz="1400" b="1" i="0" dirty="0">
-                <a:effectLst/>
-                <a:latin typeface="Söhne"/>
-              </a:rPr>
-              <a:t>Age Group 58-67 (40% Churn Rate):</a:t>
-            </a:r>
-          </a:p>
-          <a:p>
-            <a:pPr algn="l">
-              <a:buFont typeface="Arial" panose="020B0604020202020204" pitchFamily="34" charset="0"/>
-              <a:buChar char="•"/>
-            </a:pPr>
-            <a:r>
-              <a:rPr lang="en-US" sz="1400" b="0" i="0" dirty="0">
-                <a:effectLst/>
-                <a:latin typeface="Söhne"/>
-              </a:rPr>
-              <a:t>Significant churn rate indicating possible issues.</a:t>
-            </a:r>
-          </a:p>
-          <a:p>
-            <a:pPr algn="l">
-              <a:buFont typeface="Arial" panose="020B0604020202020204" pitchFamily="34" charset="0"/>
-              <a:buChar char="•"/>
-            </a:pPr>
-            <a:r>
-              <a:rPr lang="en-US" sz="1400" b="0" i="0" dirty="0">
-                <a:effectLst/>
-                <a:latin typeface="Söhne"/>
-              </a:rPr>
-              <a:t>Factors may include retirement planning or changing financial priorities.</a:t>
-            </a:r>
-          </a:p>
-          <a:p>
-            <a:pPr algn="l">
-              <a:buFont typeface="Arial" panose="020B0604020202020204" pitchFamily="34" charset="0"/>
-              <a:buChar char="•"/>
-            </a:pPr>
-            <a:r>
-              <a:rPr lang="en-US" sz="1400" b="0" i="0" dirty="0">
+              <a:rPr lang="en-US" sz="1800" b="0" i="0" dirty="0">
                 <a:effectLst/>
                 <a:latin typeface="Söhne"/>
               </a:rPr>
@@ -15292,8 +15907,8 @@
         </p:blipFill>
         <p:spPr>
           <a:xfrm>
-            <a:off x="4437089" y="1589970"/>
-            <a:ext cx="7754911" cy="3866449"/>
+            <a:off x="4751882" y="1589970"/>
+            <a:ext cx="7440118" cy="3866449"/>
           </a:xfrm>
           <a:prstGeom prst="rect">
             <a:avLst/>
@@ -15314,7 +15929,7 @@
         </p:nvSpPr>
         <p:spPr>
           <a:xfrm>
-            <a:off x="5685931" y="988358"/>
+            <a:off x="5536029" y="5456419"/>
             <a:ext cx="6218342" cy="424732"/>
           </a:xfrm>
           <a:prstGeom prst="rect">
@@ -15346,10 +15961,106 @@
           </a:lstStyle>
           <a:p>
             <a:r>
-              <a:rPr lang="en-US" dirty="0"/>
+              <a:rPr lang="en-US" sz="1800" i="1" dirty="0"/>
               <a:t>Bar chart showing churn rates by age group</a:t>
             </a:r>
-            <a:endParaRPr lang="en-IN" dirty="0"/>
+            <a:endParaRPr lang="en-IN" sz="1800" i="1" dirty="0"/>
+          </a:p>
+        </p:txBody>
+      </p:sp>
+      <p:sp>
+        <p:nvSpPr>
+          <p:cNvPr id="6" name="Rectangle 5">
+            <a:extLst>
+              <a:ext uri="{FF2B5EF4-FFF2-40B4-BE49-F238E27FC236}">
+                <a16:creationId xmlns:a16="http://schemas.microsoft.com/office/drawing/2014/main" id="{8514D9A1-F5C3-4059-8249-6999BD001BE8}"/>
+              </a:ext>
+            </a:extLst>
+          </p:cNvPr>
+          <p:cNvSpPr/>
+          <p:nvPr/>
+        </p:nvSpPr>
+        <p:spPr>
+          <a:xfrm>
+            <a:off x="0" y="-29900"/>
+            <a:ext cx="12192000" cy="619879"/>
+          </a:xfrm>
+          <a:prstGeom prst="rect">
+            <a:avLst/>
+          </a:prstGeom>
+        </p:spPr>
+        <p:style>
+          <a:lnRef idx="2">
+            <a:schemeClr val="accent1">
+              <a:shade val="15000"/>
+            </a:schemeClr>
+          </a:lnRef>
+          <a:fillRef idx="1">
+            <a:schemeClr val="accent1"/>
+          </a:fillRef>
+          <a:effectRef idx="0">
+            <a:schemeClr val="accent1"/>
+          </a:effectRef>
+          <a:fontRef idx="minor">
+            <a:schemeClr val="lt1"/>
+          </a:fontRef>
+        </p:style>
+        <p:txBody>
+          <a:bodyPr rtlCol="0" anchor="ctr"/>
+          <a:lstStyle/>
+          <a:p>
+            <a:pPr algn="ctr"/>
+            <a:r>
+              <a:rPr lang="en-US" sz="3200" dirty="0"/>
+              <a:t>Churn Analysis by Age Group</a:t>
+            </a:r>
+            <a:endParaRPr lang="en-IN" sz="3200" dirty="0"/>
+          </a:p>
+        </p:txBody>
+      </p:sp>
+      <p:sp>
+        <p:nvSpPr>
+          <p:cNvPr id="11" name="Rectangle 10">
+            <a:extLst>
+              <a:ext uri="{FF2B5EF4-FFF2-40B4-BE49-F238E27FC236}">
+                <a16:creationId xmlns:a16="http://schemas.microsoft.com/office/drawing/2014/main" id="{4C70FC86-40F4-BF4B-CD73-F5F8C3697B5E}"/>
+              </a:ext>
+            </a:extLst>
+          </p:cNvPr>
+          <p:cNvSpPr/>
+          <p:nvPr/>
+        </p:nvSpPr>
+        <p:spPr>
+          <a:xfrm>
+            <a:off x="4572000" y="1259174"/>
+            <a:ext cx="45719" cy="5186596"/>
+          </a:xfrm>
+          <a:prstGeom prst="rect">
+            <a:avLst/>
+          </a:prstGeom>
+        </p:spPr>
+        <p:style>
+          <a:lnRef idx="2">
+            <a:schemeClr val="accent1">
+              <a:shade val="15000"/>
+            </a:schemeClr>
+          </a:lnRef>
+          <a:fillRef idx="1">
+            <a:schemeClr val="accent1"/>
+          </a:fillRef>
+          <a:effectRef idx="0">
+            <a:schemeClr val="accent1"/>
+          </a:effectRef>
+          <a:fontRef idx="minor">
+            <a:schemeClr val="lt1"/>
+          </a:fontRef>
+        </p:style>
+        <p:txBody>
+          <a:bodyPr rtlCol="0" anchor="ctr"/>
+          <a:lstStyle/>
+          <a:p>
+            <a:pPr algn="ctr"/>
+            <a:endParaRPr lang="en-IN"/>
           </a:p>
         </p:txBody>
       </p:sp>
@@ -15397,7 +16108,7 @@
         </p:nvSpPr>
         <p:spPr>
           <a:xfrm>
-            <a:off x="4606978" y="173508"/>
+            <a:off x="4666939" y="379622"/>
             <a:ext cx="2633271" cy="1092311"/>
           </a:xfrm>
           <a:prstGeom prst="rect">
@@ -15429,16 +16140,16 @@
           </a:lstStyle>
           <a:p>
             <a:r>
-              <a:rPr lang="en-IN" dirty="0"/>
+              <a:rPr lang="en-IN" b="1" dirty="0"/>
               <a:t>Recommendations:</a:t>
             </a:r>
             <a:br>
-              <a:rPr lang="en-IN" dirty="0"/>
+              <a:rPr lang="en-IN" b="1" dirty="0"/>
             </a:br>
             <a:br>
-              <a:rPr lang="en-IN" dirty="0"/>
+              <a:rPr lang="en-IN" b="1" dirty="0"/>
             </a:br>
-            <a:endParaRPr lang="en-IN" dirty="0"/>
+            <a:endParaRPr lang="en-IN" b="1" dirty="0"/>
           </a:p>
         </p:txBody>
       </p:sp>
@@ -15812,51 +16523,6 @@
       </p:grpSpPr>
       <p:sp>
         <p:nvSpPr>
-          <p:cNvPr id="2" name="Title 1">
-            <a:extLst>
-              <a:ext uri="{FF2B5EF4-FFF2-40B4-BE49-F238E27FC236}">
-                <a16:creationId xmlns:a16="http://schemas.microsoft.com/office/drawing/2014/main" id="{ED99B089-C921-0187-08DE-7E89800F6BBB}"/>
-              </a:ext>
-            </a:extLst>
-          </p:cNvPr>
-          <p:cNvSpPr>
-            <a:spLocks noGrp="1"/>
-          </p:cNvSpPr>
-          <p:nvPr>
-            <p:ph type="title"/>
-          </p:nvPr>
-        </p:nvSpPr>
-        <p:spPr>
-          <a:xfrm>
-            <a:off x="-1099754" y="15554"/>
-            <a:ext cx="7945738" cy="607458"/>
-          </a:xfrm>
-        </p:spPr>
-        <p:txBody>
-          <a:bodyPr vert="horz" lIns="91440" tIns="45720" rIns="91440" bIns="45720" rtlCol="0" anchor="b">
-            <a:normAutofit/>
-          </a:bodyPr>
-          <a:lstStyle/>
-          <a:p>
-            <a:pPr algn="ctr"/>
-            <a:r>
-              <a:rPr lang="en-US" sz="2400" dirty="0">
-                <a:highlight>
-                  <a:srgbClr val="008080"/>
-                </a:highlight>
-              </a:rPr>
-              <a:t>Churn Analysis by Number of Products Used</a:t>
-            </a:r>
-            <a:endParaRPr lang="en-IN" sz="2400" dirty="0">
-              <a:highlight>
-                <a:srgbClr val="008080"/>
-              </a:highlight>
-            </a:endParaRPr>
-          </a:p>
-        </p:txBody>
-      </p:sp>
-      <p:sp>
-        <p:nvSpPr>
           <p:cNvPr id="4" name="Text Placeholder 3">
             <a:extLst>
               <a:ext uri="{FF2B5EF4-FFF2-40B4-BE49-F238E27FC236}">
@@ -15873,19 +16539,19 @@
         </p:nvSpPr>
         <p:spPr>
           <a:xfrm>
-            <a:off x="129963" y="1304145"/>
-            <a:ext cx="4606929" cy="5553856"/>
+            <a:off x="129963" y="1813810"/>
+            <a:ext cx="4082273" cy="5553856"/>
           </a:xfrm>
         </p:spPr>
         <p:txBody>
           <a:bodyPr>
-            <a:normAutofit lnSpcReduction="10000"/>
+            <a:normAutofit/>
           </a:bodyPr>
           <a:lstStyle/>
           <a:p>
             <a:pPr algn="l"/>
             <a:r>
-              <a:rPr lang="en-US" sz="2400" b="1" i="0" dirty="0">
+              <a:rPr lang="en-US" sz="1800" b="1" i="0" dirty="0">
                 <a:effectLst/>
                 <a:latin typeface="Söhne"/>
               </a:rPr>
@@ -15898,7 +16564,7 @@
               <a:buChar char="•"/>
             </a:pPr>
             <a:r>
-              <a:rPr lang="en-US" sz="2400" b="0" i="0" dirty="0">
+              <a:rPr lang="en-US" sz="1800" b="0" i="0" dirty="0">
                 <a:effectLst/>
                 <a:latin typeface="Söhne"/>
               </a:rPr>
@@ -15911,7 +16577,7 @@
               <a:buChar char="•"/>
             </a:pPr>
             <a:r>
-              <a:rPr lang="en-US" sz="2400" b="0" i="0" dirty="0">
+              <a:rPr lang="en-US" sz="1800" b="0" i="0" dirty="0">
                 <a:effectLst/>
                 <a:latin typeface="Söhne"/>
               </a:rPr>
@@ -15921,7 +16587,7 @@
           <a:p>
             <a:pPr algn="l"/>
             <a:r>
-              <a:rPr lang="en-US" sz="2400" b="1" i="0" dirty="0">
+              <a:rPr lang="en-US" sz="1800" b="1" i="0" dirty="0">
                 <a:effectLst/>
                 <a:latin typeface="Söhne"/>
               </a:rPr>
@@ -15934,7 +16600,7 @@
               <a:buChar char="•"/>
             </a:pPr>
             <a:r>
-              <a:rPr lang="en-US" sz="2400" i="0" dirty="0">
+              <a:rPr lang="en-US" sz="1800" i="0" dirty="0">
                 <a:effectLst/>
                 <a:latin typeface="Söhne"/>
               </a:rPr>
@@ -15947,13 +16613,13 @@
               <a:buChar char="•"/>
             </a:pPr>
             <a:r>
-              <a:rPr lang="en-US" sz="2400" i="0" dirty="0">
+              <a:rPr lang="en-US" sz="1800" i="0" dirty="0">
                 <a:effectLst/>
                 <a:latin typeface="Söhne"/>
               </a:rPr>
               <a:t>Multiple-product users are more loyal, indicating a need to encourage product diversification.</a:t>
             </a:r>
-            <a:endParaRPr lang="en-IN" dirty="0"/>
+            <a:endParaRPr lang="en-IN" sz="1800" dirty="0"/>
           </a:p>
         </p:txBody>
       </p:sp>
@@ -15979,7 +16645,7 @@
         </p:blipFill>
         <p:spPr>
           <a:xfrm>
-            <a:off x="4926816" y="2084009"/>
+            <a:off x="4926816" y="1589334"/>
             <a:ext cx="7135221" cy="4391638"/>
           </a:xfrm>
           <a:prstGeom prst="rect">
@@ -16001,7 +16667,7 @@
         </p:nvSpPr>
         <p:spPr>
           <a:xfrm>
-            <a:off x="4926816" y="1304145"/>
+            <a:off x="4977483" y="6067205"/>
             <a:ext cx="6785160" cy="757130"/>
           </a:xfrm>
           <a:prstGeom prst="rect">
@@ -16010,7 +16676,7 @@
         </p:spPr>
         <p:txBody>
           <a:bodyPr vert="horz" lIns="91440" tIns="45720" rIns="91440" bIns="45720" rtlCol="0" anchor="b">
-            <a:normAutofit/>
+            <a:noAutofit/>
           </a:bodyPr>
           <a:lstStyle>
             <a:lvl1pPr algn="ctr">
@@ -16033,10 +16699,106 @@
           </a:lstStyle>
           <a:p>
             <a:r>
-              <a:rPr lang="en-US" dirty="0"/>
+              <a:rPr lang="en-US" sz="2000" i="1" dirty="0"/>
               <a:t>Bar chart showing churn rates based on the number of products used</a:t>
             </a:r>
-            <a:endParaRPr lang="en-IN" dirty="0"/>
+            <a:endParaRPr lang="en-IN" sz="2000" i="1" dirty="0"/>
+          </a:p>
+        </p:txBody>
+      </p:sp>
+      <p:sp>
+        <p:nvSpPr>
+          <p:cNvPr id="3" name="Rectangle 2">
+            <a:extLst>
+              <a:ext uri="{FF2B5EF4-FFF2-40B4-BE49-F238E27FC236}">
+                <a16:creationId xmlns:a16="http://schemas.microsoft.com/office/drawing/2014/main" id="{0415F435-CB55-B068-F526-671589193ABA}"/>
+              </a:ext>
+            </a:extLst>
+          </p:cNvPr>
+          <p:cNvSpPr/>
+          <p:nvPr/>
+        </p:nvSpPr>
+        <p:spPr>
+          <a:xfrm>
+            <a:off x="0" y="-29900"/>
+            <a:ext cx="12192000" cy="619879"/>
+          </a:xfrm>
+          <a:prstGeom prst="rect">
+            <a:avLst/>
+          </a:prstGeom>
+        </p:spPr>
+        <p:style>
+          <a:lnRef idx="2">
+            <a:schemeClr val="accent1">
+              <a:shade val="15000"/>
+            </a:schemeClr>
+          </a:lnRef>
+          <a:fillRef idx="1">
+            <a:schemeClr val="accent1"/>
+          </a:fillRef>
+          <a:effectRef idx="0">
+            <a:schemeClr val="accent1"/>
+          </a:effectRef>
+          <a:fontRef idx="minor">
+            <a:schemeClr val="lt1"/>
+          </a:fontRef>
+        </p:style>
+        <p:txBody>
+          <a:bodyPr rtlCol="0" anchor="ctr"/>
+          <a:lstStyle/>
+          <a:p>
+            <a:pPr algn="ctr"/>
+            <a:r>
+              <a:rPr lang="en-US" sz="3200" dirty="0"/>
+              <a:t>Churn Analysis by Number of Products Used</a:t>
+            </a:r>
+            <a:endParaRPr lang="en-IN" sz="3200" dirty="0"/>
+          </a:p>
+        </p:txBody>
+      </p:sp>
+      <p:sp>
+        <p:nvSpPr>
+          <p:cNvPr id="5" name="Rectangle 4">
+            <a:extLst>
+              <a:ext uri="{FF2B5EF4-FFF2-40B4-BE49-F238E27FC236}">
+                <a16:creationId xmlns:a16="http://schemas.microsoft.com/office/drawing/2014/main" id="{CE8828AE-BC1A-69A9-B15B-7011F91112C8}"/>
+              </a:ext>
+            </a:extLst>
+          </p:cNvPr>
+          <p:cNvSpPr/>
+          <p:nvPr/>
+        </p:nvSpPr>
+        <p:spPr>
+          <a:xfrm>
+            <a:off x="4572000" y="1259174"/>
+            <a:ext cx="45719" cy="5186596"/>
+          </a:xfrm>
+          <a:prstGeom prst="rect">
+            <a:avLst/>
+          </a:prstGeom>
+        </p:spPr>
+        <p:style>
+          <a:lnRef idx="2">
+            <a:schemeClr val="accent1">
+              <a:shade val="15000"/>
+            </a:schemeClr>
+          </a:lnRef>
+          <a:fillRef idx="1">
+            <a:schemeClr val="accent1"/>
+          </a:fillRef>
+          <a:effectRef idx="0">
+            <a:schemeClr val="accent1"/>
+          </a:effectRef>
+          <a:fontRef idx="minor">
+            <a:schemeClr val="lt1"/>
+          </a:fontRef>
+        </p:style>
+        <p:txBody>
+          <a:bodyPr rtlCol="0" anchor="ctr"/>
+          <a:lstStyle/>
+          <a:p>
+            <a:pPr algn="ctr"/>
+            <a:endParaRPr lang="en-IN"/>
           </a:p>
         </p:txBody>
       </p:sp>
@@ -16088,8 +16850,8 @@
         </p:nvSpPr>
         <p:spPr>
           <a:xfrm>
-            <a:off x="4222231" y="757173"/>
-            <a:ext cx="3657601" cy="403716"/>
+            <a:off x="0" y="757238"/>
+            <a:ext cx="3657600" cy="403225"/>
           </a:xfrm>
         </p:spPr>
         <p:txBody>
@@ -16100,32 +16862,16 @@
           <a:p>
             <a:pPr algn="ctr"/>
             <a:r>
-              <a:rPr lang="en-IN" sz="2400" dirty="0">
-                <a:highlight>
-                  <a:srgbClr val="008080"/>
-                </a:highlight>
-              </a:rPr>
+              <a:rPr lang="en-IN" sz="2400" b="1" dirty="0"/>
               <a:t>Recommendations:</a:t>
             </a:r>
             <a:br>
-              <a:rPr lang="en-IN" sz="2400" dirty="0">
-                <a:highlight>
-                  <a:srgbClr val="008080"/>
-                </a:highlight>
-              </a:rPr>
+              <a:rPr lang="en-IN" sz="2400" b="1" dirty="0"/>
             </a:br>
             <a:br>
-              <a:rPr lang="en-IN" sz="2400" dirty="0">
-                <a:highlight>
-                  <a:srgbClr val="008080"/>
-                </a:highlight>
-              </a:rPr>
+              <a:rPr lang="en-IN" sz="2400" b="1" dirty="0"/>
             </a:br>
-            <a:endParaRPr lang="en-IN" sz="2400" dirty="0">
-              <a:highlight>
-                <a:srgbClr val="008080"/>
-              </a:highlight>
-            </a:endParaRPr>
+            <a:endParaRPr lang="en-IN" sz="2400" b="1" dirty="0"/>
           </a:p>
         </p:txBody>
       </p:sp>
@@ -16406,51 +17152,6 @@
       </p:grpSpPr>
       <p:sp>
         <p:nvSpPr>
-          <p:cNvPr id="2" name="Title 1">
-            <a:extLst>
-              <a:ext uri="{FF2B5EF4-FFF2-40B4-BE49-F238E27FC236}">
-                <a16:creationId xmlns:a16="http://schemas.microsoft.com/office/drawing/2014/main" id="{58108DF6-9557-A502-5FDD-93EB9C32487D}"/>
-              </a:ext>
-            </a:extLst>
-          </p:cNvPr>
-          <p:cNvSpPr>
-            <a:spLocks noGrp="1"/>
-          </p:cNvSpPr>
-          <p:nvPr>
-            <p:ph type="title"/>
-          </p:nvPr>
-        </p:nvSpPr>
-        <p:spPr>
-          <a:xfrm>
-            <a:off x="0" y="119920"/>
-            <a:ext cx="5334001" cy="603355"/>
-          </a:xfrm>
-        </p:spPr>
-        <p:txBody>
-          <a:bodyPr vert="horz" lIns="91440" tIns="45720" rIns="91440" bIns="45720" rtlCol="0" anchor="b">
-            <a:normAutofit/>
-          </a:bodyPr>
-          <a:lstStyle/>
-          <a:p>
-            <a:pPr algn="ctr"/>
-            <a:r>
-              <a:rPr lang="en-US" sz="2400" dirty="0">
-                <a:highlight>
-                  <a:srgbClr val="008080"/>
-                </a:highlight>
-              </a:rPr>
-              <a:t>CREDIT CARD ON CUSTOMER CHURN</a:t>
-            </a:r>
-            <a:endParaRPr lang="en-IN" sz="2400" dirty="0">
-              <a:highlight>
-                <a:srgbClr val="008080"/>
-              </a:highlight>
-            </a:endParaRPr>
-          </a:p>
-        </p:txBody>
-      </p:sp>
-      <p:sp>
-        <p:nvSpPr>
           <p:cNvPr id="4" name="Text Placeholder 3">
             <a:extLst>
               <a:ext uri="{FF2B5EF4-FFF2-40B4-BE49-F238E27FC236}">
@@ -16467,7 +17168,7 @@
         </p:nvSpPr>
         <p:spPr>
           <a:xfrm>
-            <a:off x="569626" y="1199213"/>
+            <a:off x="254833" y="1472783"/>
             <a:ext cx="4407108" cy="5006715"/>
           </a:xfrm>
         </p:spPr>
@@ -16482,7 +17183,7 @@
               <a:buChar char="•"/>
             </a:pPr>
             <a:r>
-              <a:rPr lang="en-US" sz="2400" b="0" i="0" dirty="0">
+              <a:rPr lang="en-US" sz="1800" b="0" i="0" dirty="0">
                 <a:effectLst/>
                 <a:latin typeface="Söhne"/>
               </a:rPr>
@@ -16495,7 +17196,7 @@
               <a:buChar char="•"/>
             </a:pPr>
             <a:r>
-              <a:rPr lang="en-US" sz="2400" b="0" i="0" dirty="0">
+              <a:rPr lang="en-US" sz="1800" b="0" i="0" dirty="0">
                 <a:effectLst/>
                 <a:latin typeface="Söhne"/>
               </a:rPr>
@@ -16508,7 +17209,7 @@
               <a:buChar char="•"/>
             </a:pPr>
             <a:r>
-              <a:rPr lang="en-US" sz="2400" b="0" i="0" dirty="0">
+              <a:rPr lang="en-US" sz="1800" b="0" i="0" dirty="0">
                 <a:effectLst/>
                 <a:latin typeface="Söhne"/>
               </a:rPr>
@@ -16521,7 +17222,7 @@
               <a:buChar char="•"/>
             </a:pPr>
             <a:r>
-              <a:rPr lang="en-US" sz="2400" b="0" i="0" dirty="0">
+              <a:rPr lang="en-US" sz="1800" b="0" i="0" dirty="0">
                 <a:effectLst/>
                 <a:latin typeface="Söhne"/>
               </a:rPr>
@@ -16552,7 +17253,7 @@
         </p:blipFill>
         <p:spPr>
           <a:xfrm>
-            <a:off x="5447359" y="1139252"/>
+            <a:off x="5447359" y="1195075"/>
             <a:ext cx="6744641" cy="4467849"/>
           </a:xfrm>
           <a:prstGeom prst="rect">
@@ -16560,6 +17261,138 @@
           </a:prstGeom>
         </p:spPr>
       </p:pic>
+      <p:sp>
+        <p:nvSpPr>
+          <p:cNvPr id="3" name="Rectangle 2">
+            <a:extLst>
+              <a:ext uri="{FF2B5EF4-FFF2-40B4-BE49-F238E27FC236}">
+                <a16:creationId xmlns:a16="http://schemas.microsoft.com/office/drawing/2014/main" id="{DCAAE6BD-8F86-7136-3354-1E446A1EA6EA}"/>
+              </a:ext>
+            </a:extLst>
+          </p:cNvPr>
+          <p:cNvSpPr/>
+          <p:nvPr/>
+        </p:nvSpPr>
+        <p:spPr>
+          <a:xfrm>
+            <a:off x="0" y="-29900"/>
+            <a:ext cx="12192000" cy="619879"/>
+          </a:xfrm>
+          <a:prstGeom prst="rect">
+            <a:avLst/>
+          </a:prstGeom>
+        </p:spPr>
+        <p:style>
+          <a:lnRef idx="2">
+            <a:schemeClr val="accent1">
+              <a:shade val="15000"/>
+            </a:schemeClr>
+          </a:lnRef>
+          <a:fillRef idx="1">
+            <a:schemeClr val="accent1"/>
+          </a:fillRef>
+          <a:effectRef idx="0">
+            <a:schemeClr val="accent1"/>
+          </a:effectRef>
+          <a:fontRef idx="minor">
+            <a:schemeClr val="lt1"/>
+          </a:fontRef>
+        </p:style>
+        <p:txBody>
+          <a:bodyPr rtlCol="0" anchor="ctr"/>
+          <a:lstStyle/>
+          <a:p>
+            <a:pPr algn="ctr"/>
+            <a:r>
+              <a:rPr lang="en-US" sz="3200" dirty="0"/>
+              <a:t>CREDIT CARD ON CUSTOMER CHURN</a:t>
+            </a:r>
+            <a:endParaRPr lang="en-IN" sz="3200" dirty="0"/>
+          </a:p>
+        </p:txBody>
+      </p:sp>
+      <p:sp>
+        <p:nvSpPr>
+          <p:cNvPr id="7" name="Rectangle 6">
+            <a:extLst>
+              <a:ext uri="{FF2B5EF4-FFF2-40B4-BE49-F238E27FC236}">
+                <a16:creationId xmlns:a16="http://schemas.microsoft.com/office/drawing/2014/main" id="{234C26F0-A4EA-0714-C462-4FA9013AC558}"/>
+              </a:ext>
+            </a:extLst>
+          </p:cNvPr>
+          <p:cNvSpPr/>
+          <p:nvPr/>
+        </p:nvSpPr>
+        <p:spPr>
+          <a:xfrm>
+            <a:off x="4661941" y="1236298"/>
+            <a:ext cx="45719" cy="5186596"/>
+          </a:xfrm>
+          <a:prstGeom prst="rect">
+            <a:avLst/>
+          </a:prstGeom>
+        </p:spPr>
+        <p:style>
+          <a:lnRef idx="2">
+            <a:schemeClr val="accent1">
+              <a:shade val="15000"/>
+            </a:schemeClr>
+          </a:lnRef>
+          <a:fillRef idx="1">
+            <a:schemeClr val="accent1"/>
+          </a:fillRef>
+          <a:effectRef idx="0">
+            <a:schemeClr val="accent1"/>
+          </a:effectRef>
+          <a:fontRef idx="minor">
+            <a:schemeClr val="lt1"/>
+          </a:fontRef>
+        </p:style>
+        <p:txBody>
+          <a:bodyPr rtlCol="0" anchor="ctr"/>
+          <a:lstStyle/>
+          <a:p>
+            <a:pPr algn="ctr"/>
+            <a:endParaRPr lang="en-IN"/>
+          </a:p>
+        </p:txBody>
+      </p:sp>
+      <p:sp>
+        <p:nvSpPr>
+          <p:cNvPr id="9" name="TextBox 8">
+            <a:extLst>
+              <a:ext uri="{FF2B5EF4-FFF2-40B4-BE49-F238E27FC236}">
+                <a16:creationId xmlns:a16="http://schemas.microsoft.com/office/drawing/2014/main" id="{63EC09E3-5912-38E4-6F4D-0B9DE3A31218}"/>
+              </a:ext>
+            </a:extLst>
+          </p:cNvPr>
+          <p:cNvSpPr txBox="1"/>
+          <p:nvPr/>
+        </p:nvSpPr>
+        <p:spPr>
+          <a:xfrm>
+            <a:off x="7300584" y="6022784"/>
+            <a:ext cx="3536930" cy="400110"/>
+          </a:xfrm>
+          <a:prstGeom prst="rect">
+            <a:avLst/>
+          </a:prstGeom>
+          <a:noFill/>
+        </p:spPr>
+        <p:txBody>
+          <a:bodyPr wrap="square" rtlCol="0">
+            <a:spAutoFit/>
+          </a:bodyPr>
+          <a:lstStyle/>
+          <a:p>
+            <a:r>
+              <a:rPr lang="en-US" sz="2000" i="1" dirty="0"/>
+              <a:t>Customer Churn By Credit Cards</a:t>
+            </a:r>
+            <a:endParaRPr lang="en-IN" sz="2000" i="1" dirty="0"/>
+          </a:p>
+        </p:txBody>
+      </p:sp>
     </p:spTree>
     <p:extLst>
       <p:ext uri="{BB962C8B-B14F-4D97-AF65-F5344CB8AC3E}">
@@ -16590,46 +17423,6 @@
           <a:chExt cx="0" cy="0"/>
         </a:xfrm>
       </p:grpSpPr>
-      <p:sp>
-        <p:nvSpPr>
-          <p:cNvPr id="2" name="Title 1">
-            <a:extLst>
-              <a:ext uri="{FF2B5EF4-FFF2-40B4-BE49-F238E27FC236}">
-                <a16:creationId xmlns:a16="http://schemas.microsoft.com/office/drawing/2014/main" id="{ED061922-1447-1D31-81D1-104D75D8DB43}"/>
-              </a:ext>
-            </a:extLst>
-          </p:cNvPr>
-          <p:cNvSpPr>
-            <a:spLocks noGrp="1"/>
-          </p:cNvSpPr>
-          <p:nvPr>
-            <p:ph type="title" idx="4294967295"/>
-          </p:nvPr>
-        </p:nvSpPr>
-        <p:spPr>
-          <a:xfrm>
-            <a:off x="1599802" y="-209863"/>
-            <a:ext cx="8992393" cy="823913"/>
-          </a:xfrm>
-        </p:spPr>
-        <p:txBody>
-          <a:bodyPr vert="horz" lIns="91440" tIns="45720" rIns="91440" bIns="45720" rtlCol="0" anchor="b">
-            <a:normAutofit/>
-          </a:bodyPr>
-          <a:lstStyle/>
-          <a:p>
-            <a:pPr algn="ctr"/>
-            <a:r>
-              <a:rPr lang="en-IN" sz="3600" dirty="0">
-                <a:highlight>
-                  <a:srgbClr val="008080"/>
-                </a:highlight>
-              </a:rPr>
-              <a:t>Strategies to Reduce Churn</a:t>
-            </a:r>
-          </a:p>
-        </p:txBody>
-      </p:sp>
       <p:graphicFrame>
         <p:nvGraphicFramePr>
           <p:cNvPr id="4" name="Diagram 3">
@@ -16643,14 +17436,14 @@
           <p:nvPr>
             <p:extLst>
               <p:ext uri="{D42A27DB-BD31-4B8C-83A1-F6EECF244321}">
-                <p14:modId xmlns:p14="http://schemas.microsoft.com/office/powerpoint/2010/main" val="383484591"/>
+                <p14:modId xmlns:p14="http://schemas.microsoft.com/office/powerpoint/2010/main" val="743777372"/>
               </p:ext>
             </p:extLst>
           </p:nvPr>
         </p:nvGraphicFramePr>
         <p:xfrm>
-          <a:off x="2031999" y="1064440"/>
-          <a:ext cx="8128000" cy="5418667"/>
+          <a:off x="3066320" y="1004479"/>
+          <a:ext cx="6437444" cy="5681135"/>
         </p:xfrm>
         <a:graphic>
           <a:graphicData uri="http://schemas.openxmlformats.org/drawingml/2006/diagram">
@@ -16658,6 +17451,147 @@
           </a:graphicData>
         </a:graphic>
       </p:graphicFrame>
+      <p:sp>
+        <p:nvSpPr>
+          <p:cNvPr id="3" name="Rectangle 2">
+            <a:extLst>
+              <a:ext uri="{FF2B5EF4-FFF2-40B4-BE49-F238E27FC236}">
+                <a16:creationId xmlns:a16="http://schemas.microsoft.com/office/drawing/2014/main" id="{76AB043E-2D0D-5E8B-1488-987D69068E24}"/>
+              </a:ext>
+            </a:extLst>
+          </p:cNvPr>
+          <p:cNvSpPr/>
+          <p:nvPr/>
+        </p:nvSpPr>
+        <p:spPr>
+          <a:xfrm>
+            <a:off x="0" y="-29900"/>
+            <a:ext cx="12192000" cy="619879"/>
+          </a:xfrm>
+          <a:prstGeom prst="rect">
+            <a:avLst/>
+          </a:prstGeom>
+        </p:spPr>
+        <p:style>
+          <a:lnRef idx="2">
+            <a:schemeClr val="accent1">
+              <a:shade val="15000"/>
+            </a:schemeClr>
+          </a:lnRef>
+          <a:fillRef idx="1">
+            <a:schemeClr val="accent1"/>
+          </a:fillRef>
+          <a:effectRef idx="0">
+            <a:schemeClr val="accent1"/>
+          </a:effectRef>
+          <a:fontRef idx="minor">
+            <a:schemeClr val="lt1"/>
+          </a:fontRef>
+        </p:style>
+        <p:txBody>
+          <a:bodyPr rtlCol="0" anchor="ctr"/>
+          <a:lstStyle/>
+          <a:p>
+            <a:pPr algn="ctr"/>
+            <a:r>
+              <a:rPr lang="en-IN" sz="3200" dirty="0"/>
+              <a:t>Strategies to Reduce Churn</a:t>
+            </a:r>
+          </a:p>
+        </p:txBody>
+      </p:sp>
+      <p:sp>
+        <p:nvSpPr>
+          <p:cNvPr id="5" name="Rectangle 4">
+            <a:extLst>
+              <a:ext uri="{FF2B5EF4-FFF2-40B4-BE49-F238E27FC236}">
+                <a16:creationId xmlns:a16="http://schemas.microsoft.com/office/drawing/2014/main" id="{3299873F-FDF1-9C40-15C4-AA6D3F099162}"/>
+              </a:ext>
+            </a:extLst>
+          </p:cNvPr>
+          <p:cNvSpPr/>
+          <p:nvPr/>
+        </p:nvSpPr>
+        <p:spPr>
+          <a:xfrm>
+            <a:off x="2688236" y="1251748"/>
+            <a:ext cx="45719" cy="5186596"/>
+          </a:xfrm>
+          <a:prstGeom prst="rect">
+            <a:avLst/>
+          </a:prstGeom>
+        </p:spPr>
+        <p:style>
+          <a:lnRef idx="2">
+            <a:schemeClr val="accent1">
+              <a:shade val="15000"/>
+            </a:schemeClr>
+          </a:lnRef>
+          <a:fillRef idx="1">
+            <a:schemeClr val="accent1"/>
+          </a:fillRef>
+          <a:effectRef idx="0">
+            <a:schemeClr val="accent1"/>
+          </a:effectRef>
+          <a:fontRef idx="minor">
+            <a:schemeClr val="lt1"/>
+          </a:fontRef>
+        </p:style>
+        <p:txBody>
+          <a:bodyPr rtlCol="0" anchor="ctr"/>
+          <a:lstStyle/>
+          <a:p>
+            <a:pPr algn="ctr"/>
+            <a:endParaRPr lang="en-IN"/>
+          </a:p>
+        </p:txBody>
+      </p:sp>
+      <p:sp>
+        <p:nvSpPr>
+          <p:cNvPr id="6" name="Rectangle 5">
+            <a:extLst>
+              <a:ext uri="{FF2B5EF4-FFF2-40B4-BE49-F238E27FC236}">
+                <a16:creationId xmlns:a16="http://schemas.microsoft.com/office/drawing/2014/main" id="{41DD07C4-AC67-856B-070E-465BECE48D38}"/>
+              </a:ext>
+            </a:extLst>
+          </p:cNvPr>
+          <p:cNvSpPr/>
+          <p:nvPr/>
+        </p:nvSpPr>
+        <p:spPr>
+          <a:xfrm>
+            <a:off x="9813269" y="1251748"/>
+            <a:ext cx="45719" cy="5186596"/>
+          </a:xfrm>
+          <a:prstGeom prst="rect">
+            <a:avLst/>
+          </a:prstGeom>
+        </p:spPr>
+        <p:style>
+          <a:lnRef idx="2">
+            <a:schemeClr val="accent1">
+              <a:shade val="15000"/>
+            </a:schemeClr>
+          </a:lnRef>
+          <a:fillRef idx="1">
+            <a:schemeClr val="accent1"/>
+          </a:fillRef>
+          <a:effectRef idx="0">
+            <a:schemeClr val="accent1"/>
+          </a:effectRef>
+          <a:fontRef idx="minor">
+            <a:schemeClr val="lt1"/>
+          </a:fontRef>
+        </p:style>
+        <p:txBody>
+          <a:bodyPr rtlCol="0" anchor="ctr"/>
+          <a:lstStyle/>
+          <a:p>
+            <a:pPr algn="ctr"/>
+            <a:endParaRPr lang="en-IN"/>
+          </a:p>
+        </p:txBody>
+      </p:sp>
     </p:spTree>
     <p:extLst>
       <p:ext uri="{BB962C8B-B14F-4D97-AF65-F5344CB8AC3E}">
